--- a/Python Funkcijas.pptx
+++ b/Python Funkcijas.pptx
@@ -5,10 +5,10 @@
     <p:sldMasterId id="2147483648" r:id="rId4"/>
   </p:sldMasterIdLst>
   <p:notesMasterIdLst>
-    <p:notesMasterId r:id="rId20"/>
+    <p:notesMasterId r:id="rId16"/>
   </p:notesMasterIdLst>
   <p:handoutMasterIdLst>
-    <p:handoutMasterId r:id="rId21"/>
+    <p:handoutMasterId r:id="rId17"/>
   </p:handoutMasterIdLst>
   <p:sldIdLst>
     <p:sldId id="256" r:id="rId5"/>
@@ -16,16 +16,12 @@
     <p:sldId id="260" r:id="rId7"/>
     <p:sldId id="258" r:id="rId8"/>
     <p:sldId id="286" r:id="rId9"/>
-    <p:sldId id="261" r:id="rId10"/>
-    <p:sldId id="262" r:id="rId11"/>
-    <p:sldId id="283" r:id="rId12"/>
-    <p:sldId id="264" r:id="rId13"/>
-    <p:sldId id="266" r:id="rId14"/>
-    <p:sldId id="284" r:id="rId15"/>
-    <p:sldId id="267" r:id="rId16"/>
-    <p:sldId id="269" r:id="rId17"/>
-    <p:sldId id="268" r:id="rId18"/>
-    <p:sldId id="285" r:id="rId19"/>
+    <p:sldId id="287" r:id="rId10"/>
+    <p:sldId id="289" r:id="rId11"/>
+    <p:sldId id="261" r:id="rId12"/>
+    <p:sldId id="288" r:id="rId13"/>
+    <p:sldId id="290" r:id="rId14"/>
+    <p:sldId id="291" r:id="rId15"/>
   </p:sldIdLst>
   <p:sldSz cx="12192000" cy="6858000"/>
   <p:notesSz cx="6858000" cy="9144000"/>
@@ -146,917 +142,6 @@
 </p:presentation>
 </file>
 
-<file path=ppt/charts/chart1.xml><?xml version="1.0" encoding="utf-8"?>
-<c:chartSpace xmlns:c="http://schemas.openxmlformats.org/drawingml/2006/chart" xmlns:a="http://schemas.openxmlformats.org/drawingml/2006/main" xmlns:r="http://schemas.openxmlformats.org/officeDocument/2006/relationships" xmlns:c16r2="http://schemas.microsoft.com/office/drawing/2015/06/chart">
-  <c:date1904 val="0"/>
-  <c:lang val="en-US"/>
-  <c:roundedCorners val="0"/>
-  <mc:AlternateContent xmlns:mc="http://schemas.openxmlformats.org/markup-compatibility/2006">
-    <mc:Choice xmlns:c14="http://schemas.microsoft.com/office/drawing/2007/8/2/chart" Requires="c14">
-      <c14:style val="102"/>
-    </mc:Choice>
-    <mc:Fallback>
-      <c:style val="2"/>
-    </mc:Fallback>
-  </mc:AlternateContent>
-  <c:chart>
-    <c:autoTitleDeleted val="1"/>
-    <c:plotArea>
-      <c:layout/>
-      <c:barChart>
-        <c:barDir val="col"/>
-        <c:grouping val="clustered"/>
-        <c:varyColors val="0"/>
-        <c:ser>
-          <c:idx val="0"/>
-          <c:order val="0"/>
-          <c:tx>
-            <c:strRef>
-              <c:f>Sheet1!$B$1</c:f>
-              <c:strCache>
-                <c:ptCount val="1"/>
-                <c:pt idx="0">
-                  <c:v>Series 1</c:v>
-                </c:pt>
-              </c:strCache>
-            </c:strRef>
-          </c:tx>
-          <c:spPr>
-            <a:solidFill>
-              <a:schemeClr val="accent3"/>
-            </a:solidFill>
-            <a:ln>
-              <a:noFill/>
-            </a:ln>
-            <a:effectLst/>
-          </c:spPr>
-          <c:invertIfNegative val="0"/>
-          <c:dPt>
-            <c:idx val="1"/>
-            <c:invertIfNegative val="0"/>
-            <c:bubble3D val="0"/>
-            <c:spPr>
-              <a:pattFill prst="ltUpDiag">
-                <a:fgClr>
-                  <a:schemeClr val="accent1">
-                    <a:lumMod val="50000"/>
-                  </a:schemeClr>
-                </a:fgClr>
-                <a:bgClr>
-                  <a:schemeClr val="accent6"/>
-                </a:bgClr>
-              </a:pattFill>
-              <a:ln w="12700">
-                <a:solidFill>
-                  <a:schemeClr val="accent6">
-                    <a:lumMod val="60000"/>
-                    <a:lumOff val="40000"/>
-                  </a:schemeClr>
-                </a:solidFill>
-              </a:ln>
-              <a:effectLst/>
-            </c:spPr>
-            <c:extLst>
-              <c:ext xmlns:c16="http://schemas.microsoft.com/office/drawing/2014/chart" uri="{C3380CC4-5D6E-409C-BE32-E72D297353CC}">
-                <c16:uniqueId val="{00000001-73FB-9843-92B3-91A80E32B7C5}"/>
-              </c:ext>
-            </c:extLst>
-          </c:dPt>
-          <c:dPt>
-            <c:idx val="2"/>
-            <c:invertIfNegative val="0"/>
-            <c:bubble3D val="0"/>
-            <c:spPr>
-              <a:pattFill prst="ltUpDiag">
-                <a:fgClr>
-                  <a:schemeClr val="accent1">
-                    <a:lumMod val="50000"/>
-                  </a:schemeClr>
-                </a:fgClr>
-                <a:bgClr>
-                  <a:schemeClr val="accent3"/>
-                </a:bgClr>
-              </a:pattFill>
-              <a:ln w="12700">
-                <a:solidFill>
-                  <a:schemeClr val="accent3">
-                    <a:lumMod val="60000"/>
-                    <a:lumOff val="40000"/>
-                  </a:schemeClr>
-                </a:solidFill>
-              </a:ln>
-              <a:effectLst/>
-            </c:spPr>
-            <c:extLst>
-              <c:ext xmlns:c16="http://schemas.microsoft.com/office/drawing/2014/chart" uri="{C3380CC4-5D6E-409C-BE32-E72D297353CC}">
-                <c16:uniqueId val="{00000007-73FB-9843-92B3-91A80E32B7C5}"/>
-              </c:ext>
-            </c:extLst>
-          </c:dPt>
-          <c:dPt>
-            <c:idx val="3"/>
-            <c:invertIfNegative val="0"/>
-            <c:bubble3D val="0"/>
-            <c:spPr>
-              <a:pattFill prst="ltUpDiag">
-                <a:fgClr>
-                  <a:schemeClr val="accent1">
-                    <a:lumMod val="50000"/>
-                  </a:schemeClr>
-                </a:fgClr>
-                <a:bgClr>
-                  <a:schemeClr val="accent1">
-                    <a:lumMod val="60000"/>
-                    <a:lumOff val="40000"/>
-                  </a:schemeClr>
-                </a:bgClr>
-              </a:pattFill>
-              <a:ln w="12700">
-                <a:solidFill>
-                  <a:schemeClr val="accent1">
-                    <a:lumMod val="40000"/>
-                    <a:lumOff val="60000"/>
-                  </a:schemeClr>
-                </a:solidFill>
-              </a:ln>
-              <a:effectLst/>
-            </c:spPr>
-            <c:extLst>
-              <c:ext xmlns:c16="http://schemas.microsoft.com/office/drawing/2014/chart" uri="{C3380CC4-5D6E-409C-BE32-E72D297353CC}">
-                <c16:uniqueId val="{00000003-73FB-9843-92B3-91A80E32B7C5}"/>
-              </c:ext>
-            </c:extLst>
-          </c:dPt>
-          <c:dPt>
-            <c:idx val="4"/>
-            <c:invertIfNegative val="0"/>
-            <c:bubble3D val="0"/>
-            <c:spPr>
-              <a:pattFill prst="ltUpDiag">
-                <a:fgClr>
-                  <a:schemeClr val="accent1">
-                    <a:lumMod val="50000"/>
-                  </a:schemeClr>
-                </a:fgClr>
-                <a:bgClr>
-                  <a:schemeClr val="accent2"/>
-                </a:bgClr>
-              </a:pattFill>
-              <a:ln w="12700">
-                <a:solidFill>
-                  <a:schemeClr val="accent2">
-                    <a:lumMod val="60000"/>
-                    <a:lumOff val="40000"/>
-                  </a:schemeClr>
-                </a:solidFill>
-              </a:ln>
-              <a:effectLst/>
-            </c:spPr>
-            <c:extLst>
-              <c:ext xmlns:c16="http://schemas.microsoft.com/office/drawing/2014/chart" uri="{C3380CC4-5D6E-409C-BE32-E72D297353CC}">
-                <c16:uniqueId val="{00000005-73FB-9843-92B3-91A80E32B7C5}"/>
-              </c:ext>
-            </c:extLst>
-          </c:dPt>
-          <c:cat>
-            <c:strRef>
-              <c:f>Sheet1!$A$2:$A$6</c:f>
-              <c:strCache>
-                <c:ptCount val="5"/>
-                <c:pt idx="0">
-                  <c:v>20YY</c:v>
-                </c:pt>
-                <c:pt idx="1">
-                  <c:v>20YY</c:v>
-                </c:pt>
-                <c:pt idx="2">
-                  <c:v>20YY</c:v>
-                </c:pt>
-                <c:pt idx="3">
-                  <c:v>20YY</c:v>
-                </c:pt>
-                <c:pt idx="4">
-                  <c:v>20YY</c:v>
-                </c:pt>
-              </c:strCache>
-            </c:strRef>
-          </c:cat>
-          <c:val>
-            <c:numRef>
-              <c:f>Sheet1!$B$2:$B$6</c:f>
-              <c:numCache>
-                <c:formatCode>[$$-409]#,##0</c:formatCode>
-                <c:ptCount val="5"/>
-                <c:pt idx="0">
-                  <c:v>0</c:v>
-                </c:pt>
-                <c:pt idx="1">
-                  <c:v>6750</c:v>
-                </c:pt>
-                <c:pt idx="2">
-                  <c:v>33750</c:v>
-                </c:pt>
-                <c:pt idx="3">
-                  <c:v>135000</c:v>
-                </c:pt>
-                <c:pt idx="4">
-                  <c:v>270000</c:v>
-                </c:pt>
-              </c:numCache>
-            </c:numRef>
-          </c:val>
-          <c:extLst>
-            <c:ext xmlns:c16="http://schemas.microsoft.com/office/drawing/2014/chart" uri="{C3380CC4-5D6E-409C-BE32-E72D297353CC}">
-              <c16:uniqueId val="{00000006-73FB-9843-92B3-91A80E32B7C5}"/>
-            </c:ext>
-          </c:extLst>
-        </c:ser>
-        <c:dLbls>
-          <c:showLegendKey val="0"/>
-          <c:showVal val="0"/>
-          <c:showCatName val="0"/>
-          <c:showSerName val="0"/>
-          <c:showPercent val="0"/>
-          <c:showBubbleSize val="0"/>
-        </c:dLbls>
-        <c:gapWidth val="24"/>
-        <c:axId val="1000041416"/>
-        <c:axId val="1000041744"/>
-      </c:barChart>
-      <c:catAx>
-        <c:axId val="1000041416"/>
-        <c:scaling>
-          <c:orientation val="minMax"/>
-        </c:scaling>
-        <c:delete val="0"/>
-        <c:axPos val="b"/>
-        <c:numFmt formatCode="General" sourceLinked="1"/>
-        <c:majorTickMark val="none"/>
-        <c:minorTickMark val="none"/>
-        <c:tickLblPos val="nextTo"/>
-        <c:spPr>
-          <a:noFill/>
-          <a:ln w="9525" cap="flat" cmpd="sng" algn="ctr">
-            <a:solidFill>
-              <a:schemeClr val="tx1">
-                <a:lumMod val="15000"/>
-                <a:lumOff val="85000"/>
-              </a:schemeClr>
-            </a:solidFill>
-            <a:round/>
-          </a:ln>
-          <a:effectLst/>
-        </c:spPr>
-        <c:txPr>
-          <a:bodyPr rot="-60000000" spcFirstLastPara="1" vertOverflow="ellipsis" vert="horz" wrap="square" anchor="ctr" anchorCtr="1"/>
-          <a:lstStyle/>
-          <a:p>
-            <a:pPr>
-              <a:defRPr sz="1197" b="0" i="0" u="none" strike="noStrike" kern="1200" baseline="0">
-                <a:solidFill>
-                  <a:schemeClr val="bg1"/>
-                </a:solidFill>
-                <a:latin typeface="+mn-lt"/>
-                <a:ea typeface="+mn-ea"/>
-                <a:cs typeface="+mn-cs"/>
-              </a:defRPr>
-            </a:pPr>
-            <a:endParaRPr lang="en-US"/>
-          </a:p>
-        </c:txPr>
-        <c:crossAx val="1000041744"/>
-        <c:crosses val="autoZero"/>
-        <c:auto val="1"/>
-        <c:lblAlgn val="ctr"/>
-        <c:lblOffset val="100"/>
-        <c:noMultiLvlLbl val="0"/>
-      </c:catAx>
-      <c:valAx>
-        <c:axId val="1000041744"/>
-        <c:scaling>
-          <c:orientation val="minMax"/>
-        </c:scaling>
-        <c:delete val="0"/>
-        <c:axPos val="l"/>
-        <c:numFmt formatCode="[$$-409]#,##0" sourceLinked="1"/>
-        <c:majorTickMark val="none"/>
-        <c:minorTickMark val="none"/>
-        <c:tickLblPos val="nextTo"/>
-        <c:spPr>
-          <a:noFill/>
-          <a:ln>
-            <a:noFill/>
-          </a:ln>
-          <a:effectLst/>
-        </c:spPr>
-        <c:txPr>
-          <a:bodyPr rot="-60000000" spcFirstLastPara="1" vertOverflow="ellipsis" vert="horz" wrap="square" anchor="ctr" anchorCtr="1"/>
-          <a:lstStyle/>
-          <a:p>
-            <a:pPr>
-              <a:defRPr sz="1197" b="0" i="0" u="none" strike="noStrike" kern="1200" baseline="0">
-                <a:solidFill>
-                  <a:schemeClr val="bg1"/>
-                </a:solidFill>
-                <a:latin typeface="+mn-lt"/>
-                <a:ea typeface="+mn-ea"/>
-                <a:cs typeface="+mn-cs"/>
-              </a:defRPr>
-            </a:pPr>
-            <a:endParaRPr lang="en-US"/>
-          </a:p>
-        </c:txPr>
-        <c:crossAx val="1000041416"/>
-        <c:crosses val="autoZero"/>
-        <c:crossBetween val="between"/>
-      </c:valAx>
-      <c:spPr>
-        <a:noFill/>
-        <a:ln>
-          <a:noFill/>
-        </a:ln>
-        <a:effectLst/>
-      </c:spPr>
-    </c:plotArea>
-    <c:plotVisOnly val="1"/>
-    <c:dispBlanksAs val="gap"/>
-    <c:extLst>
-      <c:ext xmlns:c16r3="http://schemas.microsoft.com/office/drawing/2017/03/chart" uri="{56B9EC1D-385E-4148-901F-78D8002777C0}">
-        <c16r3:dataDisplayOptions16>
-          <c16r3:dispNaAsBlank val="1"/>
-        </c16r3:dataDisplayOptions16>
-      </c:ext>
-    </c:extLst>
-    <c:showDLblsOverMax val="0"/>
-  </c:chart>
-  <c:spPr>
-    <a:noFill/>
-    <a:ln>
-      <a:noFill/>
-    </a:ln>
-    <a:effectLst/>
-  </c:spPr>
-  <c:txPr>
-    <a:bodyPr/>
-    <a:lstStyle/>
-    <a:p>
-      <a:pPr>
-        <a:defRPr>
-          <a:latin typeface="+mn-lt"/>
-        </a:defRPr>
-      </a:pPr>
-      <a:endParaRPr lang="en-US"/>
-    </a:p>
-  </c:txPr>
-  <c:externalData r:id="rId3">
-    <c:autoUpdate val="0"/>
-  </c:externalData>
-</c:chartSpace>
-</file>
-
-<file path=ppt/charts/colors1.xml><?xml version="1.0" encoding="utf-8"?>
-<cs:colorStyle xmlns:cs="http://schemas.microsoft.com/office/drawing/2012/chartStyle" xmlns:a="http://schemas.openxmlformats.org/drawingml/2006/main" meth="cycle" id="10">
-  <a:schemeClr val="accent1"/>
-  <a:schemeClr val="accent2"/>
-  <a:schemeClr val="accent3"/>
-  <a:schemeClr val="accent4"/>
-  <a:schemeClr val="accent5"/>
-  <a:schemeClr val="accent6"/>
-  <cs:variation/>
-  <cs:variation>
-    <a:lumMod val="60000"/>
-  </cs:variation>
-  <cs:variation>
-    <a:lumMod val="80000"/>
-    <a:lumOff val="20000"/>
-  </cs:variation>
-  <cs:variation>
-    <a:lumMod val="80000"/>
-  </cs:variation>
-  <cs:variation>
-    <a:lumMod val="60000"/>
-    <a:lumOff val="40000"/>
-  </cs:variation>
-  <cs:variation>
-    <a:lumMod val="50000"/>
-  </cs:variation>
-  <cs:variation>
-    <a:lumMod val="70000"/>
-    <a:lumOff val="30000"/>
-  </cs:variation>
-  <cs:variation>
-    <a:lumMod val="70000"/>
-  </cs:variation>
-  <cs:variation>
-    <a:lumMod val="50000"/>
-    <a:lumOff val="50000"/>
-  </cs:variation>
-</cs:colorStyle>
-</file>
-
-<file path=ppt/charts/style1.xml><?xml version="1.0" encoding="utf-8"?>
-<cs:chartStyle xmlns:cs="http://schemas.microsoft.com/office/drawing/2012/chartStyle" xmlns:a="http://schemas.openxmlformats.org/drawingml/2006/main" id="201">
-  <cs:axisTitle>
-    <cs:lnRef idx="0"/>
-    <cs:fillRef idx="0"/>
-    <cs:effectRef idx="0"/>
-    <cs:fontRef idx="minor">
-      <a:schemeClr val="tx1">
-        <a:lumMod val="65000"/>
-        <a:lumOff val="35000"/>
-      </a:schemeClr>
-    </cs:fontRef>
-    <cs:defRPr sz="1330" kern="1200"/>
-  </cs:axisTitle>
-  <cs:categoryAxis>
-    <cs:lnRef idx="0"/>
-    <cs:fillRef idx="0"/>
-    <cs:effectRef idx="0"/>
-    <cs:fontRef idx="minor">
-      <a:schemeClr val="tx1">
-        <a:lumMod val="65000"/>
-        <a:lumOff val="35000"/>
-      </a:schemeClr>
-    </cs:fontRef>
-    <cs:spPr>
-      <a:ln w="9525" cap="flat" cmpd="sng" algn="ctr">
-        <a:solidFill>
-          <a:schemeClr val="tx1">
-            <a:lumMod val="15000"/>
-            <a:lumOff val="85000"/>
-          </a:schemeClr>
-        </a:solidFill>
-        <a:round/>
-      </a:ln>
-    </cs:spPr>
-    <cs:defRPr sz="1197" kern="1200"/>
-  </cs:categoryAxis>
-  <cs:chartArea mods="allowNoFillOverride allowNoLineOverride">
-    <cs:lnRef idx="0"/>
-    <cs:fillRef idx="0"/>
-    <cs:effectRef idx="0"/>
-    <cs:fontRef idx="minor">
-      <a:schemeClr val="tx1"/>
-    </cs:fontRef>
-    <cs:spPr>
-      <a:solidFill>
-        <a:schemeClr val="bg1"/>
-      </a:solidFill>
-      <a:ln w="9525" cap="flat" cmpd="sng" algn="ctr">
-        <a:solidFill>
-          <a:schemeClr val="tx1">
-            <a:lumMod val="15000"/>
-            <a:lumOff val="85000"/>
-          </a:schemeClr>
-        </a:solidFill>
-        <a:round/>
-      </a:ln>
-    </cs:spPr>
-    <cs:defRPr sz="1330" kern="1200"/>
-  </cs:chartArea>
-  <cs:dataLabel>
-    <cs:lnRef idx="0"/>
-    <cs:fillRef idx="0"/>
-    <cs:effectRef idx="0"/>
-    <cs:fontRef idx="minor">
-      <a:schemeClr val="tx1">
-        <a:lumMod val="75000"/>
-        <a:lumOff val="25000"/>
-      </a:schemeClr>
-    </cs:fontRef>
-    <cs:defRPr sz="1197" kern="1200"/>
-  </cs:dataLabel>
-  <cs:dataLabelCallout>
-    <cs:lnRef idx="0"/>
-    <cs:fillRef idx="0"/>
-    <cs:effectRef idx="0"/>
-    <cs:fontRef idx="minor">
-      <a:schemeClr val="dk1">
-        <a:lumMod val="65000"/>
-        <a:lumOff val="35000"/>
-      </a:schemeClr>
-    </cs:fontRef>
-    <cs:spPr>
-      <a:solidFill>
-        <a:schemeClr val="lt1"/>
-      </a:solidFill>
-      <a:ln>
-        <a:solidFill>
-          <a:schemeClr val="dk1">
-            <a:lumMod val="25000"/>
-            <a:lumOff val="75000"/>
-          </a:schemeClr>
-        </a:solidFill>
-      </a:ln>
-    </cs:spPr>
-    <cs:defRPr sz="1197" kern="1200"/>
-    <cs:bodyPr rot="0" spcFirstLastPara="1" vertOverflow="clip" horzOverflow="clip" vert="horz" wrap="square" lIns="36576" tIns="18288" rIns="36576" bIns="18288" anchor="ctr" anchorCtr="1">
-      <a:spAutoFit/>
-    </cs:bodyPr>
-  </cs:dataLabelCallout>
-  <cs:dataPoint>
-    <cs:lnRef idx="0"/>
-    <cs:fillRef idx="1">
-      <cs:styleClr val="auto"/>
-    </cs:fillRef>
-    <cs:effectRef idx="0"/>
-    <cs:fontRef idx="minor">
-      <a:schemeClr val="tx1"/>
-    </cs:fontRef>
-  </cs:dataPoint>
-  <cs:dataPoint3D>
-    <cs:lnRef idx="0"/>
-    <cs:fillRef idx="1">
-      <cs:styleClr val="auto"/>
-    </cs:fillRef>
-    <cs:effectRef idx="0"/>
-    <cs:fontRef idx="minor">
-      <a:schemeClr val="tx1"/>
-    </cs:fontRef>
-  </cs:dataPoint3D>
-  <cs:dataPointLine>
-    <cs:lnRef idx="0">
-      <cs:styleClr val="auto"/>
-    </cs:lnRef>
-    <cs:fillRef idx="1"/>
-    <cs:effectRef idx="0"/>
-    <cs:fontRef idx="minor">
-      <a:schemeClr val="tx1"/>
-    </cs:fontRef>
-    <cs:spPr>
-      <a:ln w="28575" cap="rnd">
-        <a:solidFill>
-          <a:schemeClr val="phClr"/>
-        </a:solidFill>
-        <a:round/>
-      </a:ln>
-    </cs:spPr>
-  </cs:dataPointLine>
-  <cs:dataPointMarker>
-    <cs:lnRef idx="0">
-      <cs:styleClr val="auto"/>
-    </cs:lnRef>
-    <cs:fillRef idx="1">
-      <cs:styleClr val="auto"/>
-    </cs:fillRef>
-    <cs:effectRef idx="0"/>
-    <cs:fontRef idx="minor">
-      <a:schemeClr val="tx1"/>
-    </cs:fontRef>
-    <cs:spPr>
-      <a:ln w="9525">
-        <a:solidFill>
-          <a:schemeClr val="phClr"/>
-        </a:solidFill>
-      </a:ln>
-    </cs:spPr>
-  </cs:dataPointMarker>
-  <cs:dataPointMarkerLayout symbol="circle" size="5"/>
-  <cs:dataPointWireframe>
-    <cs:lnRef idx="0">
-      <cs:styleClr val="auto"/>
-    </cs:lnRef>
-    <cs:fillRef idx="1"/>
-    <cs:effectRef idx="0"/>
-    <cs:fontRef idx="minor">
-      <a:schemeClr val="tx1"/>
-    </cs:fontRef>
-    <cs:spPr>
-      <a:ln w="9525" cap="rnd">
-        <a:solidFill>
-          <a:schemeClr val="phClr"/>
-        </a:solidFill>
-        <a:round/>
-      </a:ln>
-    </cs:spPr>
-  </cs:dataPointWireframe>
-  <cs:dataTable>
-    <cs:lnRef idx="0"/>
-    <cs:fillRef idx="0"/>
-    <cs:effectRef idx="0"/>
-    <cs:fontRef idx="minor">
-      <a:schemeClr val="tx1">
-        <a:lumMod val="65000"/>
-        <a:lumOff val="35000"/>
-      </a:schemeClr>
-    </cs:fontRef>
-    <cs:spPr>
-      <a:noFill/>
-      <a:ln w="9525" cap="flat" cmpd="sng" algn="ctr">
-        <a:solidFill>
-          <a:schemeClr val="tx1">
-            <a:lumMod val="15000"/>
-            <a:lumOff val="85000"/>
-          </a:schemeClr>
-        </a:solidFill>
-        <a:round/>
-      </a:ln>
-    </cs:spPr>
-    <cs:defRPr sz="1197" kern="1200"/>
-  </cs:dataTable>
-  <cs:downBar>
-    <cs:lnRef idx="0"/>
-    <cs:fillRef idx="0"/>
-    <cs:effectRef idx="0"/>
-    <cs:fontRef idx="minor">
-      <a:schemeClr val="dk1"/>
-    </cs:fontRef>
-    <cs:spPr>
-      <a:solidFill>
-        <a:schemeClr val="dk1">
-          <a:lumMod val="65000"/>
-          <a:lumOff val="35000"/>
-        </a:schemeClr>
-      </a:solidFill>
-      <a:ln w="9525">
-        <a:solidFill>
-          <a:schemeClr val="tx1">
-            <a:lumMod val="65000"/>
-            <a:lumOff val="35000"/>
-          </a:schemeClr>
-        </a:solidFill>
-      </a:ln>
-    </cs:spPr>
-  </cs:downBar>
-  <cs:dropLine>
-    <cs:lnRef idx="0"/>
-    <cs:fillRef idx="0"/>
-    <cs:effectRef idx="0"/>
-    <cs:fontRef idx="minor">
-      <a:schemeClr val="tx1"/>
-    </cs:fontRef>
-    <cs:spPr>
-      <a:ln w="9525" cap="flat" cmpd="sng" algn="ctr">
-        <a:solidFill>
-          <a:schemeClr val="tx1">
-            <a:lumMod val="35000"/>
-            <a:lumOff val="65000"/>
-          </a:schemeClr>
-        </a:solidFill>
-        <a:round/>
-      </a:ln>
-    </cs:spPr>
-  </cs:dropLine>
-  <cs:errorBar>
-    <cs:lnRef idx="0"/>
-    <cs:fillRef idx="0"/>
-    <cs:effectRef idx="0"/>
-    <cs:fontRef idx="minor">
-      <a:schemeClr val="tx1"/>
-    </cs:fontRef>
-    <cs:spPr>
-      <a:ln w="9525" cap="flat" cmpd="sng" algn="ctr">
-        <a:solidFill>
-          <a:schemeClr val="tx1">
-            <a:lumMod val="65000"/>
-            <a:lumOff val="35000"/>
-          </a:schemeClr>
-        </a:solidFill>
-        <a:round/>
-      </a:ln>
-    </cs:spPr>
-  </cs:errorBar>
-  <cs:floor>
-    <cs:lnRef idx="0"/>
-    <cs:fillRef idx="0"/>
-    <cs:effectRef idx="0"/>
-    <cs:fontRef idx="minor">
-      <a:schemeClr val="tx1"/>
-    </cs:fontRef>
-    <cs:spPr>
-      <a:noFill/>
-      <a:ln>
-        <a:noFill/>
-      </a:ln>
-    </cs:spPr>
-  </cs:floor>
-  <cs:gridlineMajor>
-    <cs:lnRef idx="0"/>
-    <cs:fillRef idx="0"/>
-    <cs:effectRef idx="0"/>
-    <cs:fontRef idx="minor">
-      <a:schemeClr val="tx1"/>
-    </cs:fontRef>
-    <cs:spPr>
-      <a:ln w="9525" cap="flat" cmpd="sng" algn="ctr">
-        <a:solidFill>
-          <a:schemeClr val="tx1">
-            <a:lumMod val="15000"/>
-            <a:lumOff val="85000"/>
-          </a:schemeClr>
-        </a:solidFill>
-        <a:round/>
-      </a:ln>
-    </cs:spPr>
-  </cs:gridlineMajor>
-  <cs:gridlineMinor>
-    <cs:lnRef idx="0"/>
-    <cs:fillRef idx="0"/>
-    <cs:effectRef idx="0"/>
-    <cs:fontRef idx="minor">
-      <a:schemeClr val="tx1"/>
-    </cs:fontRef>
-    <cs:spPr>
-      <a:ln w="9525" cap="flat" cmpd="sng" algn="ctr">
-        <a:solidFill>
-          <a:schemeClr val="tx1">
-            <a:lumMod val="5000"/>
-            <a:lumOff val="95000"/>
-          </a:schemeClr>
-        </a:solidFill>
-        <a:round/>
-      </a:ln>
-    </cs:spPr>
-  </cs:gridlineMinor>
-  <cs:hiLoLine>
-    <cs:lnRef idx="0"/>
-    <cs:fillRef idx="0"/>
-    <cs:effectRef idx="0"/>
-    <cs:fontRef idx="minor">
-      <a:schemeClr val="tx1"/>
-    </cs:fontRef>
-    <cs:spPr>
-      <a:ln w="9525" cap="flat" cmpd="sng" algn="ctr">
-        <a:solidFill>
-          <a:schemeClr val="tx1">
-            <a:lumMod val="75000"/>
-            <a:lumOff val="25000"/>
-          </a:schemeClr>
-        </a:solidFill>
-        <a:round/>
-      </a:ln>
-    </cs:spPr>
-  </cs:hiLoLine>
-  <cs:leaderLine>
-    <cs:lnRef idx="0"/>
-    <cs:fillRef idx="0"/>
-    <cs:effectRef idx="0"/>
-    <cs:fontRef idx="minor">
-      <a:schemeClr val="tx1"/>
-    </cs:fontRef>
-    <cs:spPr>
-      <a:ln w="9525" cap="flat" cmpd="sng" algn="ctr">
-        <a:solidFill>
-          <a:schemeClr val="tx1">
-            <a:lumMod val="35000"/>
-            <a:lumOff val="65000"/>
-          </a:schemeClr>
-        </a:solidFill>
-        <a:round/>
-      </a:ln>
-    </cs:spPr>
-  </cs:leaderLine>
-  <cs:legend>
-    <cs:lnRef idx="0"/>
-    <cs:fillRef idx="0"/>
-    <cs:effectRef idx="0"/>
-    <cs:fontRef idx="minor">
-      <a:schemeClr val="tx1">
-        <a:lumMod val="65000"/>
-        <a:lumOff val="35000"/>
-      </a:schemeClr>
-    </cs:fontRef>
-    <cs:defRPr sz="1197" kern="1200"/>
-  </cs:legend>
-  <cs:plotArea mods="allowNoFillOverride allowNoLineOverride">
-    <cs:lnRef idx="0"/>
-    <cs:fillRef idx="0"/>
-    <cs:effectRef idx="0"/>
-    <cs:fontRef idx="minor">
-      <a:schemeClr val="tx1"/>
-    </cs:fontRef>
-  </cs:plotArea>
-  <cs:plotArea3D mods="allowNoFillOverride allowNoLineOverride">
-    <cs:lnRef idx="0"/>
-    <cs:fillRef idx="0"/>
-    <cs:effectRef idx="0"/>
-    <cs:fontRef idx="minor">
-      <a:schemeClr val="tx1"/>
-    </cs:fontRef>
-  </cs:plotArea3D>
-  <cs:seriesAxis>
-    <cs:lnRef idx="0"/>
-    <cs:fillRef idx="0"/>
-    <cs:effectRef idx="0"/>
-    <cs:fontRef idx="minor">
-      <a:schemeClr val="tx1">
-        <a:lumMod val="65000"/>
-        <a:lumOff val="35000"/>
-      </a:schemeClr>
-    </cs:fontRef>
-    <cs:defRPr sz="1197" kern="1200"/>
-  </cs:seriesAxis>
-  <cs:seriesLine>
-    <cs:lnRef idx="0"/>
-    <cs:fillRef idx="0"/>
-    <cs:effectRef idx="0"/>
-    <cs:fontRef idx="minor">
-      <a:schemeClr val="tx1"/>
-    </cs:fontRef>
-    <cs:spPr>
-      <a:ln w="9525" cap="flat" cmpd="sng" algn="ctr">
-        <a:solidFill>
-          <a:schemeClr val="tx1">
-            <a:lumMod val="35000"/>
-            <a:lumOff val="65000"/>
-          </a:schemeClr>
-        </a:solidFill>
-        <a:round/>
-      </a:ln>
-    </cs:spPr>
-  </cs:seriesLine>
-  <cs:title>
-    <cs:lnRef idx="0"/>
-    <cs:fillRef idx="0"/>
-    <cs:effectRef idx="0"/>
-    <cs:fontRef idx="minor">
-      <a:schemeClr val="tx1">
-        <a:lumMod val="65000"/>
-        <a:lumOff val="35000"/>
-      </a:schemeClr>
-    </cs:fontRef>
-    <cs:defRPr sz="1862" b="0" kern="1200" spc="0" baseline="0"/>
-  </cs:title>
-  <cs:trendline>
-    <cs:lnRef idx="0">
-      <cs:styleClr val="auto"/>
-    </cs:lnRef>
-    <cs:fillRef idx="0"/>
-    <cs:effectRef idx="0"/>
-    <cs:fontRef idx="minor">
-      <a:schemeClr val="tx1"/>
-    </cs:fontRef>
-    <cs:spPr>
-      <a:ln w="19050" cap="rnd">
-        <a:solidFill>
-          <a:schemeClr val="phClr"/>
-        </a:solidFill>
-        <a:prstDash val="sysDot"/>
-      </a:ln>
-    </cs:spPr>
-  </cs:trendline>
-  <cs:trendlineLabel>
-    <cs:lnRef idx="0"/>
-    <cs:fillRef idx="0"/>
-    <cs:effectRef idx="0"/>
-    <cs:fontRef idx="minor">
-      <a:schemeClr val="tx1">
-        <a:lumMod val="65000"/>
-        <a:lumOff val="35000"/>
-      </a:schemeClr>
-    </cs:fontRef>
-    <cs:defRPr sz="1197" kern="1200"/>
-  </cs:trendlineLabel>
-  <cs:upBar>
-    <cs:lnRef idx="0"/>
-    <cs:fillRef idx="0"/>
-    <cs:effectRef idx="0"/>
-    <cs:fontRef idx="minor">
-      <a:schemeClr val="dk1"/>
-    </cs:fontRef>
-    <cs:spPr>
-      <a:solidFill>
-        <a:schemeClr val="lt1"/>
-      </a:solidFill>
-      <a:ln w="9525">
-        <a:solidFill>
-          <a:schemeClr val="tx1">
-            <a:lumMod val="15000"/>
-            <a:lumOff val="85000"/>
-          </a:schemeClr>
-        </a:solidFill>
-      </a:ln>
-    </cs:spPr>
-  </cs:upBar>
-  <cs:valueAxis>
-    <cs:lnRef idx="0"/>
-    <cs:fillRef idx="0"/>
-    <cs:effectRef idx="0"/>
-    <cs:fontRef idx="minor">
-      <a:schemeClr val="tx1">
-        <a:lumMod val="65000"/>
-        <a:lumOff val="35000"/>
-      </a:schemeClr>
-    </cs:fontRef>
-    <cs:defRPr sz="1197" kern="1200"/>
-  </cs:valueAxis>
-  <cs:wall>
-    <cs:lnRef idx="0"/>
-    <cs:fillRef idx="0"/>
-    <cs:effectRef idx="0"/>
-    <cs:fontRef idx="minor">
-      <a:schemeClr val="tx1"/>
-    </cs:fontRef>
-    <cs:spPr>
-      <a:noFill/>
-      <a:ln>
-        <a:noFill/>
-      </a:ln>
-    </cs:spPr>
-  </cs:wall>
-</cs:chartStyle>
-</file>
-
 <file path=ppt/handoutMasters/handoutMaster1.xml><?xml version="1.0" encoding="utf-8"?>
 <p:handoutMaster xmlns:a="http://schemas.openxmlformats.org/drawingml/2006/main" xmlns:r="http://schemas.openxmlformats.org/officeDocument/2006/relationships" xmlns:p="http://schemas.openxmlformats.org/presentationml/2006/main">
   <p:cSld>
@@ -1151,7 +236,7 @@
           <a:p>
             <a:fld id="{1CA5457B-CDAE-4DEB-AEC8-C82DE2312E37}" type="datetimeFigureOut">
               <a:rPr lang="en-US" smtClean="0"/>
-              <a:t>6/8/2025</a:t>
+              <a:t>6/9/2025</a:t>
             </a:fld>
             <a:endParaRPr lang="en-US" dirty="0"/>
           </a:p>
@@ -1328,7 +413,7 @@
           <a:p>
             <a:fld id="{090B78EA-28CE-41D8-9043-90E391E5F567}" type="datetimeFigureOut">
               <a:rPr lang="en-US" noProof="0" smtClean="0"/>
-              <a:t>6/8/2025</a:t>
+              <a:t>6/9/2025</a:t>
             </a:fld>
             <a:endParaRPr lang="en-US" noProof="0" dirty="0"/>
           </a:p>
@@ -2938,6 +2023,18 @@
   <p:clrMapOvr>
     <a:masterClrMapping/>
   </p:clrMapOvr>
+  <mc:AlternateContent xmlns:mc="http://schemas.openxmlformats.org/markup-compatibility/2006">
+    <mc:Choice xmlns:p159="http://schemas.microsoft.com/office/powerpoint/2015/09/main" Requires="p159">
+      <p:transition xmlns:p14="http://schemas.microsoft.com/office/powerpoint/2010/main" spd="slow" p14:dur="2000">
+        <p159:morph option="byObject"/>
+      </p:transition>
+    </mc:Choice>
+    <mc:Fallback>
+      <p:transition spd="slow">
+        <p:fade/>
+      </p:transition>
+    </mc:Fallback>
+  </mc:AlternateContent>
 </p:sldLayout>
 </file>
 
@@ -4347,6 +3444,18 @@
   <p:clrMapOvr>
     <a:masterClrMapping/>
   </p:clrMapOvr>
+  <mc:AlternateContent xmlns:mc="http://schemas.openxmlformats.org/markup-compatibility/2006">
+    <mc:Choice xmlns:p159="http://schemas.microsoft.com/office/powerpoint/2015/09/main" Requires="p159">
+      <p:transition xmlns:p14="http://schemas.microsoft.com/office/powerpoint/2010/main" spd="slow" p14:dur="2000">
+        <p159:morph option="byObject"/>
+      </p:transition>
+    </mc:Choice>
+    <mc:Fallback>
+      <p:transition spd="slow">
+        <p:fade/>
+      </p:transition>
+    </mc:Fallback>
+  </mc:AlternateContent>
 </p:sldLayout>
 </file>
 
@@ -6611,6 +5720,18 @@
   <p:clrMapOvr>
     <a:masterClrMapping/>
   </p:clrMapOvr>
+  <mc:AlternateContent xmlns:mc="http://schemas.openxmlformats.org/markup-compatibility/2006">
+    <mc:Choice xmlns:p159="http://schemas.microsoft.com/office/powerpoint/2015/09/main" Requires="p159">
+      <p:transition xmlns:p14="http://schemas.microsoft.com/office/powerpoint/2010/main" spd="slow" p14:dur="2000">
+        <p159:morph option="byObject"/>
+      </p:transition>
+    </mc:Choice>
+    <mc:Fallback>
+      <p:transition spd="slow">
+        <p:fade/>
+      </p:transition>
+    </mc:Fallback>
+  </mc:AlternateContent>
 </p:sldLayout>
 </file>
 
@@ -8180,6 +7301,18 @@
   <p:clrMapOvr>
     <a:masterClrMapping/>
   </p:clrMapOvr>
+  <mc:AlternateContent xmlns:mc="http://schemas.openxmlformats.org/markup-compatibility/2006">
+    <mc:Choice xmlns:p159="http://schemas.microsoft.com/office/powerpoint/2015/09/main" Requires="p159">
+      <p:transition xmlns:p14="http://schemas.microsoft.com/office/powerpoint/2010/main" spd="slow" p14:dur="2000">
+        <p159:morph option="byObject"/>
+      </p:transition>
+    </mc:Choice>
+    <mc:Fallback>
+      <p:transition spd="slow">
+        <p:fade/>
+      </p:transition>
+    </mc:Fallback>
+  </mc:AlternateContent>
 </p:sldLayout>
 </file>
 
@@ -9529,6 +8662,18 @@
   <p:clrMapOvr>
     <a:masterClrMapping/>
   </p:clrMapOvr>
+  <mc:AlternateContent xmlns:mc="http://schemas.openxmlformats.org/markup-compatibility/2006">
+    <mc:Choice xmlns:p159="http://schemas.microsoft.com/office/powerpoint/2015/09/main" Requires="p159">
+      <p:transition xmlns:p14="http://schemas.microsoft.com/office/powerpoint/2010/main" spd="slow" p14:dur="2000">
+        <p159:morph option="byObject"/>
+      </p:transition>
+    </mc:Choice>
+    <mc:Fallback>
+      <p:transition spd="slow">
+        <p:fade/>
+      </p:transition>
+    </mc:Fallback>
+  </mc:AlternateContent>
 </p:sldLayout>
 </file>
 
@@ -10876,6 +10021,18 @@
   <p:clrMapOvr>
     <a:masterClrMapping/>
   </p:clrMapOvr>
+  <mc:AlternateContent xmlns:mc="http://schemas.openxmlformats.org/markup-compatibility/2006">
+    <mc:Choice xmlns:p159="http://schemas.microsoft.com/office/powerpoint/2015/09/main" Requires="p159">
+      <p:transition xmlns:p14="http://schemas.microsoft.com/office/powerpoint/2010/main" spd="slow" p14:dur="2000">
+        <p159:morph option="byObject"/>
+      </p:transition>
+    </mc:Choice>
+    <mc:Fallback>
+      <p:transition spd="slow">
+        <p:fade/>
+      </p:transition>
+    </mc:Fallback>
+  </mc:AlternateContent>
 </p:sldLayout>
 </file>
 
@@ -12258,6 +11415,18 @@
   <p:clrMapOvr>
     <a:masterClrMapping/>
   </p:clrMapOvr>
+  <mc:AlternateContent xmlns:mc="http://schemas.openxmlformats.org/markup-compatibility/2006">
+    <mc:Choice xmlns:p159="http://schemas.microsoft.com/office/powerpoint/2015/09/main" Requires="p159">
+      <p:transition xmlns:p14="http://schemas.microsoft.com/office/powerpoint/2010/main" spd="slow" p14:dur="2000">
+        <p159:morph option="byObject"/>
+      </p:transition>
+    </mc:Choice>
+    <mc:Fallback>
+      <p:transition spd="slow">
+        <p:fade/>
+      </p:transition>
+    </mc:Fallback>
+  </mc:AlternateContent>
 </p:sldLayout>
 </file>
 
@@ -13261,6 +12430,18 @@
   <p:clrMapOvr>
     <a:masterClrMapping/>
   </p:clrMapOvr>
+  <mc:AlternateContent xmlns:mc="http://schemas.openxmlformats.org/markup-compatibility/2006">
+    <mc:Choice xmlns:p159="http://schemas.microsoft.com/office/powerpoint/2015/09/main" Requires="p159">
+      <p:transition xmlns:p14="http://schemas.microsoft.com/office/powerpoint/2010/main" spd="slow" p14:dur="2000">
+        <p159:morph option="byObject"/>
+      </p:transition>
+    </mc:Choice>
+    <mc:Fallback>
+      <p:transition spd="slow">
+        <p:fade/>
+      </p:transition>
+    </mc:Fallback>
+  </mc:AlternateContent>
 </p:sldLayout>
 </file>
 
@@ -14039,6 +13220,18 @@
   <p:clrMapOvr>
     <a:masterClrMapping/>
   </p:clrMapOvr>
+  <mc:AlternateContent xmlns:mc="http://schemas.openxmlformats.org/markup-compatibility/2006">
+    <mc:Choice xmlns:p159="http://schemas.microsoft.com/office/powerpoint/2015/09/main" Requires="p159">
+      <p:transition xmlns:p14="http://schemas.microsoft.com/office/powerpoint/2010/main" spd="slow" p14:dur="2000">
+        <p159:morph option="byObject"/>
+      </p:transition>
+    </mc:Choice>
+    <mc:Fallback>
+      <p:transition spd="slow">
+        <p:fade/>
+      </p:transition>
+    </mc:Fallback>
+  </mc:AlternateContent>
 </p:sldLayout>
 </file>
 
@@ -14964,6 +14157,18 @@
   <p:clrMapOvr>
     <a:masterClrMapping/>
   </p:clrMapOvr>
+  <mc:AlternateContent xmlns:mc="http://schemas.openxmlformats.org/markup-compatibility/2006">
+    <mc:Choice xmlns:p159="http://schemas.microsoft.com/office/powerpoint/2015/09/main" Requires="p159">
+      <p:transition xmlns:p14="http://schemas.microsoft.com/office/powerpoint/2010/main" spd="slow" p14:dur="2000">
+        <p159:morph option="byObject"/>
+      </p:transition>
+    </mc:Choice>
+    <mc:Fallback>
+      <p:transition spd="slow">
+        <p:fade/>
+      </p:transition>
+    </mc:Fallback>
+  </mc:AlternateContent>
 </p:sldLayout>
 </file>
 
@@ -16464,6 +15669,18 @@
   <p:clrMapOvr>
     <a:masterClrMapping/>
   </p:clrMapOvr>
+  <mc:AlternateContent xmlns:mc="http://schemas.openxmlformats.org/markup-compatibility/2006">
+    <mc:Choice xmlns:p159="http://schemas.microsoft.com/office/powerpoint/2015/09/main" Requires="p159">
+      <p:transition xmlns:p14="http://schemas.microsoft.com/office/powerpoint/2010/main" spd="slow" p14:dur="2000">
+        <p159:morph option="byObject"/>
+      </p:transition>
+    </mc:Choice>
+    <mc:Fallback>
+      <p:transition spd="slow">
+        <p:fade/>
+      </p:transition>
+    </mc:Fallback>
+  </mc:AlternateContent>
 </p:sldLayout>
 </file>
 
@@ -17748,6 +16965,18 @@
   <p:clrMapOvr>
     <a:masterClrMapping/>
   </p:clrMapOvr>
+  <mc:AlternateContent xmlns:mc="http://schemas.openxmlformats.org/markup-compatibility/2006">
+    <mc:Choice xmlns:p159="http://schemas.microsoft.com/office/powerpoint/2015/09/main" Requires="p159">
+      <p:transition xmlns:p14="http://schemas.microsoft.com/office/powerpoint/2010/main" spd="slow" p14:dur="2000">
+        <p159:morph option="byObject"/>
+      </p:transition>
+    </mc:Choice>
+    <mc:Fallback>
+      <p:transition spd="slow">
+        <p:fade/>
+      </p:transition>
+    </mc:Fallback>
+  </mc:AlternateContent>
 </p:sldLayout>
 </file>
 
@@ -18476,6 +17705,18 @@
   <p:clrMapOvr>
     <a:masterClrMapping/>
   </p:clrMapOvr>
+  <mc:AlternateContent xmlns:mc="http://schemas.openxmlformats.org/markup-compatibility/2006">
+    <mc:Choice xmlns:p159="http://schemas.microsoft.com/office/powerpoint/2015/09/main" Requires="p159">
+      <p:transition xmlns:p14="http://schemas.microsoft.com/office/powerpoint/2010/main" spd="slow" p14:dur="2000">
+        <p159:morph option="byObject"/>
+      </p:transition>
+    </mc:Choice>
+    <mc:Fallback>
+      <p:transition spd="slow">
+        <p:fade/>
+      </p:transition>
+    </mc:Fallback>
+  </mc:AlternateContent>
 </p:sldLayout>
 </file>
 
@@ -19258,6 +18499,18 @@
   <p:clrMapOvr>
     <a:masterClrMapping/>
   </p:clrMapOvr>
+  <mc:AlternateContent xmlns:mc="http://schemas.openxmlformats.org/markup-compatibility/2006">
+    <mc:Choice xmlns:p159="http://schemas.microsoft.com/office/powerpoint/2015/09/main" Requires="p159">
+      <p:transition xmlns:p14="http://schemas.microsoft.com/office/powerpoint/2010/main" spd="slow" p14:dur="2000">
+        <p159:morph option="byObject"/>
+      </p:transition>
+    </mc:Choice>
+    <mc:Fallback>
+      <p:transition spd="slow">
+        <p:fade/>
+      </p:transition>
+    </mc:Fallback>
+  </mc:AlternateContent>
 </p:sldLayout>
 </file>
 
@@ -20457,6 +19710,18 @@
   <p:clrMapOvr>
     <a:masterClrMapping/>
   </p:clrMapOvr>
+  <mc:AlternateContent xmlns:mc="http://schemas.openxmlformats.org/markup-compatibility/2006">
+    <mc:Choice xmlns:p159="http://schemas.microsoft.com/office/powerpoint/2015/09/main" Requires="p159">
+      <p:transition xmlns:p14="http://schemas.microsoft.com/office/powerpoint/2010/main" spd="slow" p14:dur="2000">
+        <p159:morph option="byObject"/>
+      </p:transition>
+    </mc:Choice>
+    <mc:Fallback>
+      <p:transition spd="slow">
+        <p:fade/>
+      </p:transition>
+    </mc:Fallback>
+  </mc:AlternateContent>
 </p:sldLayout>
 </file>
 
@@ -21701,6 +20966,18 @@
   <p:clrMapOvr>
     <a:masterClrMapping/>
   </p:clrMapOvr>
+  <mc:AlternateContent xmlns:mc="http://schemas.openxmlformats.org/markup-compatibility/2006">
+    <mc:Choice xmlns:p159="http://schemas.microsoft.com/office/powerpoint/2015/09/main" Requires="p159">
+      <p:transition xmlns:p14="http://schemas.microsoft.com/office/powerpoint/2010/main" spd="slow" p14:dur="2000">
+        <p159:morph option="byObject"/>
+      </p:transition>
+    </mc:Choice>
+    <mc:Fallback>
+      <p:transition spd="slow">
+        <p:fade/>
+      </p:transition>
+    </mc:Fallback>
+  </mc:AlternateContent>
 </p:sldLayout>
 </file>
 
@@ -22998,6 +22275,18 @@
   <p:clrMapOvr>
     <a:masterClrMapping/>
   </p:clrMapOvr>
+  <mc:AlternateContent xmlns:mc="http://schemas.openxmlformats.org/markup-compatibility/2006">
+    <mc:Choice xmlns:p159="http://schemas.microsoft.com/office/powerpoint/2015/09/main" Requires="p159">
+      <p:transition xmlns:p14="http://schemas.microsoft.com/office/powerpoint/2010/main" spd="slow" p14:dur="2000">
+        <p159:morph option="byObject"/>
+      </p:transition>
+    </mc:Choice>
+    <mc:Fallback>
+      <p:transition spd="slow">
+        <p:fade/>
+      </p:transition>
+    </mc:Fallback>
+  </mc:AlternateContent>
 </p:sldLayout>
 </file>
 
@@ -24553,6 +23842,18 @@
   <p:clrMapOvr>
     <a:masterClrMapping/>
   </p:clrMapOvr>
+  <mc:AlternateContent xmlns:mc="http://schemas.openxmlformats.org/markup-compatibility/2006">
+    <mc:Choice xmlns:p159="http://schemas.microsoft.com/office/powerpoint/2015/09/main" Requires="p159">
+      <p:transition xmlns:p14="http://schemas.microsoft.com/office/powerpoint/2010/main" spd="slow" p14:dur="2000">
+        <p159:morph option="byObject"/>
+      </p:transition>
+    </mc:Choice>
+    <mc:Fallback>
+      <p:transition spd="slow">
+        <p:fade/>
+      </p:transition>
+    </mc:Fallback>
+  </mc:AlternateContent>
 </p:sldLayout>
 </file>
 
@@ -26016,6 +25317,18 @@
     <p:sldLayoutId id="2147483667" r:id="rId17"/>
     <p:sldLayoutId id="2147483668" r:id="rId18"/>
   </p:sldLayoutIdLst>
+  <mc:AlternateContent xmlns:mc="http://schemas.openxmlformats.org/markup-compatibility/2006">
+    <mc:Choice xmlns:p159="http://schemas.microsoft.com/office/powerpoint/2015/09/main" Requires="p159">
+      <p:transition xmlns:p14="http://schemas.microsoft.com/office/powerpoint/2010/main" spd="slow" p14:dur="2000">
+        <p159:morph option="byObject"/>
+      </p:transition>
+    </mc:Choice>
+    <mc:Fallback>
+      <p:transition spd="slow">
+        <p:fade/>
+      </p:transition>
+    </mc:Fallback>
+  </mc:AlternateContent>
   <p:hf hdr="0" ftr="0" dt="0"/>
   <p:txStyles>
     <p:titleStyle>
@@ -26526,9 +25839,18 @@
   <p:clrMapOvr>
     <a:masterClrMapping/>
   </p:clrMapOvr>
-  <p:transition spd="slow">
-    <p:wipe/>
-  </p:transition>
+  <mc:AlternateContent xmlns:mc="http://schemas.openxmlformats.org/markup-compatibility/2006">
+    <mc:Choice xmlns:p159="http://schemas.microsoft.com/office/powerpoint/2015/09/main" Requires="p159">
+      <p:transition xmlns:p14="http://schemas.microsoft.com/office/powerpoint/2010/main" spd="slow" p14:dur="2000">
+        <p159:morph option="byObject"/>
+      </p:transition>
+    </mc:Choice>
+    <mc:Fallback>
+      <p:transition spd="slow">
+        <p:fade/>
+      </p:transition>
+    </mc:Fallback>
+  </mc:AlternateContent>
 </p:sld>
 </file>
 
@@ -26551,10 +25873,10 @@
       </p:grpSpPr>
       <p:sp>
         <p:nvSpPr>
-          <p:cNvPr id="5" name="Title 4">
+          <p:cNvPr id="2" name="Title 1">
             <a:extLst>
               <a:ext uri="{FF2B5EF4-FFF2-40B4-BE49-F238E27FC236}">
-                <a16:creationId xmlns:a16="http://schemas.microsoft.com/office/drawing/2014/main" id="{201323FB-427E-4A8D-B473-AB0657D8D23B}"/>
+                <a16:creationId xmlns:a16="http://schemas.microsoft.com/office/drawing/2014/main" id="{A4CDE076-D1B6-4405-A7DB-68C58C9542B7}"/>
               </a:ext>
             </a:extLst>
           </p:cNvPr>
@@ -26571,1839 +25893,33 @@
           <a:lstStyle/>
           <a:p>
             <a:r>
-              <a:rPr lang="en-US" dirty="0"/>
-              <a:t>Table</a:t>
+              <a:rPr lang="lv-LV" dirty="0">
+                <a:solidFill>
+                  <a:schemeClr val="accent4">
+                    <a:lumMod val="60000"/>
+                    <a:lumOff val="40000"/>
+                  </a:schemeClr>
+                </a:solidFill>
+              </a:rPr>
+              <a:t>Funkciju Rekursija</a:t>
             </a:r>
+            <a:endParaRPr lang="en-US" dirty="0">
+              <a:solidFill>
+                <a:schemeClr val="accent4">
+                  <a:lumMod val="60000"/>
+                  <a:lumOff val="40000"/>
+                </a:schemeClr>
+              </a:solidFill>
+            </a:endParaRPr>
           </a:p>
         </p:txBody>
       </p:sp>
-      <p:graphicFrame>
-        <p:nvGraphicFramePr>
-          <p:cNvPr id="6" name="Table 5">
+      <p:sp>
+        <p:nvSpPr>
+          <p:cNvPr id="3" name="Slide Number Placeholder 2">
             <a:extLst>
               <a:ext uri="{FF2B5EF4-FFF2-40B4-BE49-F238E27FC236}">
-                <a16:creationId xmlns:a16="http://schemas.microsoft.com/office/drawing/2014/main" id="{E8EEB296-8554-4D20-B3B8-C0BBC380A58D}"/>
-              </a:ext>
-            </a:extLst>
-          </p:cNvPr>
-          <p:cNvGraphicFramePr>
-            <a:graphicFrameLocks noGrp="1"/>
-          </p:cNvGraphicFramePr>
-          <p:nvPr>
-            <p:extLst>
-              <p:ext uri="{D42A27DB-BD31-4B8C-83A1-F6EECF244321}">
-                <p14:modId xmlns:p14="http://schemas.microsoft.com/office/powerpoint/2010/main" val="2357960289"/>
-              </p:ext>
-            </p:extLst>
-          </p:nvPr>
-        </p:nvGraphicFramePr>
-        <p:xfrm>
-          <a:off x="1130300" y="1856740"/>
-          <a:ext cx="9931400" cy="3931920"/>
-        </p:xfrm>
-        <a:graphic>
-          <a:graphicData uri="http://schemas.openxmlformats.org/drawingml/2006/table">
-            <a:tbl>
-              <a:tblPr firstRow="1" bandRow="1">
-                <a:tableStyleId>{5C22544A-7EE6-4342-B048-85BDC9FD1C3A}</a:tableStyleId>
-              </a:tblPr>
-              <a:tblGrid>
-                <a:gridCol w="2482850">
-                  <a:extLst>
-                    <a:ext uri="{9D8B030D-6E8A-4147-A177-3AD203B41FA5}">
-                      <a16:colId xmlns:a16="http://schemas.microsoft.com/office/drawing/2014/main" val="3559833401"/>
-                    </a:ext>
-                  </a:extLst>
-                </a:gridCol>
-                <a:gridCol w="2482850">
-                  <a:extLst>
-                    <a:ext uri="{9D8B030D-6E8A-4147-A177-3AD203B41FA5}">
-                      <a16:colId xmlns:a16="http://schemas.microsoft.com/office/drawing/2014/main" val="82523989"/>
-                    </a:ext>
-                  </a:extLst>
-                </a:gridCol>
-                <a:gridCol w="2482850">
-                  <a:extLst>
-                    <a:ext uri="{9D8B030D-6E8A-4147-A177-3AD203B41FA5}">
-                      <a16:colId xmlns:a16="http://schemas.microsoft.com/office/drawing/2014/main" val="3211310719"/>
-                    </a:ext>
-                  </a:extLst>
-                </a:gridCol>
-                <a:gridCol w="2482850">
-                  <a:extLst>
-                    <a:ext uri="{9D8B030D-6E8A-4147-A177-3AD203B41FA5}">
-                      <a16:colId xmlns:a16="http://schemas.microsoft.com/office/drawing/2014/main" val="4160613981"/>
-                    </a:ext>
-                  </a:extLst>
-                </a:gridCol>
-              </a:tblGrid>
-              <a:tr h="640080">
-                <a:tc>
-                  <a:txBody>
-                    <a:bodyPr/>
-                    <a:lstStyle/>
-                    <a:p>
-                      <a:pPr algn="ctr"/>
-                      <a:r>
-                        <a:rPr lang="en-US" sz="1600" b="0" dirty="0">
-                          <a:latin typeface="+mn-lt"/>
-                          <a:cs typeface="Arial" panose="020B0604020202020204" pitchFamily="34" charset="0"/>
-                        </a:rPr>
-                        <a:t>Title</a:t>
-                      </a:r>
-                      <a:endParaRPr lang="en-GB" sz="1600" b="0" dirty="0">
-                        <a:latin typeface="+mn-lt"/>
-                        <a:cs typeface="Arial" panose="020B0604020202020204" pitchFamily="34" charset="0"/>
-                      </a:endParaRPr>
-                    </a:p>
-                  </a:txBody>
-                  <a:tcPr anchor="ctr">
-                    <a:lnL w="12700" cap="flat" cmpd="sng" algn="ctr">
-                      <a:noFill/>
-                      <a:prstDash val="solid"/>
-                      <a:round/>
-                      <a:headEnd type="none" w="med" len="med"/>
-                      <a:tailEnd type="none" w="med" len="med"/>
-                    </a:lnL>
-                    <a:lnR w="12700" cap="flat" cmpd="sng" algn="ctr">
-                      <a:solidFill>
-                        <a:schemeClr val="accent2">
-                          <a:lumMod val="75000"/>
-                        </a:schemeClr>
-                      </a:solidFill>
-                      <a:prstDash val="solid"/>
-                      <a:round/>
-                      <a:headEnd type="none" w="med" len="med"/>
-                      <a:tailEnd type="none" w="med" len="med"/>
-                    </a:lnR>
-                    <a:lnT w="38100" cap="flat" cmpd="sng" algn="ctr">
-                      <a:solidFill>
-                        <a:schemeClr val="accent2">
-                          <a:lumMod val="75000"/>
-                        </a:schemeClr>
-                      </a:solidFill>
-                      <a:prstDash val="solid"/>
-                      <a:round/>
-                      <a:headEnd type="none" w="med" len="med"/>
-                      <a:tailEnd type="none" w="med" len="med"/>
-                    </a:lnT>
-                    <a:lnB w="38100" cap="flat" cmpd="sng" algn="ctr">
-                      <a:solidFill>
-                        <a:schemeClr val="accent2">
-                          <a:lumMod val="75000"/>
-                        </a:schemeClr>
-                      </a:solidFill>
-                      <a:prstDash val="solid"/>
-                      <a:round/>
-                      <a:headEnd type="none" w="med" len="med"/>
-                      <a:tailEnd type="none" w="med" len="med"/>
-                    </a:lnB>
-                    <a:lnTlToBr w="12700" cmpd="sng">
-                      <a:noFill/>
-                      <a:prstDash val="solid"/>
-                    </a:lnTlToBr>
-                    <a:lnBlToTr w="12700" cmpd="sng">
-                      <a:noFill/>
-                      <a:prstDash val="solid"/>
-                    </a:lnBlToTr>
-                    <a:noFill/>
-                  </a:tcPr>
-                </a:tc>
-                <a:tc>
-                  <a:txBody>
-                    <a:bodyPr/>
-                    <a:lstStyle/>
-                    <a:p>
-                      <a:pPr marL="0" marR="0" lvl="0" indent="0" algn="ctr" defTabSz="914400" rtl="0" eaLnBrk="1" fontAlgn="auto" latinLnBrk="0" hangingPunct="1">
-                        <a:lnSpc>
-                          <a:spcPct val="100000"/>
-                        </a:lnSpc>
-                        <a:spcBef>
-                          <a:spcPts val="0"/>
-                        </a:spcBef>
-                        <a:spcAft>
-                          <a:spcPts val="0"/>
-                        </a:spcAft>
-                        <a:buClrTx/>
-                        <a:buSzTx/>
-                        <a:buFontTx/>
-                        <a:buNone/>
-                        <a:tabLst/>
-                        <a:defRPr/>
-                      </a:pPr>
-                      <a:r>
-                        <a:rPr lang="en-US" sz="1600" b="0" dirty="0">
-                          <a:latin typeface="+mn-lt"/>
-                          <a:cs typeface="Arial" panose="020B0604020202020204" pitchFamily="34" charset="0"/>
-                        </a:rPr>
-                        <a:t>Title</a:t>
-                      </a:r>
-                      <a:endParaRPr lang="en-GB" sz="1600" b="0" dirty="0">
-                        <a:latin typeface="+mn-lt"/>
-                        <a:cs typeface="Arial" panose="020B0604020202020204" pitchFamily="34" charset="0"/>
-                      </a:endParaRPr>
-                    </a:p>
-                  </a:txBody>
-                  <a:tcPr anchor="ctr">
-                    <a:lnL w="12700" cap="flat" cmpd="sng" algn="ctr">
-                      <a:solidFill>
-                        <a:schemeClr val="accent2">
-                          <a:lumMod val="75000"/>
-                        </a:schemeClr>
-                      </a:solidFill>
-                      <a:prstDash val="solid"/>
-                      <a:round/>
-                      <a:headEnd type="none" w="med" len="med"/>
-                      <a:tailEnd type="none" w="med" len="med"/>
-                    </a:lnL>
-                    <a:lnR w="12700" cap="flat" cmpd="sng" algn="ctr">
-                      <a:solidFill>
-                        <a:schemeClr val="accent2">
-                          <a:lumMod val="75000"/>
-                        </a:schemeClr>
-                      </a:solidFill>
-                      <a:prstDash val="solid"/>
-                      <a:round/>
-                      <a:headEnd type="none" w="med" len="med"/>
-                      <a:tailEnd type="none" w="med" len="med"/>
-                    </a:lnR>
-                    <a:lnT w="38100" cap="flat" cmpd="sng" algn="ctr">
-                      <a:solidFill>
-                        <a:schemeClr val="accent2">
-                          <a:lumMod val="75000"/>
-                        </a:schemeClr>
-                      </a:solidFill>
-                      <a:prstDash val="solid"/>
-                      <a:round/>
-                      <a:headEnd type="none" w="med" len="med"/>
-                      <a:tailEnd type="none" w="med" len="med"/>
-                    </a:lnT>
-                    <a:lnB w="38100" cap="flat" cmpd="sng" algn="ctr">
-                      <a:solidFill>
-                        <a:schemeClr val="accent2">
-                          <a:lumMod val="75000"/>
-                        </a:schemeClr>
-                      </a:solidFill>
-                      <a:prstDash val="solid"/>
-                      <a:round/>
-                      <a:headEnd type="none" w="med" len="med"/>
-                      <a:tailEnd type="none" w="med" len="med"/>
-                    </a:lnB>
-                    <a:lnTlToBr w="12700" cmpd="sng">
-                      <a:noFill/>
-                      <a:prstDash val="solid"/>
-                    </a:lnTlToBr>
-                    <a:lnBlToTr w="12700" cmpd="sng">
-                      <a:noFill/>
-                      <a:prstDash val="solid"/>
-                    </a:lnBlToTr>
-                    <a:noFill/>
-                  </a:tcPr>
-                </a:tc>
-                <a:tc>
-                  <a:txBody>
-                    <a:bodyPr/>
-                    <a:lstStyle/>
-                    <a:p>
-                      <a:pPr marL="0" marR="0" lvl="0" indent="0" algn="ctr" defTabSz="914400" rtl="0" eaLnBrk="1" fontAlgn="auto" latinLnBrk="0" hangingPunct="1">
-                        <a:lnSpc>
-                          <a:spcPct val="100000"/>
-                        </a:lnSpc>
-                        <a:spcBef>
-                          <a:spcPts val="0"/>
-                        </a:spcBef>
-                        <a:spcAft>
-                          <a:spcPts val="0"/>
-                        </a:spcAft>
-                        <a:buClrTx/>
-                        <a:buSzTx/>
-                        <a:buFontTx/>
-                        <a:buNone/>
-                        <a:tabLst/>
-                        <a:defRPr/>
-                      </a:pPr>
-                      <a:r>
-                        <a:rPr lang="en-US" sz="1600" b="0" dirty="0">
-                          <a:latin typeface="+mn-lt"/>
-                          <a:cs typeface="Arial" panose="020B0604020202020204" pitchFamily="34" charset="0"/>
-                        </a:rPr>
-                        <a:t>Title</a:t>
-                      </a:r>
-                      <a:endParaRPr lang="en-GB" sz="1600" b="0" dirty="0">
-                        <a:latin typeface="+mn-lt"/>
-                        <a:cs typeface="Arial" panose="020B0604020202020204" pitchFamily="34" charset="0"/>
-                      </a:endParaRPr>
-                    </a:p>
-                  </a:txBody>
-                  <a:tcPr anchor="ctr">
-                    <a:lnL w="12700" cap="flat" cmpd="sng" algn="ctr">
-                      <a:solidFill>
-                        <a:schemeClr val="accent2">
-                          <a:lumMod val="75000"/>
-                        </a:schemeClr>
-                      </a:solidFill>
-                      <a:prstDash val="solid"/>
-                      <a:round/>
-                      <a:headEnd type="none" w="med" len="med"/>
-                      <a:tailEnd type="none" w="med" len="med"/>
-                    </a:lnL>
-                    <a:lnR w="12700" cap="flat" cmpd="sng" algn="ctr">
-                      <a:solidFill>
-                        <a:schemeClr val="accent2">
-                          <a:lumMod val="75000"/>
-                        </a:schemeClr>
-                      </a:solidFill>
-                      <a:prstDash val="solid"/>
-                      <a:round/>
-                      <a:headEnd type="none" w="med" len="med"/>
-                      <a:tailEnd type="none" w="med" len="med"/>
-                    </a:lnR>
-                    <a:lnT w="38100" cap="flat" cmpd="sng" algn="ctr">
-                      <a:solidFill>
-                        <a:schemeClr val="accent2">
-                          <a:lumMod val="75000"/>
-                        </a:schemeClr>
-                      </a:solidFill>
-                      <a:prstDash val="solid"/>
-                      <a:round/>
-                      <a:headEnd type="none" w="med" len="med"/>
-                      <a:tailEnd type="none" w="med" len="med"/>
-                    </a:lnT>
-                    <a:lnB w="38100" cap="flat" cmpd="sng" algn="ctr">
-                      <a:solidFill>
-                        <a:schemeClr val="accent2">
-                          <a:lumMod val="75000"/>
-                        </a:schemeClr>
-                      </a:solidFill>
-                      <a:prstDash val="solid"/>
-                      <a:round/>
-                      <a:headEnd type="none" w="med" len="med"/>
-                      <a:tailEnd type="none" w="med" len="med"/>
-                    </a:lnB>
-                    <a:lnTlToBr w="12700" cmpd="sng">
-                      <a:noFill/>
-                      <a:prstDash val="solid"/>
-                    </a:lnTlToBr>
-                    <a:lnBlToTr w="12700" cmpd="sng">
-                      <a:noFill/>
-                      <a:prstDash val="solid"/>
-                    </a:lnBlToTr>
-                    <a:noFill/>
-                  </a:tcPr>
-                </a:tc>
-                <a:tc>
-                  <a:txBody>
-                    <a:bodyPr/>
-                    <a:lstStyle/>
-                    <a:p>
-                      <a:pPr marL="0" marR="0" lvl="0" indent="0" algn="ctr" defTabSz="914400" rtl="0" eaLnBrk="1" fontAlgn="auto" latinLnBrk="0" hangingPunct="1">
-                        <a:lnSpc>
-                          <a:spcPct val="100000"/>
-                        </a:lnSpc>
-                        <a:spcBef>
-                          <a:spcPts val="0"/>
-                        </a:spcBef>
-                        <a:spcAft>
-                          <a:spcPts val="0"/>
-                        </a:spcAft>
-                        <a:buClrTx/>
-                        <a:buSzTx/>
-                        <a:buFontTx/>
-                        <a:buNone/>
-                        <a:tabLst/>
-                        <a:defRPr/>
-                      </a:pPr>
-                      <a:r>
-                        <a:rPr lang="en-US" sz="1600" b="0" dirty="0">
-                          <a:latin typeface="+mn-lt"/>
-                          <a:cs typeface="Arial" panose="020B0604020202020204" pitchFamily="34" charset="0"/>
-                        </a:rPr>
-                        <a:t>Title</a:t>
-                      </a:r>
-                      <a:endParaRPr lang="en-GB" sz="1600" b="0" dirty="0">
-                        <a:latin typeface="+mn-lt"/>
-                        <a:cs typeface="Arial" panose="020B0604020202020204" pitchFamily="34" charset="0"/>
-                      </a:endParaRPr>
-                    </a:p>
-                  </a:txBody>
-                  <a:tcPr anchor="ctr">
-                    <a:lnL w="12700" cap="flat" cmpd="sng" algn="ctr">
-                      <a:solidFill>
-                        <a:schemeClr val="accent2">
-                          <a:lumMod val="75000"/>
-                        </a:schemeClr>
-                      </a:solidFill>
-                      <a:prstDash val="solid"/>
-                      <a:round/>
-                      <a:headEnd type="none" w="med" len="med"/>
-                      <a:tailEnd type="none" w="med" len="med"/>
-                    </a:lnL>
-                    <a:lnR w="12700" cap="flat" cmpd="sng" algn="ctr">
-                      <a:noFill/>
-                      <a:prstDash val="solid"/>
-                      <a:round/>
-                      <a:headEnd type="none" w="med" len="med"/>
-                      <a:tailEnd type="none" w="med" len="med"/>
-                    </a:lnR>
-                    <a:lnT w="38100" cap="flat" cmpd="sng" algn="ctr">
-                      <a:solidFill>
-                        <a:schemeClr val="accent2">
-                          <a:lumMod val="75000"/>
-                        </a:schemeClr>
-                      </a:solidFill>
-                      <a:prstDash val="solid"/>
-                      <a:round/>
-                      <a:headEnd type="none" w="med" len="med"/>
-                      <a:tailEnd type="none" w="med" len="med"/>
-                    </a:lnT>
-                    <a:lnB w="38100" cap="flat" cmpd="sng" algn="ctr">
-                      <a:solidFill>
-                        <a:schemeClr val="accent2">
-                          <a:lumMod val="75000"/>
-                        </a:schemeClr>
-                      </a:solidFill>
-                      <a:prstDash val="solid"/>
-                      <a:round/>
-                      <a:headEnd type="none" w="med" len="med"/>
-                      <a:tailEnd type="none" w="med" len="med"/>
-                    </a:lnB>
-                    <a:lnTlToBr w="12700" cmpd="sng">
-                      <a:noFill/>
-                      <a:prstDash val="solid"/>
-                    </a:lnTlToBr>
-                    <a:lnBlToTr w="12700" cmpd="sng">
-                      <a:noFill/>
-                      <a:prstDash val="solid"/>
-                    </a:lnBlToTr>
-                    <a:noFill/>
-                  </a:tcPr>
-                </a:tc>
-                <a:extLst>
-                  <a:ext uri="{0D108BD9-81ED-4DB2-BD59-A6C34878D82A}">
-                    <a16:rowId xmlns:a16="http://schemas.microsoft.com/office/drawing/2014/main" val="3766630617"/>
-                  </a:ext>
-                </a:extLst>
-              </a:tr>
-              <a:tr h="548640">
-                <a:tc>
-                  <a:txBody>
-                    <a:bodyPr/>
-                    <a:lstStyle/>
-                    <a:p>
-                      <a:endParaRPr lang="en-GB" sz="1400" dirty="0">
-                        <a:latin typeface="+mn-lt"/>
-                      </a:endParaRPr>
-                    </a:p>
-                  </a:txBody>
-                  <a:tcPr anchor="ctr">
-                    <a:lnL w="38100" cap="flat" cmpd="sng" algn="ctr">
-                      <a:noFill/>
-                      <a:prstDash val="solid"/>
-                      <a:round/>
-                      <a:headEnd type="none" w="med" len="med"/>
-                      <a:tailEnd type="none" w="med" len="med"/>
-                    </a:lnL>
-                    <a:lnR w="12700" cap="flat" cmpd="sng" algn="ctr">
-                      <a:solidFill>
-                        <a:schemeClr val="accent2">
-                          <a:lumMod val="75000"/>
-                        </a:schemeClr>
-                      </a:solidFill>
-                      <a:prstDash val="solid"/>
-                      <a:round/>
-                      <a:headEnd type="none" w="med" len="med"/>
-                      <a:tailEnd type="none" w="med" len="med"/>
-                    </a:lnR>
-                    <a:lnT w="38100" cap="flat" cmpd="sng" algn="ctr">
-                      <a:solidFill>
-                        <a:schemeClr val="accent2">
-                          <a:lumMod val="75000"/>
-                        </a:schemeClr>
-                      </a:solidFill>
-                      <a:prstDash val="solid"/>
-                      <a:round/>
-                      <a:headEnd type="none" w="med" len="med"/>
-                      <a:tailEnd type="none" w="med" len="med"/>
-                    </a:lnT>
-                    <a:lnB w="12700" cap="flat" cmpd="sng" algn="ctr">
-                      <a:solidFill>
-                        <a:schemeClr val="accent2">
-                          <a:lumMod val="75000"/>
-                        </a:schemeClr>
-                      </a:solidFill>
-                      <a:prstDash val="solid"/>
-                      <a:round/>
-                      <a:headEnd type="none" w="med" len="med"/>
-                      <a:tailEnd type="none" w="med" len="med"/>
-                    </a:lnB>
-                    <a:noFill/>
-                  </a:tcPr>
-                </a:tc>
-                <a:tc>
-                  <a:txBody>
-                    <a:bodyPr/>
-                    <a:lstStyle/>
-                    <a:p>
-                      <a:endParaRPr lang="en-GB" sz="1400" dirty="0">
-                        <a:latin typeface="+mn-lt"/>
-                      </a:endParaRPr>
-                    </a:p>
-                  </a:txBody>
-                  <a:tcPr anchor="ctr">
-                    <a:lnL w="12700" cap="flat" cmpd="sng" algn="ctr">
-                      <a:solidFill>
-                        <a:schemeClr val="accent2">
-                          <a:lumMod val="75000"/>
-                        </a:schemeClr>
-                      </a:solidFill>
-                      <a:prstDash val="solid"/>
-                      <a:round/>
-                      <a:headEnd type="none" w="med" len="med"/>
-                      <a:tailEnd type="none" w="med" len="med"/>
-                    </a:lnL>
-                    <a:lnR w="12700" cap="flat" cmpd="sng" algn="ctr">
-                      <a:solidFill>
-                        <a:schemeClr val="accent2">
-                          <a:lumMod val="75000"/>
-                        </a:schemeClr>
-                      </a:solidFill>
-                      <a:prstDash val="solid"/>
-                      <a:round/>
-                      <a:headEnd type="none" w="med" len="med"/>
-                      <a:tailEnd type="none" w="med" len="med"/>
-                    </a:lnR>
-                    <a:lnT w="38100" cap="flat" cmpd="sng" algn="ctr">
-                      <a:solidFill>
-                        <a:schemeClr val="accent2">
-                          <a:lumMod val="75000"/>
-                        </a:schemeClr>
-                      </a:solidFill>
-                      <a:prstDash val="solid"/>
-                      <a:round/>
-                      <a:headEnd type="none" w="med" len="med"/>
-                      <a:tailEnd type="none" w="med" len="med"/>
-                    </a:lnT>
-                    <a:lnB w="12700" cap="flat" cmpd="sng" algn="ctr">
-                      <a:solidFill>
-                        <a:schemeClr val="accent2">
-                          <a:lumMod val="75000"/>
-                        </a:schemeClr>
-                      </a:solidFill>
-                      <a:prstDash val="solid"/>
-                      <a:round/>
-                      <a:headEnd type="none" w="med" len="med"/>
-                      <a:tailEnd type="none" w="med" len="med"/>
-                    </a:lnB>
-                    <a:noFill/>
-                  </a:tcPr>
-                </a:tc>
-                <a:tc>
-                  <a:txBody>
-                    <a:bodyPr/>
-                    <a:lstStyle/>
-                    <a:p>
-                      <a:endParaRPr lang="en-GB" sz="1400" dirty="0">
-                        <a:latin typeface="+mn-lt"/>
-                      </a:endParaRPr>
-                    </a:p>
-                  </a:txBody>
-                  <a:tcPr anchor="ctr">
-                    <a:lnL w="12700" cap="flat" cmpd="sng" algn="ctr">
-                      <a:solidFill>
-                        <a:schemeClr val="accent2">
-                          <a:lumMod val="75000"/>
-                        </a:schemeClr>
-                      </a:solidFill>
-                      <a:prstDash val="solid"/>
-                      <a:round/>
-                      <a:headEnd type="none" w="med" len="med"/>
-                      <a:tailEnd type="none" w="med" len="med"/>
-                    </a:lnL>
-                    <a:lnR w="12700" cap="flat" cmpd="sng" algn="ctr">
-                      <a:solidFill>
-                        <a:schemeClr val="accent2">
-                          <a:lumMod val="75000"/>
-                        </a:schemeClr>
-                      </a:solidFill>
-                      <a:prstDash val="solid"/>
-                      <a:round/>
-                      <a:headEnd type="none" w="med" len="med"/>
-                      <a:tailEnd type="none" w="med" len="med"/>
-                    </a:lnR>
-                    <a:lnT w="38100" cap="flat" cmpd="sng" algn="ctr">
-                      <a:solidFill>
-                        <a:schemeClr val="accent2">
-                          <a:lumMod val="75000"/>
-                        </a:schemeClr>
-                      </a:solidFill>
-                      <a:prstDash val="solid"/>
-                      <a:round/>
-                      <a:headEnd type="none" w="med" len="med"/>
-                      <a:tailEnd type="none" w="med" len="med"/>
-                    </a:lnT>
-                    <a:lnB w="12700" cap="flat" cmpd="sng" algn="ctr">
-                      <a:solidFill>
-                        <a:schemeClr val="accent2">
-                          <a:lumMod val="75000"/>
-                        </a:schemeClr>
-                      </a:solidFill>
-                      <a:prstDash val="solid"/>
-                      <a:round/>
-                      <a:headEnd type="none" w="med" len="med"/>
-                      <a:tailEnd type="none" w="med" len="med"/>
-                    </a:lnB>
-                    <a:noFill/>
-                  </a:tcPr>
-                </a:tc>
-                <a:tc>
-                  <a:txBody>
-                    <a:bodyPr/>
-                    <a:lstStyle/>
-                    <a:p>
-                      <a:endParaRPr lang="en-GB" sz="1400" dirty="0">
-                        <a:latin typeface="+mn-lt"/>
-                      </a:endParaRPr>
-                    </a:p>
-                  </a:txBody>
-                  <a:tcPr anchor="ctr">
-                    <a:lnL w="12700" cap="flat" cmpd="sng" algn="ctr">
-                      <a:solidFill>
-                        <a:schemeClr val="accent2">
-                          <a:lumMod val="75000"/>
-                        </a:schemeClr>
-                      </a:solidFill>
-                      <a:prstDash val="solid"/>
-                      <a:round/>
-                      <a:headEnd type="none" w="med" len="med"/>
-                      <a:tailEnd type="none" w="med" len="med"/>
-                    </a:lnL>
-                    <a:lnR w="38100" cap="flat" cmpd="sng" algn="ctr">
-                      <a:noFill/>
-                      <a:prstDash val="solid"/>
-                      <a:round/>
-                      <a:headEnd type="none" w="med" len="med"/>
-                      <a:tailEnd type="none" w="med" len="med"/>
-                    </a:lnR>
-                    <a:lnT w="38100" cap="flat" cmpd="sng" algn="ctr">
-                      <a:solidFill>
-                        <a:schemeClr val="accent2">
-                          <a:lumMod val="75000"/>
-                        </a:schemeClr>
-                      </a:solidFill>
-                      <a:prstDash val="solid"/>
-                      <a:round/>
-                      <a:headEnd type="none" w="med" len="med"/>
-                      <a:tailEnd type="none" w="med" len="med"/>
-                    </a:lnT>
-                    <a:lnB w="12700" cap="flat" cmpd="sng" algn="ctr">
-                      <a:solidFill>
-                        <a:schemeClr val="accent2">
-                          <a:lumMod val="75000"/>
-                        </a:schemeClr>
-                      </a:solidFill>
-                      <a:prstDash val="solid"/>
-                      <a:round/>
-                      <a:headEnd type="none" w="med" len="med"/>
-                      <a:tailEnd type="none" w="med" len="med"/>
-                    </a:lnB>
-                    <a:noFill/>
-                  </a:tcPr>
-                </a:tc>
-                <a:extLst>
-                  <a:ext uri="{0D108BD9-81ED-4DB2-BD59-A6C34878D82A}">
-                    <a16:rowId xmlns:a16="http://schemas.microsoft.com/office/drawing/2014/main" val="3446274366"/>
-                  </a:ext>
-                </a:extLst>
-              </a:tr>
-              <a:tr h="548640">
-                <a:tc>
-                  <a:txBody>
-                    <a:bodyPr/>
-                    <a:lstStyle/>
-                    <a:p>
-                      <a:endParaRPr lang="en-GB" sz="1400" dirty="0">
-                        <a:latin typeface="+mn-lt"/>
-                      </a:endParaRPr>
-                    </a:p>
-                  </a:txBody>
-                  <a:tcPr anchor="ctr">
-                    <a:lnL w="38100" cap="flat" cmpd="sng" algn="ctr">
-                      <a:noFill/>
-                      <a:prstDash val="solid"/>
-                      <a:round/>
-                      <a:headEnd type="none" w="med" len="med"/>
-                      <a:tailEnd type="none" w="med" len="med"/>
-                    </a:lnL>
-                    <a:lnR w="12700" cap="flat" cmpd="sng" algn="ctr">
-                      <a:solidFill>
-                        <a:schemeClr val="accent2">
-                          <a:lumMod val="75000"/>
-                        </a:schemeClr>
-                      </a:solidFill>
-                      <a:prstDash val="solid"/>
-                      <a:round/>
-                      <a:headEnd type="none" w="med" len="med"/>
-                      <a:tailEnd type="none" w="med" len="med"/>
-                    </a:lnR>
-                    <a:lnT w="12700" cap="flat" cmpd="sng" algn="ctr">
-                      <a:solidFill>
-                        <a:schemeClr val="accent2">
-                          <a:lumMod val="75000"/>
-                        </a:schemeClr>
-                      </a:solidFill>
-                      <a:prstDash val="solid"/>
-                      <a:round/>
-                      <a:headEnd type="none" w="med" len="med"/>
-                      <a:tailEnd type="none" w="med" len="med"/>
-                    </a:lnT>
-                    <a:lnB w="12700" cap="flat" cmpd="sng" algn="ctr">
-                      <a:solidFill>
-                        <a:schemeClr val="accent2">
-                          <a:lumMod val="75000"/>
-                        </a:schemeClr>
-                      </a:solidFill>
-                      <a:prstDash val="solid"/>
-                      <a:round/>
-                      <a:headEnd type="none" w="med" len="med"/>
-                      <a:tailEnd type="none" w="med" len="med"/>
-                    </a:lnB>
-                    <a:solidFill>
-                      <a:schemeClr val="accent5"/>
-                    </a:solidFill>
-                  </a:tcPr>
-                </a:tc>
-                <a:tc>
-                  <a:txBody>
-                    <a:bodyPr/>
-                    <a:lstStyle/>
-                    <a:p>
-                      <a:endParaRPr lang="en-GB" sz="1400" dirty="0">
-                        <a:latin typeface="+mn-lt"/>
-                      </a:endParaRPr>
-                    </a:p>
-                  </a:txBody>
-                  <a:tcPr anchor="ctr">
-                    <a:lnL w="12700" cap="flat" cmpd="sng" algn="ctr">
-                      <a:solidFill>
-                        <a:schemeClr val="accent2">
-                          <a:lumMod val="75000"/>
-                        </a:schemeClr>
-                      </a:solidFill>
-                      <a:prstDash val="solid"/>
-                      <a:round/>
-                      <a:headEnd type="none" w="med" len="med"/>
-                      <a:tailEnd type="none" w="med" len="med"/>
-                    </a:lnL>
-                    <a:lnR w="12700" cap="flat" cmpd="sng" algn="ctr">
-                      <a:solidFill>
-                        <a:schemeClr val="accent2">
-                          <a:lumMod val="75000"/>
-                        </a:schemeClr>
-                      </a:solidFill>
-                      <a:prstDash val="solid"/>
-                      <a:round/>
-                      <a:headEnd type="none" w="med" len="med"/>
-                      <a:tailEnd type="none" w="med" len="med"/>
-                    </a:lnR>
-                    <a:lnT w="12700" cap="flat" cmpd="sng" algn="ctr">
-                      <a:solidFill>
-                        <a:schemeClr val="accent2">
-                          <a:lumMod val="75000"/>
-                        </a:schemeClr>
-                      </a:solidFill>
-                      <a:prstDash val="solid"/>
-                      <a:round/>
-                      <a:headEnd type="none" w="med" len="med"/>
-                      <a:tailEnd type="none" w="med" len="med"/>
-                    </a:lnT>
-                    <a:lnB w="12700" cap="flat" cmpd="sng" algn="ctr">
-                      <a:solidFill>
-                        <a:schemeClr val="accent2">
-                          <a:lumMod val="75000"/>
-                        </a:schemeClr>
-                      </a:solidFill>
-                      <a:prstDash val="solid"/>
-                      <a:round/>
-                      <a:headEnd type="none" w="med" len="med"/>
-                      <a:tailEnd type="none" w="med" len="med"/>
-                    </a:lnB>
-                    <a:solidFill>
-                      <a:schemeClr val="accent5"/>
-                    </a:solidFill>
-                  </a:tcPr>
-                </a:tc>
-                <a:tc>
-                  <a:txBody>
-                    <a:bodyPr/>
-                    <a:lstStyle/>
-                    <a:p>
-                      <a:endParaRPr lang="en-GB" sz="1400" dirty="0">
-                        <a:latin typeface="+mn-lt"/>
-                      </a:endParaRPr>
-                    </a:p>
-                  </a:txBody>
-                  <a:tcPr anchor="ctr">
-                    <a:lnL w="12700" cap="flat" cmpd="sng" algn="ctr">
-                      <a:solidFill>
-                        <a:schemeClr val="accent2">
-                          <a:lumMod val="75000"/>
-                        </a:schemeClr>
-                      </a:solidFill>
-                      <a:prstDash val="solid"/>
-                      <a:round/>
-                      <a:headEnd type="none" w="med" len="med"/>
-                      <a:tailEnd type="none" w="med" len="med"/>
-                    </a:lnL>
-                    <a:lnR w="12700" cap="flat" cmpd="sng" algn="ctr">
-                      <a:solidFill>
-                        <a:schemeClr val="accent2">
-                          <a:lumMod val="75000"/>
-                        </a:schemeClr>
-                      </a:solidFill>
-                      <a:prstDash val="solid"/>
-                      <a:round/>
-                      <a:headEnd type="none" w="med" len="med"/>
-                      <a:tailEnd type="none" w="med" len="med"/>
-                    </a:lnR>
-                    <a:lnT w="12700" cap="flat" cmpd="sng" algn="ctr">
-                      <a:solidFill>
-                        <a:schemeClr val="accent2">
-                          <a:lumMod val="75000"/>
-                        </a:schemeClr>
-                      </a:solidFill>
-                      <a:prstDash val="solid"/>
-                      <a:round/>
-                      <a:headEnd type="none" w="med" len="med"/>
-                      <a:tailEnd type="none" w="med" len="med"/>
-                    </a:lnT>
-                    <a:lnB w="12700" cap="flat" cmpd="sng" algn="ctr">
-                      <a:solidFill>
-                        <a:schemeClr val="accent2">
-                          <a:lumMod val="75000"/>
-                        </a:schemeClr>
-                      </a:solidFill>
-                      <a:prstDash val="solid"/>
-                      <a:round/>
-                      <a:headEnd type="none" w="med" len="med"/>
-                      <a:tailEnd type="none" w="med" len="med"/>
-                    </a:lnB>
-                    <a:solidFill>
-                      <a:schemeClr val="accent5"/>
-                    </a:solidFill>
-                  </a:tcPr>
-                </a:tc>
-                <a:tc>
-                  <a:txBody>
-                    <a:bodyPr/>
-                    <a:lstStyle/>
-                    <a:p>
-                      <a:endParaRPr lang="en-GB" sz="1400" dirty="0">
-                        <a:latin typeface="+mn-lt"/>
-                      </a:endParaRPr>
-                    </a:p>
-                  </a:txBody>
-                  <a:tcPr anchor="ctr">
-                    <a:lnL w="12700" cap="flat" cmpd="sng" algn="ctr">
-                      <a:solidFill>
-                        <a:schemeClr val="accent2">
-                          <a:lumMod val="75000"/>
-                        </a:schemeClr>
-                      </a:solidFill>
-                      <a:prstDash val="solid"/>
-                      <a:round/>
-                      <a:headEnd type="none" w="med" len="med"/>
-                      <a:tailEnd type="none" w="med" len="med"/>
-                    </a:lnL>
-                    <a:lnR w="38100" cap="flat" cmpd="sng" algn="ctr">
-                      <a:noFill/>
-                      <a:prstDash val="solid"/>
-                      <a:round/>
-                      <a:headEnd type="none" w="med" len="med"/>
-                      <a:tailEnd type="none" w="med" len="med"/>
-                    </a:lnR>
-                    <a:lnT w="12700" cap="flat" cmpd="sng" algn="ctr">
-                      <a:solidFill>
-                        <a:schemeClr val="accent2">
-                          <a:lumMod val="75000"/>
-                        </a:schemeClr>
-                      </a:solidFill>
-                      <a:prstDash val="solid"/>
-                      <a:round/>
-                      <a:headEnd type="none" w="med" len="med"/>
-                      <a:tailEnd type="none" w="med" len="med"/>
-                    </a:lnT>
-                    <a:lnB w="12700" cap="flat" cmpd="sng" algn="ctr">
-                      <a:solidFill>
-                        <a:schemeClr val="accent2">
-                          <a:lumMod val="75000"/>
-                        </a:schemeClr>
-                      </a:solidFill>
-                      <a:prstDash val="solid"/>
-                      <a:round/>
-                      <a:headEnd type="none" w="med" len="med"/>
-                      <a:tailEnd type="none" w="med" len="med"/>
-                    </a:lnB>
-                    <a:solidFill>
-                      <a:schemeClr val="accent5"/>
-                    </a:solidFill>
-                  </a:tcPr>
-                </a:tc>
-                <a:extLst>
-                  <a:ext uri="{0D108BD9-81ED-4DB2-BD59-A6C34878D82A}">
-                    <a16:rowId xmlns:a16="http://schemas.microsoft.com/office/drawing/2014/main" val="1758271508"/>
-                  </a:ext>
-                </a:extLst>
-              </a:tr>
-              <a:tr h="548640">
-                <a:tc>
-                  <a:txBody>
-                    <a:bodyPr/>
-                    <a:lstStyle/>
-                    <a:p>
-                      <a:endParaRPr lang="en-GB" sz="1400" dirty="0">
-                        <a:latin typeface="+mn-lt"/>
-                      </a:endParaRPr>
-                    </a:p>
-                  </a:txBody>
-                  <a:tcPr anchor="ctr">
-                    <a:lnL w="38100" cap="flat" cmpd="sng" algn="ctr">
-                      <a:noFill/>
-                      <a:prstDash val="solid"/>
-                      <a:round/>
-                      <a:headEnd type="none" w="med" len="med"/>
-                      <a:tailEnd type="none" w="med" len="med"/>
-                    </a:lnL>
-                    <a:lnR w="12700" cap="flat" cmpd="sng" algn="ctr">
-                      <a:solidFill>
-                        <a:schemeClr val="accent2">
-                          <a:lumMod val="75000"/>
-                        </a:schemeClr>
-                      </a:solidFill>
-                      <a:prstDash val="solid"/>
-                      <a:round/>
-                      <a:headEnd type="none" w="med" len="med"/>
-                      <a:tailEnd type="none" w="med" len="med"/>
-                    </a:lnR>
-                    <a:lnT w="12700" cap="flat" cmpd="sng" algn="ctr">
-                      <a:solidFill>
-                        <a:schemeClr val="accent2">
-                          <a:lumMod val="75000"/>
-                        </a:schemeClr>
-                      </a:solidFill>
-                      <a:prstDash val="solid"/>
-                      <a:round/>
-                      <a:headEnd type="none" w="med" len="med"/>
-                      <a:tailEnd type="none" w="med" len="med"/>
-                    </a:lnT>
-                    <a:lnB w="12700" cap="flat" cmpd="sng" algn="ctr">
-                      <a:solidFill>
-                        <a:schemeClr val="accent2">
-                          <a:lumMod val="75000"/>
-                        </a:schemeClr>
-                      </a:solidFill>
-                      <a:prstDash val="solid"/>
-                      <a:round/>
-                      <a:headEnd type="none" w="med" len="med"/>
-                      <a:tailEnd type="none" w="med" len="med"/>
-                    </a:lnB>
-                    <a:noFill/>
-                  </a:tcPr>
-                </a:tc>
-                <a:tc>
-                  <a:txBody>
-                    <a:bodyPr/>
-                    <a:lstStyle/>
-                    <a:p>
-                      <a:endParaRPr lang="en-GB" sz="1400" dirty="0">
-                        <a:latin typeface="+mn-lt"/>
-                      </a:endParaRPr>
-                    </a:p>
-                  </a:txBody>
-                  <a:tcPr anchor="ctr">
-                    <a:lnL w="12700" cap="flat" cmpd="sng" algn="ctr">
-                      <a:solidFill>
-                        <a:schemeClr val="accent2">
-                          <a:lumMod val="75000"/>
-                        </a:schemeClr>
-                      </a:solidFill>
-                      <a:prstDash val="solid"/>
-                      <a:round/>
-                      <a:headEnd type="none" w="med" len="med"/>
-                      <a:tailEnd type="none" w="med" len="med"/>
-                    </a:lnL>
-                    <a:lnR w="12700" cap="flat" cmpd="sng" algn="ctr">
-                      <a:solidFill>
-                        <a:schemeClr val="accent2">
-                          <a:lumMod val="75000"/>
-                        </a:schemeClr>
-                      </a:solidFill>
-                      <a:prstDash val="solid"/>
-                      <a:round/>
-                      <a:headEnd type="none" w="med" len="med"/>
-                      <a:tailEnd type="none" w="med" len="med"/>
-                    </a:lnR>
-                    <a:lnT w="12700" cap="flat" cmpd="sng" algn="ctr">
-                      <a:solidFill>
-                        <a:schemeClr val="accent2">
-                          <a:lumMod val="75000"/>
-                        </a:schemeClr>
-                      </a:solidFill>
-                      <a:prstDash val="solid"/>
-                      <a:round/>
-                      <a:headEnd type="none" w="med" len="med"/>
-                      <a:tailEnd type="none" w="med" len="med"/>
-                    </a:lnT>
-                    <a:lnB w="12700" cap="flat" cmpd="sng" algn="ctr">
-                      <a:solidFill>
-                        <a:schemeClr val="accent2">
-                          <a:lumMod val="75000"/>
-                        </a:schemeClr>
-                      </a:solidFill>
-                      <a:prstDash val="solid"/>
-                      <a:round/>
-                      <a:headEnd type="none" w="med" len="med"/>
-                      <a:tailEnd type="none" w="med" len="med"/>
-                    </a:lnB>
-                    <a:noFill/>
-                  </a:tcPr>
-                </a:tc>
-                <a:tc>
-                  <a:txBody>
-                    <a:bodyPr/>
-                    <a:lstStyle/>
-                    <a:p>
-                      <a:endParaRPr lang="en-GB" sz="1400" dirty="0">
-                        <a:latin typeface="+mn-lt"/>
-                      </a:endParaRPr>
-                    </a:p>
-                  </a:txBody>
-                  <a:tcPr anchor="ctr">
-                    <a:lnL w="12700" cap="flat" cmpd="sng" algn="ctr">
-                      <a:solidFill>
-                        <a:schemeClr val="accent2">
-                          <a:lumMod val="75000"/>
-                        </a:schemeClr>
-                      </a:solidFill>
-                      <a:prstDash val="solid"/>
-                      <a:round/>
-                      <a:headEnd type="none" w="med" len="med"/>
-                      <a:tailEnd type="none" w="med" len="med"/>
-                    </a:lnL>
-                    <a:lnR w="12700" cap="flat" cmpd="sng" algn="ctr">
-                      <a:solidFill>
-                        <a:schemeClr val="accent2">
-                          <a:lumMod val="75000"/>
-                        </a:schemeClr>
-                      </a:solidFill>
-                      <a:prstDash val="solid"/>
-                      <a:round/>
-                      <a:headEnd type="none" w="med" len="med"/>
-                      <a:tailEnd type="none" w="med" len="med"/>
-                    </a:lnR>
-                    <a:lnT w="12700" cap="flat" cmpd="sng" algn="ctr">
-                      <a:solidFill>
-                        <a:schemeClr val="accent2">
-                          <a:lumMod val="75000"/>
-                        </a:schemeClr>
-                      </a:solidFill>
-                      <a:prstDash val="solid"/>
-                      <a:round/>
-                      <a:headEnd type="none" w="med" len="med"/>
-                      <a:tailEnd type="none" w="med" len="med"/>
-                    </a:lnT>
-                    <a:lnB w="12700" cap="flat" cmpd="sng" algn="ctr">
-                      <a:solidFill>
-                        <a:schemeClr val="accent2">
-                          <a:lumMod val="75000"/>
-                        </a:schemeClr>
-                      </a:solidFill>
-                      <a:prstDash val="solid"/>
-                      <a:round/>
-                      <a:headEnd type="none" w="med" len="med"/>
-                      <a:tailEnd type="none" w="med" len="med"/>
-                    </a:lnB>
-                    <a:noFill/>
-                  </a:tcPr>
-                </a:tc>
-                <a:tc>
-                  <a:txBody>
-                    <a:bodyPr/>
-                    <a:lstStyle/>
-                    <a:p>
-                      <a:endParaRPr lang="en-GB" sz="1400" dirty="0">
-                        <a:latin typeface="+mn-lt"/>
-                      </a:endParaRPr>
-                    </a:p>
-                  </a:txBody>
-                  <a:tcPr anchor="ctr">
-                    <a:lnL w="12700" cap="flat" cmpd="sng" algn="ctr">
-                      <a:solidFill>
-                        <a:schemeClr val="accent2">
-                          <a:lumMod val="75000"/>
-                        </a:schemeClr>
-                      </a:solidFill>
-                      <a:prstDash val="solid"/>
-                      <a:round/>
-                      <a:headEnd type="none" w="med" len="med"/>
-                      <a:tailEnd type="none" w="med" len="med"/>
-                    </a:lnL>
-                    <a:lnR w="38100" cap="flat" cmpd="sng" algn="ctr">
-                      <a:noFill/>
-                      <a:prstDash val="solid"/>
-                      <a:round/>
-                      <a:headEnd type="none" w="med" len="med"/>
-                      <a:tailEnd type="none" w="med" len="med"/>
-                    </a:lnR>
-                    <a:lnT w="12700" cap="flat" cmpd="sng" algn="ctr">
-                      <a:solidFill>
-                        <a:schemeClr val="accent2">
-                          <a:lumMod val="75000"/>
-                        </a:schemeClr>
-                      </a:solidFill>
-                      <a:prstDash val="solid"/>
-                      <a:round/>
-                      <a:headEnd type="none" w="med" len="med"/>
-                      <a:tailEnd type="none" w="med" len="med"/>
-                    </a:lnT>
-                    <a:lnB w="12700" cap="flat" cmpd="sng" algn="ctr">
-                      <a:solidFill>
-                        <a:schemeClr val="accent2">
-                          <a:lumMod val="75000"/>
-                        </a:schemeClr>
-                      </a:solidFill>
-                      <a:prstDash val="solid"/>
-                      <a:round/>
-                      <a:headEnd type="none" w="med" len="med"/>
-                      <a:tailEnd type="none" w="med" len="med"/>
-                    </a:lnB>
-                    <a:noFill/>
-                  </a:tcPr>
-                </a:tc>
-                <a:extLst>
-                  <a:ext uri="{0D108BD9-81ED-4DB2-BD59-A6C34878D82A}">
-                    <a16:rowId xmlns:a16="http://schemas.microsoft.com/office/drawing/2014/main" val="3736384641"/>
-                  </a:ext>
-                </a:extLst>
-              </a:tr>
-              <a:tr h="548640">
-                <a:tc>
-                  <a:txBody>
-                    <a:bodyPr/>
-                    <a:lstStyle/>
-                    <a:p>
-                      <a:endParaRPr lang="en-GB" sz="1400" dirty="0">
-                        <a:latin typeface="+mn-lt"/>
-                      </a:endParaRPr>
-                    </a:p>
-                  </a:txBody>
-                  <a:tcPr anchor="ctr">
-                    <a:lnL w="38100" cap="flat" cmpd="sng" algn="ctr">
-                      <a:noFill/>
-                      <a:prstDash val="solid"/>
-                      <a:round/>
-                      <a:headEnd type="none" w="med" len="med"/>
-                      <a:tailEnd type="none" w="med" len="med"/>
-                    </a:lnL>
-                    <a:lnR w="12700" cap="flat" cmpd="sng" algn="ctr">
-                      <a:solidFill>
-                        <a:schemeClr val="accent2">
-                          <a:lumMod val="75000"/>
-                        </a:schemeClr>
-                      </a:solidFill>
-                      <a:prstDash val="solid"/>
-                      <a:round/>
-                      <a:headEnd type="none" w="med" len="med"/>
-                      <a:tailEnd type="none" w="med" len="med"/>
-                    </a:lnR>
-                    <a:lnT w="12700" cap="flat" cmpd="sng" algn="ctr">
-                      <a:solidFill>
-                        <a:schemeClr val="accent2">
-                          <a:lumMod val="75000"/>
-                        </a:schemeClr>
-                      </a:solidFill>
-                      <a:prstDash val="solid"/>
-                      <a:round/>
-                      <a:headEnd type="none" w="med" len="med"/>
-                      <a:tailEnd type="none" w="med" len="med"/>
-                    </a:lnT>
-                    <a:lnB w="12700" cap="flat" cmpd="sng" algn="ctr">
-                      <a:solidFill>
-                        <a:schemeClr val="accent2">
-                          <a:lumMod val="75000"/>
-                        </a:schemeClr>
-                      </a:solidFill>
-                      <a:prstDash val="solid"/>
-                      <a:round/>
-                      <a:headEnd type="none" w="med" len="med"/>
-                      <a:tailEnd type="none" w="med" len="med"/>
-                    </a:lnB>
-                    <a:solidFill>
-                      <a:schemeClr val="accent5"/>
-                    </a:solidFill>
-                  </a:tcPr>
-                </a:tc>
-                <a:tc>
-                  <a:txBody>
-                    <a:bodyPr/>
-                    <a:lstStyle/>
-                    <a:p>
-                      <a:endParaRPr lang="en-GB" sz="1400" dirty="0">
-                        <a:latin typeface="+mn-lt"/>
-                      </a:endParaRPr>
-                    </a:p>
-                  </a:txBody>
-                  <a:tcPr anchor="ctr">
-                    <a:lnL w="12700" cap="flat" cmpd="sng" algn="ctr">
-                      <a:solidFill>
-                        <a:schemeClr val="accent2">
-                          <a:lumMod val="75000"/>
-                        </a:schemeClr>
-                      </a:solidFill>
-                      <a:prstDash val="solid"/>
-                      <a:round/>
-                      <a:headEnd type="none" w="med" len="med"/>
-                      <a:tailEnd type="none" w="med" len="med"/>
-                    </a:lnL>
-                    <a:lnR w="12700" cap="flat" cmpd="sng" algn="ctr">
-                      <a:solidFill>
-                        <a:schemeClr val="accent2">
-                          <a:lumMod val="75000"/>
-                        </a:schemeClr>
-                      </a:solidFill>
-                      <a:prstDash val="solid"/>
-                      <a:round/>
-                      <a:headEnd type="none" w="med" len="med"/>
-                      <a:tailEnd type="none" w="med" len="med"/>
-                    </a:lnR>
-                    <a:lnT w="12700" cap="flat" cmpd="sng" algn="ctr">
-                      <a:solidFill>
-                        <a:schemeClr val="accent2">
-                          <a:lumMod val="75000"/>
-                        </a:schemeClr>
-                      </a:solidFill>
-                      <a:prstDash val="solid"/>
-                      <a:round/>
-                      <a:headEnd type="none" w="med" len="med"/>
-                      <a:tailEnd type="none" w="med" len="med"/>
-                    </a:lnT>
-                    <a:lnB w="12700" cap="flat" cmpd="sng" algn="ctr">
-                      <a:solidFill>
-                        <a:schemeClr val="accent2">
-                          <a:lumMod val="75000"/>
-                        </a:schemeClr>
-                      </a:solidFill>
-                      <a:prstDash val="solid"/>
-                      <a:round/>
-                      <a:headEnd type="none" w="med" len="med"/>
-                      <a:tailEnd type="none" w="med" len="med"/>
-                    </a:lnB>
-                    <a:solidFill>
-                      <a:schemeClr val="accent5"/>
-                    </a:solidFill>
-                  </a:tcPr>
-                </a:tc>
-                <a:tc>
-                  <a:txBody>
-                    <a:bodyPr/>
-                    <a:lstStyle/>
-                    <a:p>
-                      <a:endParaRPr lang="en-GB" sz="1400" dirty="0">
-                        <a:latin typeface="+mn-lt"/>
-                      </a:endParaRPr>
-                    </a:p>
-                  </a:txBody>
-                  <a:tcPr anchor="ctr">
-                    <a:lnL w="12700" cap="flat" cmpd="sng" algn="ctr">
-                      <a:solidFill>
-                        <a:schemeClr val="accent2">
-                          <a:lumMod val="75000"/>
-                        </a:schemeClr>
-                      </a:solidFill>
-                      <a:prstDash val="solid"/>
-                      <a:round/>
-                      <a:headEnd type="none" w="med" len="med"/>
-                      <a:tailEnd type="none" w="med" len="med"/>
-                    </a:lnL>
-                    <a:lnR w="12700" cap="flat" cmpd="sng" algn="ctr">
-                      <a:solidFill>
-                        <a:schemeClr val="accent2">
-                          <a:lumMod val="75000"/>
-                        </a:schemeClr>
-                      </a:solidFill>
-                      <a:prstDash val="solid"/>
-                      <a:round/>
-                      <a:headEnd type="none" w="med" len="med"/>
-                      <a:tailEnd type="none" w="med" len="med"/>
-                    </a:lnR>
-                    <a:lnT w="12700" cap="flat" cmpd="sng" algn="ctr">
-                      <a:solidFill>
-                        <a:schemeClr val="accent2">
-                          <a:lumMod val="75000"/>
-                        </a:schemeClr>
-                      </a:solidFill>
-                      <a:prstDash val="solid"/>
-                      <a:round/>
-                      <a:headEnd type="none" w="med" len="med"/>
-                      <a:tailEnd type="none" w="med" len="med"/>
-                    </a:lnT>
-                    <a:lnB w="12700" cap="flat" cmpd="sng" algn="ctr">
-                      <a:solidFill>
-                        <a:schemeClr val="accent2">
-                          <a:lumMod val="75000"/>
-                        </a:schemeClr>
-                      </a:solidFill>
-                      <a:prstDash val="solid"/>
-                      <a:round/>
-                      <a:headEnd type="none" w="med" len="med"/>
-                      <a:tailEnd type="none" w="med" len="med"/>
-                    </a:lnB>
-                    <a:solidFill>
-                      <a:schemeClr val="accent5"/>
-                    </a:solidFill>
-                  </a:tcPr>
-                </a:tc>
-                <a:tc>
-                  <a:txBody>
-                    <a:bodyPr/>
-                    <a:lstStyle/>
-                    <a:p>
-                      <a:endParaRPr lang="en-GB" sz="1400" dirty="0">
-                        <a:latin typeface="+mn-lt"/>
-                      </a:endParaRPr>
-                    </a:p>
-                  </a:txBody>
-                  <a:tcPr anchor="ctr">
-                    <a:lnL w="12700" cap="flat" cmpd="sng" algn="ctr">
-                      <a:solidFill>
-                        <a:schemeClr val="accent2">
-                          <a:lumMod val="75000"/>
-                        </a:schemeClr>
-                      </a:solidFill>
-                      <a:prstDash val="solid"/>
-                      <a:round/>
-                      <a:headEnd type="none" w="med" len="med"/>
-                      <a:tailEnd type="none" w="med" len="med"/>
-                    </a:lnL>
-                    <a:lnR w="38100" cap="flat" cmpd="sng" algn="ctr">
-                      <a:noFill/>
-                      <a:prstDash val="solid"/>
-                      <a:round/>
-                      <a:headEnd type="none" w="med" len="med"/>
-                      <a:tailEnd type="none" w="med" len="med"/>
-                    </a:lnR>
-                    <a:lnT w="12700" cap="flat" cmpd="sng" algn="ctr">
-                      <a:solidFill>
-                        <a:schemeClr val="accent2">
-                          <a:lumMod val="75000"/>
-                        </a:schemeClr>
-                      </a:solidFill>
-                      <a:prstDash val="solid"/>
-                      <a:round/>
-                      <a:headEnd type="none" w="med" len="med"/>
-                      <a:tailEnd type="none" w="med" len="med"/>
-                    </a:lnT>
-                    <a:lnB w="12700" cap="flat" cmpd="sng" algn="ctr">
-                      <a:solidFill>
-                        <a:schemeClr val="accent2">
-                          <a:lumMod val="75000"/>
-                        </a:schemeClr>
-                      </a:solidFill>
-                      <a:prstDash val="solid"/>
-                      <a:round/>
-                      <a:headEnd type="none" w="med" len="med"/>
-                      <a:tailEnd type="none" w="med" len="med"/>
-                    </a:lnB>
-                    <a:solidFill>
-                      <a:schemeClr val="accent5"/>
-                    </a:solidFill>
-                  </a:tcPr>
-                </a:tc>
-                <a:extLst>
-                  <a:ext uri="{0D108BD9-81ED-4DB2-BD59-A6C34878D82A}">
-                    <a16:rowId xmlns:a16="http://schemas.microsoft.com/office/drawing/2014/main" val="3090935587"/>
-                  </a:ext>
-                </a:extLst>
-              </a:tr>
-              <a:tr h="548640">
-                <a:tc>
-                  <a:txBody>
-                    <a:bodyPr/>
-                    <a:lstStyle/>
-                    <a:p>
-                      <a:endParaRPr lang="en-GB" sz="1400" dirty="0">
-                        <a:latin typeface="+mn-lt"/>
-                      </a:endParaRPr>
-                    </a:p>
-                  </a:txBody>
-                  <a:tcPr anchor="ctr">
-                    <a:lnL w="38100" cap="flat" cmpd="sng" algn="ctr">
-                      <a:noFill/>
-                      <a:prstDash val="solid"/>
-                      <a:round/>
-                      <a:headEnd type="none" w="med" len="med"/>
-                      <a:tailEnd type="none" w="med" len="med"/>
-                    </a:lnL>
-                    <a:lnR w="12700" cap="flat" cmpd="sng" algn="ctr">
-                      <a:solidFill>
-                        <a:schemeClr val="accent2">
-                          <a:lumMod val="75000"/>
-                        </a:schemeClr>
-                      </a:solidFill>
-                      <a:prstDash val="solid"/>
-                      <a:round/>
-                      <a:headEnd type="none" w="med" len="med"/>
-                      <a:tailEnd type="none" w="med" len="med"/>
-                    </a:lnR>
-                    <a:lnT w="12700" cap="flat" cmpd="sng" algn="ctr">
-                      <a:solidFill>
-                        <a:schemeClr val="accent2">
-                          <a:lumMod val="75000"/>
-                        </a:schemeClr>
-                      </a:solidFill>
-                      <a:prstDash val="solid"/>
-                      <a:round/>
-                      <a:headEnd type="none" w="med" len="med"/>
-                      <a:tailEnd type="none" w="med" len="med"/>
-                    </a:lnT>
-                    <a:lnB w="12700" cap="flat" cmpd="sng" algn="ctr">
-                      <a:solidFill>
-                        <a:schemeClr val="accent2">
-                          <a:lumMod val="75000"/>
-                        </a:schemeClr>
-                      </a:solidFill>
-                      <a:prstDash val="solid"/>
-                      <a:round/>
-                      <a:headEnd type="none" w="med" len="med"/>
-                      <a:tailEnd type="none" w="med" len="med"/>
-                    </a:lnB>
-                    <a:noFill/>
-                  </a:tcPr>
-                </a:tc>
-                <a:tc>
-                  <a:txBody>
-                    <a:bodyPr/>
-                    <a:lstStyle/>
-                    <a:p>
-                      <a:endParaRPr lang="en-GB" sz="1400" dirty="0">
-                        <a:latin typeface="+mn-lt"/>
-                      </a:endParaRPr>
-                    </a:p>
-                  </a:txBody>
-                  <a:tcPr anchor="ctr">
-                    <a:lnL w="12700" cap="flat" cmpd="sng" algn="ctr">
-                      <a:solidFill>
-                        <a:schemeClr val="accent2">
-                          <a:lumMod val="75000"/>
-                        </a:schemeClr>
-                      </a:solidFill>
-                      <a:prstDash val="solid"/>
-                      <a:round/>
-                      <a:headEnd type="none" w="med" len="med"/>
-                      <a:tailEnd type="none" w="med" len="med"/>
-                    </a:lnL>
-                    <a:lnR w="12700" cap="flat" cmpd="sng" algn="ctr">
-                      <a:solidFill>
-                        <a:schemeClr val="accent2">
-                          <a:lumMod val="75000"/>
-                        </a:schemeClr>
-                      </a:solidFill>
-                      <a:prstDash val="solid"/>
-                      <a:round/>
-                      <a:headEnd type="none" w="med" len="med"/>
-                      <a:tailEnd type="none" w="med" len="med"/>
-                    </a:lnR>
-                    <a:lnT w="12700" cap="flat" cmpd="sng" algn="ctr">
-                      <a:solidFill>
-                        <a:schemeClr val="accent2">
-                          <a:lumMod val="75000"/>
-                        </a:schemeClr>
-                      </a:solidFill>
-                      <a:prstDash val="solid"/>
-                      <a:round/>
-                      <a:headEnd type="none" w="med" len="med"/>
-                      <a:tailEnd type="none" w="med" len="med"/>
-                    </a:lnT>
-                    <a:lnB w="12700" cap="flat" cmpd="sng" algn="ctr">
-                      <a:solidFill>
-                        <a:schemeClr val="accent2">
-                          <a:lumMod val="75000"/>
-                        </a:schemeClr>
-                      </a:solidFill>
-                      <a:prstDash val="solid"/>
-                      <a:round/>
-                      <a:headEnd type="none" w="med" len="med"/>
-                      <a:tailEnd type="none" w="med" len="med"/>
-                    </a:lnB>
-                    <a:noFill/>
-                  </a:tcPr>
-                </a:tc>
-                <a:tc>
-                  <a:txBody>
-                    <a:bodyPr/>
-                    <a:lstStyle/>
-                    <a:p>
-                      <a:endParaRPr lang="en-GB" sz="1400" dirty="0">
-                        <a:latin typeface="+mn-lt"/>
-                      </a:endParaRPr>
-                    </a:p>
-                  </a:txBody>
-                  <a:tcPr anchor="ctr">
-                    <a:lnL w="12700" cap="flat" cmpd="sng" algn="ctr">
-                      <a:solidFill>
-                        <a:schemeClr val="accent2">
-                          <a:lumMod val="75000"/>
-                        </a:schemeClr>
-                      </a:solidFill>
-                      <a:prstDash val="solid"/>
-                      <a:round/>
-                      <a:headEnd type="none" w="med" len="med"/>
-                      <a:tailEnd type="none" w="med" len="med"/>
-                    </a:lnL>
-                    <a:lnR w="12700" cap="flat" cmpd="sng" algn="ctr">
-                      <a:solidFill>
-                        <a:schemeClr val="accent2">
-                          <a:lumMod val="75000"/>
-                        </a:schemeClr>
-                      </a:solidFill>
-                      <a:prstDash val="solid"/>
-                      <a:round/>
-                      <a:headEnd type="none" w="med" len="med"/>
-                      <a:tailEnd type="none" w="med" len="med"/>
-                    </a:lnR>
-                    <a:lnT w="12700" cap="flat" cmpd="sng" algn="ctr">
-                      <a:solidFill>
-                        <a:schemeClr val="accent2">
-                          <a:lumMod val="75000"/>
-                        </a:schemeClr>
-                      </a:solidFill>
-                      <a:prstDash val="solid"/>
-                      <a:round/>
-                      <a:headEnd type="none" w="med" len="med"/>
-                      <a:tailEnd type="none" w="med" len="med"/>
-                    </a:lnT>
-                    <a:lnB w="12700" cap="flat" cmpd="sng" algn="ctr">
-                      <a:solidFill>
-                        <a:schemeClr val="accent2">
-                          <a:lumMod val="75000"/>
-                        </a:schemeClr>
-                      </a:solidFill>
-                      <a:prstDash val="solid"/>
-                      <a:round/>
-                      <a:headEnd type="none" w="med" len="med"/>
-                      <a:tailEnd type="none" w="med" len="med"/>
-                    </a:lnB>
-                    <a:noFill/>
-                  </a:tcPr>
-                </a:tc>
-                <a:tc>
-                  <a:txBody>
-                    <a:bodyPr/>
-                    <a:lstStyle/>
-                    <a:p>
-                      <a:endParaRPr lang="en-GB" sz="1400" dirty="0">
-                        <a:latin typeface="+mn-lt"/>
-                      </a:endParaRPr>
-                    </a:p>
-                  </a:txBody>
-                  <a:tcPr anchor="ctr">
-                    <a:lnL w="12700" cap="flat" cmpd="sng" algn="ctr">
-                      <a:solidFill>
-                        <a:schemeClr val="accent2">
-                          <a:lumMod val="75000"/>
-                        </a:schemeClr>
-                      </a:solidFill>
-                      <a:prstDash val="solid"/>
-                      <a:round/>
-                      <a:headEnd type="none" w="med" len="med"/>
-                      <a:tailEnd type="none" w="med" len="med"/>
-                    </a:lnL>
-                    <a:lnR w="38100" cap="flat" cmpd="sng" algn="ctr">
-                      <a:noFill/>
-                      <a:prstDash val="solid"/>
-                      <a:round/>
-                      <a:headEnd type="none" w="med" len="med"/>
-                      <a:tailEnd type="none" w="med" len="med"/>
-                    </a:lnR>
-                    <a:lnT w="12700" cap="flat" cmpd="sng" algn="ctr">
-                      <a:solidFill>
-                        <a:schemeClr val="accent2">
-                          <a:lumMod val="75000"/>
-                        </a:schemeClr>
-                      </a:solidFill>
-                      <a:prstDash val="solid"/>
-                      <a:round/>
-                      <a:headEnd type="none" w="med" len="med"/>
-                      <a:tailEnd type="none" w="med" len="med"/>
-                    </a:lnT>
-                    <a:lnB w="12700" cap="flat" cmpd="sng" algn="ctr">
-                      <a:solidFill>
-                        <a:schemeClr val="accent2">
-                          <a:lumMod val="75000"/>
-                        </a:schemeClr>
-                      </a:solidFill>
-                      <a:prstDash val="solid"/>
-                      <a:round/>
-                      <a:headEnd type="none" w="med" len="med"/>
-                      <a:tailEnd type="none" w="med" len="med"/>
-                    </a:lnB>
-                    <a:noFill/>
-                  </a:tcPr>
-                </a:tc>
-                <a:extLst>
-                  <a:ext uri="{0D108BD9-81ED-4DB2-BD59-A6C34878D82A}">
-                    <a16:rowId xmlns:a16="http://schemas.microsoft.com/office/drawing/2014/main" val="446909641"/>
-                  </a:ext>
-                </a:extLst>
-              </a:tr>
-              <a:tr h="548640">
-                <a:tc>
-                  <a:txBody>
-                    <a:bodyPr/>
-                    <a:lstStyle/>
-                    <a:p>
-                      <a:endParaRPr lang="en-GB" sz="1400" dirty="0">
-                        <a:latin typeface="+mn-lt"/>
-                      </a:endParaRPr>
-                    </a:p>
-                  </a:txBody>
-                  <a:tcPr anchor="ctr">
-                    <a:lnL w="38100" cap="flat" cmpd="sng" algn="ctr">
-                      <a:noFill/>
-                      <a:prstDash val="solid"/>
-                      <a:round/>
-                      <a:headEnd type="none" w="med" len="med"/>
-                      <a:tailEnd type="none" w="med" len="med"/>
-                    </a:lnL>
-                    <a:lnR w="12700" cap="flat" cmpd="sng" algn="ctr">
-                      <a:solidFill>
-                        <a:schemeClr val="accent2">
-                          <a:lumMod val="75000"/>
-                        </a:schemeClr>
-                      </a:solidFill>
-                      <a:prstDash val="solid"/>
-                      <a:round/>
-                      <a:headEnd type="none" w="med" len="med"/>
-                      <a:tailEnd type="none" w="med" len="med"/>
-                    </a:lnR>
-                    <a:lnT w="12700" cap="flat" cmpd="sng" algn="ctr">
-                      <a:solidFill>
-                        <a:schemeClr val="accent2">
-                          <a:lumMod val="75000"/>
-                        </a:schemeClr>
-                      </a:solidFill>
-                      <a:prstDash val="solid"/>
-                      <a:round/>
-                      <a:headEnd type="none" w="med" len="med"/>
-                      <a:tailEnd type="none" w="med" len="med"/>
-                    </a:lnT>
-                    <a:lnB w="12700" cap="flat" cmpd="sng" algn="ctr">
-                      <a:solidFill>
-                        <a:schemeClr val="accent2">
-                          <a:lumMod val="75000"/>
-                        </a:schemeClr>
-                      </a:solidFill>
-                      <a:prstDash val="solid"/>
-                      <a:round/>
-                      <a:headEnd type="none" w="med" len="med"/>
-                      <a:tailEnd type="none" w="med" len="med"/>
-                    </a:lnB>
-                    <a:solidFill>
-                      <a:schemeClr val="accent5"/>
-                    </a:solidFill>
-                  </a:tcPr>
-                </a:tc>
-                <a:tc>
-                  <a:txBody>
-                    <a:bodyPr/>
-                    <a:lstStyle/>
-                    <a:p>
-                      <a:endParaRPr lang="en-GB" sz="1400" dirty="0">
-                        <a:latin typeface="+mn-lt"/>
-                      </a:endParaRPr>
-                    </a:p>
-                  </a:txBody>
-                  <a:tcPr anchor="ctr">
-                    <a:lnL w="12700" cap="flat" cmpd="sng" algn="ctr">
-                      <a:solidFill>
-                        <a:schemeClr val="accent2">
-                          <a:lumMod val="75000"/>
-                        </a:schemeClr>
-                      </a:solidFill>
-                      <a:prstDash val="solid"/>
-                      <a:round/>
-                      <a:headEnd type="none" w="med" len="med"/>
-                      <a:tailEnd type="none" w="med" len="med"/>
-                    </a:lnL>
-                    <a:lnR w="12700" cap="flat" cmpd="sng" algn="ctr">
-                      <a:solidFill>
-                        <a:schemeClr val="accent2">
-                          <a:lumMod val="75000"/>
-                        </a:schemeClr>
-                      </a:solidFill>
-                      <a:prstDash val="solid"/>
-                      <a:round/>
-                      <a:headEnd type="none" w="med" len="med"/>
-                      <a:tailEnd type="none" w="med" len="med"/>
-                    </a:lnR>
-                    <a:lnT w="12700" cap="flat" cmpd="sng" algn="ctr">
-                      <a:solidFill>
-                        <a:schemeClr val="accent2">
-                          <a:lumMod val="75000"/>
-                        </a:schemeClr>
-                      </a:solidFill>
-                      <a:prstDash val="solid"/>
-                      <a:round/>
-                      <a:headEnd type="none" w="med" len="med"/>
-                      <a:tailEnd type="none" w="med" len="med"/>
-                    </a:lnT>
-                    <a:lnB w="12700" cap="flat" cmpd="sng" algn="ctr">
-                      <a:solidFill>
-                        <a:schemeClr val="accent2">
-                          <a:lumMod val="75000"/>
-                        </a:schemeClr>
-                      </a:solidFill>
-                      <a:prstDash val="solid"/>
-                      <a:round/>
-                      <a:headEnd type="none" w="med" len="med"/>
-                      <a:tailEnd type="none" w="med" len="med"/>
-                    </a:lnB>
-                    <a:solidFill>
-                      <a:schemeClr val="accent5"/>
-                    </a:solidFill>
-                  </a:tcPr>
-                </a:tc>
-                <a:tc>
-                  <a:txBody>
-                    <a:bodyPr/>
-                    <a:lstStyle/>
-                    <a:p>
-                      <a:endParaRPr lang="en-GB" sz="1400" dirty="0">
-                        <a:latin typeface="+mn-lt"/>
-                      </a:endParaRPr>
-                    </a:p>
-                  </a:txBody>
-                  <a:tcPr anchor="ctr">
-                    <a:lnL w="12700" cap="flat" cmpd="sng" algn="ctr">
-                      <a:solidFill>
-                        <a:schemeClr val="accent2">
-                          <a:lumMod val="75000"/>
-                        </a:schemeClr>
-                      </a:solidFill>
-                      <a:prstDash val="solid"/>
-                      <a:round/>
-                      <a:headEnd type="none" w="med" len="med"/>
-                      <a:tailEnd type="none" w="med" len="med"/>
-                    </a:lnL>
-                    <a:lnR w="12700" cap="flat" cmpd="sng" algn="ctr">
-                      <a:solidFill>
-                        <a:schemeClr val="accent2">
-                          <a:lumMod val="75000"/>
-                        </a:schemeClr>
-                      </a:solidFill>
-                      <a:prstDash val="solid"/>
-                      <a:round/>
-                      <a:headEnd type="none" w="med" len="med"/>
-                      <a:tailEnd type="none" w="med" len="med"/>
-                    </a:lnR>
-                    <a:lnT w="12700" cap="flat" cmpd="sng" algn="ctr">
-                      <a:solidFill>
-                        <a:schemeClr val="accent2">
-                          <a:lumMod val="75000"/>
-                        </a:schemeClr>
-                      </a:solidFill>
-                      <a:prstDash val="solid"/>
-                      <a:round/>
-                      <a:headEnd type="none" w="med" len="med"/>
-                      <a:tailEnd type="none" w="med" len="med"/>
-                    </a:lnT>
-                    <a:lnB w="12700" cap="flat" cmpd="sng" algn="ctr">
-                      <a:solidFill>
-                        <a:schemeClr val="accent2">
-                          <a:lumMod val="75000"/>
-                        </a:schemeClr>
-                      </a:solidFill>
-                      <a:prstDash val="solid"/>
-                      <a:round/>
-                      <a:headEnd type="none" w="med" len="med"/>
-                      <a:tailEnd type="none" w="med" len="med"/>
-                    </a:lnB>
-                    <a:solidFill>
-                      <a:schemeClr val="accent5"/>
-                    </a:solidFill>
-                  </a:tcPr>
-                </a:tc>
-                <a:tc>
-                  <a:txBody>
-                    <a:bodyPr/>
-                    <a:lstStyle/>
-                    <a:p>
-                      <a:endParaRPr lang="en-GB" sz="1400" dirty="0">
-                        <a:latin typeface="+mn-lt"/>
-                      </a:endParaRPr>
-                    </a:p>
-                  </a:txBody>
-                  <a:tcPr anchor="ctr">
-                    <a:lnL w="12700" cap="flat" cmpd="sng" algn="ctr">
-                      <a:solidFill>
-                        <a:schemeClr val="accent2">
-                          <a:lumMod val="75000"/>
-                        </a:schemeClr>
-                      </a:solidFill>
-                      <a:prstDash val="solid"/>
-                      <a:round/>
-                      <a:headEnd type="none" w="med" len="med"/>
-                      <a:tailEnd type="none" w="med" len="med"/>
-                    </a:lnL>
-                    <a:lnR w="38100" cap="flat" cmpd="sng" algn="ctr">
-                      <a:noFill/>
-                      <a:prstDash val="solid"/>
-                      <a:round/>
-                      <a:headEnd type="none" w="med" len="med"/>
-                      <a:tailEnd type="none" w="med" len="med"/>
-                    </a:lnR>
-                    <a:lnT w="12700" cap="flat" cmpd="sng" algn="ctr">
-                      <a:solidFill>
-                        <a:schemeClr val="accent2">
-                          <a:lumMod val="75000"/>
-                        </a:schemeClr>
-                      </a:solidFill>
-                      <a:prstDash val="solid"/>
-                      <a:round/>
-                      <a:headEnd type="none" w="med" len="med"/>
-                      <a:tailEnd type="none" w="med" len="med"/>
-                    </a:lnT>
-                    <a:lnB w="12700" cap="flat" cmpd="sng" algn="ctr">
-                      <a:solidFill>
-                        <a:schemeClr val="accent2">
-                          <a:lumMod val="75000"/>
-                        </a:schemeClr>
-                      </a:solidFill>
-                      <a:prstDash val="solid"/>
-                      <a:round/>
-                      <a:headEnd type="none" w="med" len="med"/>
-                      <a:tailEnd type="none" w="med" len="med"/>
-                    </a:lnB>
-                    <a:solidFill>
-                      <a:schemeClr val="accent5"/>
-                    </a:solidFill>
-                  </a:tcPr>
-                </a:tc>
-                <a:extLst>
-                  <a:ext uri="{0D108BD9-81ED-4DB2-BD59-A6C34878D82A}">
-                    <a16:rowId xmlns:a16="http://schemas.microsoft.com/office/drawing/2014/main" val="3472044516"/>
-                  </a:ext>
-                </a:extLst>
-              </a:tr>
-            </a:tbl>
-          </a:graphicData>
-        </a:graphic>
-      </p:graphicFrame>
-      <p:sp>
-        <p:nvSpPr>
-          <p:cNvPr id="2" name="Slide Number Placeholder 1">
-            <a:extLst>
-              <a:ext uri="{FF2B5EF4-FFF2-40B4-BE49-F238E27FC236}">
-                <a16:creationId xmlns:a16="http://schemas.microsoft.com/office/drawing/2014/main" id="{E4398C1C-6656-4A73-A680-62A81CDC27FD}"/>
+                <a16:creationId xmlns:a16="http://schemas.microsoft.com/office/drawing/2014/main" id="{AEE9BFE7-04EF-4938-A420-C5B982B0C2BC}"/>
               </a:ext>
             </a:extLst>
           </p:cNvPr>
@@ -28420,32 +25936,434 @@
           <a:lstStyle/>
           <a:p>
             <a:fld id="{C263D6C4-4840-40CC-AC84-17E24B3B7BDE}" type="slidenum">
-              <a:rPr lang="en-US" smtClean="0"/>
+              <a:rPr lang="en-US" noProof="0" smtClean="0"/>
               <a:pPr/>
               <a:t>10</a:t>
             </a:fld>
-            <a:endParaRPr lang="en-US" dirty="0"/>
+            <a:endParaRPr lang="en-US" noProof="0" dirty="0"/>
           </a:p>
         </p:txBody>
       </p:sp>
+      <p:sp>
+        <p:nvSpPr>
+          <p:cNvPr id="4" name="Text Placeholder 3">
+            <a:extLst>
+              <a:ext uri="{FF2B5EF4-FFF2-40B4-BE49-F238E27FC236}">
+                <a16:creationId xmlns:a16="http://schemas.microsoft.com/office/drawing/2014/main" id="{A88AEA02-6531-4F22-A94C-B883DAA06160}"/>
+              </a:ext>
+            </a:extLst>
+          </p:cNvPr>
+          <p:cNvSpPr>
+            <a:spLocks noGrp="1"/>
+          </p:cNvSpPr>
+          <p:nvPr>
+            <p:ph type="body" sz="quarter" idx="13"/>
+          </p:nvPr>
+        </p:nvSpPr>
+        <p:spPr>
+          <a:xfrm>
+            <a:off x="444500" y="1682895"/>
+            <a:ext cx="6915150" cy="3898755"/>
+          </a:xfrm>
+        </p:spPr>
+        <p:txBody>
+          <a:bodyPr>
+            <a:normAutofit/>
+          </a:bodyPr>
+          <a:lstStyle/>
+          <a:p>
+            <a:pPr algn="l">
+              <a:lnSpc>
+                <a:spcPct val="100000"/>
+              </a:lnSpc>
+            </a:pPr>
+            <a:r>
+              <a:rPr lang="lv-LV" sz="2800" dirty="0"/>
+              <a:t>Rekursija</a:t>
+            </a:r>
+            <a:r>
+              <a:rPr lang="en-US" sz="2800" dirty="0"/>
+              <a:t> </a:t>
+            </a:r>
+            <a:r>
+              <a:rPr lang="en-US" sz="2800" dirty="0" err="1"/>
+              <a:t>ir</a:t>
+            </a:r>
+            <a:r>
+              <a:rPr lang="lv-LV" sz="2800" dirty="0"/>
+              <a:t> </a:t>
+            </a:r>
+            <a:r>
+              <a:rPr lang="en-US" sz="2800" dirty="0"/>
+              <a:t>, </a:t>
+            </a:r>
+            <a:r>
+              <a:rPr lang="en-US" sz="2800" dirty="0" err="1"/>
+              <a:t>kad</a:t>
+            </a:r>
+            <a:r>
+              <a:rPr lang="en-US" sz="2800" dirty="0"/>
+              <a:t> </a:t>
+            </a:r>
+            <a:r>
+              <a:rPr lang="en-US" sz="2800" dirty="0" err="1"/>
+              <a:t>funkcija</a:t>
+            </a:r>
+            <a:r>
+              <a:rPr lang="en-US" sz="2800" dirty="0"/>
+              <a:t> </a:t>
+            </a:r>
+            <a:r>
+              <a:rPr lang="en-US" sz="2800" dirty="0" err="1"/>
+              <a:t>izsauc</a:t>
+            </a:r>
+            <a:r>
+              <a:rPr lang="en-US" sz="2800" dirty="0"/>
+              <a:t> </a:t>
+            </a:r>
+            <a:r>
+              <a:rPr lang="en-US" sz="2800" dirty="0" err="1"/>
+              <a:t>pati</a:t>
+            </a:r>
+            <a:r>
+              <a:rPr lang="en-US" sz="2800" dirty="0"/>
+              <a:t> </a:t>
+            </a:r>
+            <a:r>
+              <a:rPr lang="en-US" sz="2800" dirty="0" err="1"/>
+              <a:t>sevi</a:t>
+            </a:r>
+            <a:r>
+              <a:rPr lang="en-US" sz="2800" dirty="0"/>
+              <a:t>.</a:t>
+            </a:r>
+            <a:r>
+              <a:rPr lang="lv-LV" sz="2800" dirty="0"/>
+              <a:t> </a:t>
+            </a:r>
+            <a:r>
+              <a:rPr lang="en-US" sz="2800" dirty="0" err="1"/>
+              <a:t>Tā</a:t>
+            </a:r>
+            <a:r>
+              <a:rPr lang="en-US" sz="2800" dirty="0"/>
+              <a:t> </a:t>
+            </a:r>
+            <a:r>
+              <a:rPr lang="en-US" sz="2800" dirty="0" err="1"/>
+              <a:t>tiek</a:t>
+            </a:r>
+            <a:r>
+              <a:rPr lang="en-US" sz="2800" dirty="0"/>
+              <a:t> </a:t>
+            </a:r>
+            <a:r>
+              <a:rPr lang="en-US" sz="2800" dirty="0" err="1"/>
+              <a:t>izmantota</a:t>
+            </a:r>
+            <a:r>
+              <a:rPr lang="en-US" sz="2800" dirty="0"/>
+              <a:t>, </a:t>
+            </a:r>
+            <a:r>
+              <a:rPr lang="en-US" sz="2800" dirty="0" err="1"/>
+              <a:t>lai</a:t>
+            </a:r>
+            <a:r>
+              <a:rPr lang="en-US" sz="2800" dirty="0"/>
+              <a:t> </a:t>
+            </a:r>
+            <a:r>
+              <a:rPr lang="en-US" sz="2800" dirty="0" err="1"/>
+              <a:t>atrisinātu</a:t>
+            </a:r>
+            <a:r>
+              <a:rPr lang="en-US" sz="2800" dirty="0"/>
+              <a:t> </a:t>
+            </a:r>
+            <a:r>
+              <a:rPr lang="en-US" sz="2800" dirty="0" err="1"/>
+              <a:t>problēmas</a:t>
+            </a:r>
+            <a:r>
+              <a:rPr lang="en-US" sz="2800" dirty="0"/>
+              <a:t>, </a:t>
+            </a:r>
+            <a:r>
+              <a:rPr lang="en-US" sz="2800" dirty="0" err="1"/>
+              <a:t>kuras</a:t>
+            </a:r>
+            <a:r>
+              <a:rPr lang="en-US" sz="2800" dirty="0"/>
+              <a:t> var </a:t>
+            </a:r>
+            <a:r>
+              <a:rPr lang="en-US" sz="2800" dirty="0" err="1"/>
+              <a:t>sadalīt</a:t>
+            </a:r>
+            <a:r>
+              <a:rPr lang="en-US" sz="2800" dirty="0"/>
+              <a:t> </a:t>
+            </a:r>
+            <a:r>
+              <a:rPr lang="en-US" sz="2800" dirty="0" err="1"/>
+              <a:t>mazākās</a:t>
+            </a:r>
+            <a:r>
+              <a:rPr lang="en-US" sz="2800" dirty="0"/>
+              <a:t> </a:t>
+            </a:r>
+            <a:r>
+              <a:rPr lang="en-US" sz="2800" dirty="0" err="1"/>
+              <a:t>līdzīgās</a:t>
+            </a:r>
+            <a:r>
+              <a:rPr lang="en-US" sz="2800" dirty="0"/>
+              <a:t> </a:t>
+            </a:r>
+            <a:r>
+              <a:rPr lang="en-US" sz="2800" dirty="0" err="1"/>
+              <a:t>problēmās</a:t>
+            </a:r>
+            <a:r>
+              <a:rPr lang="en-US" sz="2800" dirty="0"/>
+              <a:t>.</a:t>
+            </a:r>
+            <a:r>
+              <a:rPr lang="lv-LV" sz="2800" dirty="0"/>
+              <a:t> </a:t>
+            </a:r>
+            <a:r>
+              <a:rPr lang="en-US" sz="2800" dirty="0"/>
+              <a:t>Lai </a:t>
+            </a:r>
+            <a:r>
+              <a:rPr lang="en-US" sz="2800" dirty="0" err="1"/>
+              <a:t>rekursija</a:t>
+            </a:r>
+            <a:r>
+              <a:rPr lang="en-US" sz="2800" dirty="0"/>
+              <a:t> </a:t>
+            </a:r>
+            <a:r>
+              <a:rPr lang="en-US" sz="2800" dirty="0" err="1"/>
+              <a:t>darbotos</a:t>
+            </a:r>
+            <a:r>
+              <a:rPr lang="en-US" sz="2800" dirty="0"/>
+              <a:t> </a:t>
+            </a:r>
+            <a:r>
+              <a:rPr lang="en-US" sz="2800" dirty="0" err="1"/>
+              <a:t>pareizi</a:t>
+            </a:r>
+            <a:r>
+              <a:rPr lang="en-US" sz="2800" dirty="0"/>
+              <a:t>, </a:t>
+            </a:r>
+            <a:r>
+              <a:rPr lang="en-US" sz="2800" dirty="0" err="1"/>
+              <a:t>vienmēr</a:t>
+            </a:r>
+            <a:r>
+              <a:rPr lang="en-US" sz="2800" dirty="0"/>
+              <a:t> </a:t>
+            </a:r>
+            <a:r>
+              <a:rPr lang="en-US" sz="2800" dirty="0" err="1"/>
+              <a:t>vajag</a:t>
+            </a:r>
+            <a:r>
+              <a:rPr lang="en-US" sz="2800" dirty="0"/>
+              <a:t> </a:t>
+            </a:r>
+            <a:r>
+              <a:rPr lang="en-US" sz="2800" dirty="0" err="1"/>
+              <a:t>beigu</a:t>
+            </a:r>
+            <a:r>
+              <a:rPr lang="en-US" sz="2800" dirty="0"/>
+              <a:t> </a:t>
+            </a:r>
+            <a:r>
+              <a:rPr lang="en-US" sz="2800" dirty="0" err="1"/>
+              <a:t>nosacījumu</a:t>
+            </a:r>
+            <a:r>
+              <a:rPr lang="en-US" sz="2800" dirty="0"/>
+              <a:t> (</a:t>
+            </a:r>
+            <a:r>
+              <a:rPr lang="en-US" sz="2800" dirty="0" err="1"/>
+              <a:t>tā</a:t>
+            </a:r>
+            <a:r>
+              <a:rPr lang="en-US" sz="2800" dirty="0"/>
+              <a:t> </a:t>
+            </a:r>
+            <a:r>
+              <a:rPr lang="en-US" sz="2800" dirty="0" err="1"/>
+              <a:t>saukto</a:t>
+            </a:r>
+            <a:r>
+              <a:rPr lang="en-US" sz="2800" dirty="0"/>
+              <a:t> </a:t>
+            </a:r>
+            <a:r>
+              <a:rPr lang="en-US" sz="2800" dirty="0" err="1"/>
+              <a:t>bāzes</a:t>
+            </a:r>
+            <a:r>
+              <a:rPr lang="en-US" sz="2800" dirty="0"/>
+              <a:t> </a:t>
+            </a:r>
+            <a:r>
+              <a:rPr lang="en-US" sz="2800" dirty="0" err="1"/>
+              <a:t>gadījumu</a:t>
+            </a:r>
+            <a:r>
+              <a:rPr lang="en-US" sz="2800" dirty="0"/>
+              <a:t>), </a:t>
+            </a:r>
+            <a:r>
+              <a:rPr lang="en-US" sz="2800" dirty="0" err="1"/>
+              <a:t>lai</a:t>
+            </a:r>
+            <a:r>
+              <a:rPr lang="en-US" sz="2800" dirty="0"/>
+              <a:t> </a:t>
+            </a:r>
+            <a:r>
+              <a:rPr lang="en-US" sz="2800" dirty="0" err="1"/>
+              <a:t>funkcija</a:t>
+            </a:r>
+            <a:r>
+              <a:rPr lang="en-US" sz="2800" dirty="0"/>
+              <a:t> </a:t>
+            </a:r>
+            <a:r>
+              <a:rPr lang="en-US" sz="2800" dirty="0" err="1"/>
+              <a:t>kādā</a:t>
+            </a:r>
+            <a:r>
+              <a:rPr lang="en-US" sz="2800" dirty="0"/>
+              <a:t> </a:t>
+            </a:r>
+            <a:r>
+              <a:rPr lang="en-US" sz="2800" dirty="0" err="1"/>
+              <a:t>brīdī</a:t>
+            </a:r>
+            <a:r>
+              <a:rPr lang="en-US" sz="2800" dirty="0"/>
+              <a:t> </a:t>
+            </a:r>
+            <a:r>
+              <a:rPr lang="en-US" sz="2800" dirty="0" err="1"/>
+              <a:t>pārstātu</a:t>
+            </a:r>
+            <a:r>
+              <a:rPr lang="en-US" sz="2800" dirty="0"/>
+              <a:t> </a:t>
+            </a:r>
+            <a:r>
+              <a:rPr lang="en-US" sz="2800" dirty="0" err="1"/>
+              <a:t>sevi</a:t>
+            </a:r>
+            <a:r>
+              <a:rPr lang="en-US" sz="2800" dirty="0"/>
+              <a:t> </a:t>
+            </a:r>
+            <a:r>
+              <a:rPr lang="en-US" sz="2800" dirty="0" err="1"/>
+              <a:t>izsaukt</a:t>
+            </a:r>
+            <a:r>
+              <a:rPr lang="en-US" sz="2800" dirty="0"/>
+              <a:t>, </a:t>
+            </a:r>
+            <a:r>
+              <a:rPr lang="lv-LV" sz="2800" dirty="0"/>
+              <a:t>savādāk</a:t>
+            </a:r>
+            <a:r>
+              <a:rPr lang="en-US" sz="2800" dirty="0"/>
+              <a:t> </a:t>
+            </a:r>
+            <a:r>
+              <a:rPr lang="en-US" sz="2800" dirty="0" err="1"/>
+              <a:t>būs</a:t>
+            </a:r>
+            <a:r>
+              <a:rPr lang="en-US" sz="2800" dirty="0"/>
+              <a:t> </a:t>
+            </a:r>
+            <a:r>
+              <a:rPr lang="en-US" sz="2800" dirty="0" err="1"/>
+              <a:t>bezgalīgs</a:t>
+            </a:r>
+            <a:r>
+              <a:rPr lang="en-US" sz="2800" dirty="0"/>
+              <a:t> </a:t>
+            </a:r>
+            <a:r>
+              <a:rPr lang="en-US" sz="2800" dirty="0" err="1"/>
+              <a:t>cikls</a:t>
+            </a:r>
+            <a:r>
+              <a:rPr lang="en-US" sz="2800" dirty="0"/>
+              <a:t>.</a:t>
+            </a:r>
+          </a:p>
+        </p:txBody>
+      </p:sp>
+      <p:pic>
+        <p:nvPicPr>
+          <p:cNvPr id="6" name="Picture 5">
+            <a:extLst>
+              <a:ext uri="{FF2B5EF4-FFF2-40B4-BE49-F238E27FC236}">
+                <a16:creationId xmlns:a16="http://schemas.microsoft.com/office/drawing/2014/main" id="{DD7FD8B4-C59D-4BEE-BD71-9C688A988CD4}"/>
+              </a:ext>
+            </a:extLst>
+          </p:cNvPr>
+          <p:cNvPicPr>
+            <a:picLocks noChangeAspect="1"/>
+          </p:cNvPicPr>
+          <p:nvPr/>
+        </p:nvPicPr>
+        <p:blipFill>
+          <a:blip r:embed="rId2"/>
+          <a:stretch>
+            <a:fillRect/>
+          </a:stretch>
+        </p:blipFill>
+        <p:spPr>
+          <a:xfrm>
+            <a:off x="7905750" y="906549"/>
+            <a:ext cx="4286250" cy="5451445"/>
+          </a:xfrm>
+          <a:prstGeom prst="rect">
+            <a:avLst/>
+          </a:prstGeom>
+        </p:spPr>
+      </p:pic>
     </p:spTree>
     <p:extLst>
       <p:ext uri="{BB962C8B-B14F-4D97-AF65-F5344CB8AC3E}">
-        <p14:creationId xmlns:p14="http://schemas.microsoft.com/office/powerpoint/2010/main" val="1065425595"/>
+        <p14:creationId xmlns:p14="http://schemas.microsoft.com/office/powerpoint/2010/main" val="1266961709"/>
       </p:ext>
     </p:extLst>
   </p:cSld>
   <p:clrMapOvr>
     <a:masterClrMapping/>
   </p:clrMapOvr>
-  <mc:AlternateContent xmlns:mc="http://schemas.openxmlformats.org/markup-compatibility/2006" xmlns:p14="http://schemas.microsoft.com/office/powerpoint/2010/main">
-    <mc:Choice Requires="p14">
-      <p:transition spd="med" p14:dur="700">
-        <p:fade/>
+  <mc:AlternateContent xmlns:mc="http://schemas.openxmlformats.org/markup-compatibility/2006">
+    <mc:Choice xmlns:p159="http://schemas.microsoft.com/office/powerpoint/2015/09/main" Requires="p159">
+      <p:transition xmlns:p14="http://schemas.microsoft.com/office/powerpoint/2010/main" spd="slow" p14:dur="2000">
+        <p159:morph option="byObject"/>
       </p:transition>
     </mc:Choice>
-    <mc:Fallback xmlns="">
-      <p:transition spd="med">
+    <mc:Fallback>
+      <p:transition spd="slow">
         <p:fade/>
       </p:transition>
     </mc:Fallback>
@@ -28472,10 +26390,10 @@
       </p:grpSpPr>
       <p:sp>
         <p:nvSpPr>
-          <p:cNvPr id="5" name="Title 4">
+          <p:cNvPr id="2" name="Title 1">
             <a:extLst>
               <a:ext uri="{FF2B5EF4-FFF2-40B4-BE49-F238E27FC236}">
-                <a16:creationId xmlns:a16="http://schemas.microsoft.com/office/drawing/2014/main" id="{201323FB-427E-4A8D-B473-AB0657D8D23B}"/>
+                <a16:creationId xmlns:a16="http://schemas.microsoft.com/office/drawing/2014/main" id="{B11DB0B0-574C-4635-B27E-0FEB7BF3DEC3}"/>
               </a:ext>
             </a:extLst>
           </p:cNvPr>
@@ -28492,46 +26410,19 @@
           <a:lstStyle/>
           <a:p>
             <a:r>
-              <a:rPr lang="en-US" dirty="0"/>
-              <a:t>Chart</a:t>
+              <a:rPr lang="lv-LV" dirty="0"/>
+              <a:t>Izmantotie Avoti:</a:t>
             </a:r>
+            <a:endParaRPr lang="en-US" dirty="0"/>
           </a:p>
         </p:txBody>
       </p:sp>
-      <p:graphicFrame>
-        <p:nvGraphicFramePr>
-          <p:cNvPr id="7" name="Chart 6" title="Gross Revenue Placeholder Chart">
+      <p:sp>
+        <p:nvSpPr>
+          <p:cNvPr id="3" name="Slide Number Placeholder 2">
             <a:extLst>
               <a:ext uri="{FF2B5EF4-FFF2-40B4-BE49-F238E27FC236}">
-                <a16:creationId xmlns:a16="http://schemas.microsoft.com/office/drawing/2014/main" id="{19AEAA04-4840-FB41-B910-5F3570D85F0A}"/>
-              </a:ext>
-            </a:extLst>
-          </p:cNvPr>
-          <p:cNvGraphicFramePr/>
-          <p:nvPr>
-            <p:extLst>
-              <p:ext uri="{D42A27DB-BD31-4B8C-83A1-F6EECF244321}">
-                <p14:modId xmlns:p14="http://schemas.microsoft.com/office/powerpoint/2010/main" val="654825679"/>
-              </p:ext>
-            </p:extLst>
-          </p:nvPr>
-        </p:nvGraphicFramePr>
-        <p:xfrm>
-          <a:off x="1250950" y="1712075"/>
-          <a:ext cx="9690100" cy="4444199"/>
-        </p:xfrm>
-        <a:graphic>
-          <a:graphicData uri="http://schemas.openxmlformats.org/drawingml/2006/chart">
-            <c:chart xmlns:c="http://schemas.openxmlformats.org/drawingml/2006/chart" xmlns:r="http://schemas.openxmlformats.org/officeDocument/2006/relationships" r:id="rId2"/>
-          </a:graphicData>
-        </a:graphic>
-      </p:graphicFrame>
-      <p:sp>
-        <p:nvSpPr>
-          <p:cNvPr id="2" name="Slide Number Placeholder 1">
-            <a:extLst>
-              <a:ext uri="{FF2B5EF4-FFF2-40B4-BE49-F238E27FC236}">
-                <a16:creationId xmlns:a16="http://schemas.microsoft.com/office/drawing/2014/main" id="{E4398C1C-6656-4A73-A680-62A81CDC27FD}"/>
+                <a16:creationId xmlns:a16="http://schemas.microsoft.com/office/drawing/2014/main" id="{DD665C5E-54FA-46CA-86FC-60FBD62E5A7E}"/>
               </a:ext>
             </a:extLst>
           </p:cNvPr>
@@ -28548,364 +26439,20 @@
           <a:lstStyle/>
           <a:p>
             <a:fld id="{C263D6C4-4840-40CC-AC84-17E24B3B7BDE}" type="slidenum">
-              <a:rPr lang="en-US" smtClean="0"/>
+              <a:rPr lang="en-US" noProof="0" smtClean="0"/>
               <a:pPr/>
               <a:t>11</a:t>
             </a:fld>
-            <a:endParaRPr lang="en-US" dirty="0"/>
-          </a:p>
-        </p:txBody>
-      </p:sp>
-    </p:spTree>
-    <p:extLst>
-      <p:ext uri="{BB962C8B-B14F-4D97-AF65-F5344CB8AC3E}">
-        <p14:creationId xmlns:p14="http://schemas.microsoft.com/office/powerpoint/2010/main" val="3322300142"/>
-      </p:ext>
-    </p:extLst>
-  </p:cSld>
-  <p:clrMapOvr>
-    <a:masterClrMapping/>
-  </p:clrMapOvr>
-  <mc:AlternateContent xmlns:mc="http://schemas.openxmlformats.org/markup-compatibility/2006" xmlns:p14="http://schemas.microsoft.com/office/powerpoint/2010/main">
-    <mc:Choice Requires="p14">
-      <p:transition spd="med" p14:dur="700">
-        <p:fade/>
-      </p:transition>
-    </mc:Choice>
-    <mc:Fallback xmlns="">
-      <p:transition spd="med">
-        <p:fade/>
-      </p:transition>
-    </mc:Fallback>
-  </mc:AlternateContent>
-</p:sld>
-</file>
-
-<file path=ppt/slides/slide12.xml><?xml version="1.0" encoding="utf-8"?>
-<p:sld xmlns:a="http://schemas.openxmlformats.org/drawingml/2006/main" xmlns:r="http://schemas.openxmlformats.org/officeDocument/2006/relationships" xmlns:p="http://schemas.openxmlformats.org/presentationml/2006/main">
-  <p:cSld>
-    <p:spTree>
-      <p:nvGrpSpPr>
-        <p:cNvPr id="1" name=""/>
-        <p:cNvGrpSpPr/>
-        <p:nvPr/>
-      </p:nvGrpSpPr>
-      <p:grpSpPr>
-        <a:xfrm>
-          <a:off x="0" y="0"/>
-          <a:ext cx="0" cy="0"/>
-          <a:chOff x="0" y="0"/>
-          <a:chExt cx="0" cy="0"/>
-        </a:xfrm>
-      </p:grpSpPr>
-      <p:sp>
-        <p:nvSpPr>
-          <p:cNvPr id="6" name="Title 5">
-            <a:extLst>
-              <a:ext uri="{FF2B5EF4-FFF2-40B4-BE49-F238E27FC236}">
-                <a16:creationId xmlns:a16="http://schemas.microsoft.com/office/drawing/2014/main" id="{A4CD37D6-FE32-48E3-A3AD-F07BE6A19FA1}"/>
-              </a:ext>
-            </a:extLst>
-          </p:cNvPr>
-          <p:cNvSpPr>
-            <a:spLocks noGrp="1"/>
-          </p:cNvSpPr>
-          <p:nvPr>
-            <p:ph type="title"/>
-          </p:nvPr>
-        </p:nvSpPr>
-        <p:spPr>
-          <a:xfrm>
-            <a:off x="533399" y="3200400"/>
-            <a:ext cx="7551057" cy="2859313"/>
-          </a:xfrm>
-        </p:spPr>
-        <p:txBody>
-          <a:bodyPr/>
-          <a:lstStyle/>
-          <a:p>
-            <a:r>
-              <a:rPr lang="en-US" dirty="0"/>
-              <a:t>Quote appears here </a:t>
-            </a:r>
-            <a:br>
-              <a:rPr lang="en-US" dirty="0"/>
-            </a:br>
-            <a:r>
-              <a:rPr lang="en-US" dirty="0"/>
-              <a:t>Lorem ipsum dolor sit amet, consectetuer adipiscing elit.” </a:t>
-            </a:r>
-            <a:br>
-              <a:rPr lang="en-US" dirty="0"/>
-            </a:br>
-            <a:r>
-              <a:rPr lang="en-US" sz="2400" dirty="0"/>
-              <a:t>- Author</a:t>
-            </a:r>
-            <a:endParaRPr lang="en-US" dirty="0"/>
+            <a:endParaRPr lang="en-US" noProof="0" dirty="0"/>
           </a:p>
         </p:txBody>
       </p:sp>
       <p:sp>
         <p:nvSpPr>
-          <p:cNvPr id="2" name="Slide Number Placeholder 1">
+          <p:cNvPr id="4" name="Text Placeholder 3">
             <a:extLst>
               <a:ext uri="{FF2B5EF4-FFF2-40B4-BE49-F238E27FC236}">
-                <a16:creationId xmlns:a16="http://schemas.microsoft.com/office/drawing/2014/main" id="{8EDC7217-2779-44E0-9E6D-3B3879516A1D}"/>
-              </a:ext>
-            </a:extLst>
-          </p:cNvPr>
-          <p:cNvSpPr>
-            <a:spLocks noGrp="1"/>
-          </p:cNvSpPr>
-          <p:nvPr>
-            <p:ph type="sldNum" sz="quarter" idx="12"/>
-          </p:nvPr>
-        </p:nvSpPr>
-        <p:spPr/>
-        <p:txBody>
-          <a:bodyPr/>
-          <a:lstStyle/>
-          <a:p>
-            <a:fld id="{C263D6C4-4840-40CC-AC84-17E24B3B7BDE}" type="slidenum">
-              <a:rPr lang="en-US" smtClean="0"/>
-              <a:pPr/>
-              <a:t>12</a:t>
-            </a:fld>
-            <a:endParaRPr lang="en-US" dirty="0"/>
-          </a:p>
-        </p:txBody>
-      </p:sp>
-    </p:spTree>
-    <p:extLst>
-      <p:ext uri="{BB962C8B-B14F-4D97-AF65-F5344CB8AC3E}">
-        <p14:creationId xmlns:p14="http://schemas.microsoft.com/office/powerpoint/2010/main" val="914134537"/>
-      </p:ext>
-    </p:extLst>
-  </p:cSld>
-  <p:clrMapOvr>
-    <a:masterClrMapping/>
-  </p:clrMapOvr>
-  <mc:AlternateContent xmlns:mc="http://schemas.openxmlformats.org/markup-compatibility/2006" xmlns:p14="http://schemas.microsoft.com/office/powerpoint/2010/main">
-    <mc:Choice Requires="p14">
-      <p:transition spd="med" p14:dur="700">
-        <p:fade/>
-      </p:transition>
-    </mc:Choice>
-    <mc:Fallback xmlns="">
-      <p:transition spd="med">
-        <p:fade/>
-      </p:transition>
-    </mc:Fallback>
-  </mc:AlternateContent>
-</p:sld>
-</file>
-
-<file path=ppt/slides/slide13.xml><?xml version="1.0" encoding="utf-8"?>
-<p:sld xmlns:a="http://schemas.openxmlformats.org/drawingml/2006/main" xmlns:r="http://schemas.openxmlformats.org/officeDocument/2006/relationships" xmlns:p="http://schemas.openxmlformats.org/presentationml/2006/main">
-  <p:cSld>
-    <p:spTree>
-      <p:nvGrpSpPr>
-        <p:cNvPr id="1" name=""/>
-        <p:cNvGrpSpPr/>
-        <p:nvPr/>
-      </p:nvGrpSpPr>
-      <p:grpSpPr>
-        <a:xfrm>
-          <a:off x="0" y="0"/>
-          <a:ext cx="0" cy="0"/>
-          <a:chOff x="0" y="0"/>
-          <a:chExt cx="0" cy="0"/>
-        </a:xfrm>
-      </p:grpSpPr>
-      <p:sp>
-        <p:nvSpPr>
-          <p:cNvPr id="2" name="Title 1">
-            <a:extLst>
-              <a:ext uri="{FF2B5EF4-FFF2-40B4-BE49-F238E27FC236}">
-                <a16:creationId xmlns:a16="http://schemas.microsoft.com/office/drawing/2014/main" id="{632BE5BF-9922-45FB-8F3F-4446D40A051B}"/>
-              </a:ext>
-            </a:extLst>
-          </p:cNvPr>
-          <p:cNvSpPr>
-            <a:spLocks noGrp="1"/>
-          </p:cNvSpPr>
-          <p:nvPr>
-            <p:ph type="ctrTitle"/>
-          </p:nvPr>
-        </p:nvSpPr>
-        <p:spPr/>
-        <p:txBody>
-          <a:bodyPr/>
-          <a:lstStyle/>
-          <a:p>
-            <a:r>
-              <a:rPr lang="en-US" dirty="0"/>
-              <a:t>Thank You 1</a:t>
-            </a:r>
-            <a:endParaRPr lang="en-GB" dirty="0"/>
-          </a:p>
-        </p:txBody>
-      </p:sp>
-    </p:spTree>
-    <p:extLst>
-      <p:ext uri="{BB962C8B-B14F-4D97-AF65-F5344CB8AC3E}">
-        <p14:creationId xmlns:p14="http://schemas.microsoft.com/office/powerpoint/2010/main" val="429771863"/>
-      </p:ext>
-    </p:extLst>
-  </p:cSld>
-  <p:clrMapOvr>
-    <a:masterClrMapping/>
-  </p:clrMapOvr>
-  <p:transition spd="slow">
-    <p:wipe/>
-  </p:transition>
-</p:sld>
-</file>
-
-<file path=ppt/slides/slide14.xml><?xml version="1.0" encoding="utf-8"?>
-<p:sld xmlns:a="http://schemas.openxmlformats.org/drawingml/2006/main" xmlns:r="http://schemas.openxmlformats.org/officeDocument/2006/relationships" xmlns:p="http://schemas.openxmlformats.org/presentationml/2006/main">
-  <p:cSld>
-    <p:spTree>
-      <p:nvGrpSpPr>
-        <p:cNvPr id="1" name=""/>
-        <p:cNvGrpSpPr/>
-        <p:nvPr/>
-      </p:nvGrpSpPr>
-      <p:grpSpPr>
-        <a:xfrm>
-          <a:off x="0" y="0"/>
-          <a:ext cx="0" cy="0"/>
-          <a:chOff x="0" y="0"/>
-          <a:chExt cx="0" cy="0"/>
-        </a:xfrm>
-      </p:grpSpPr>
-      <p:sp>
-        <p:nvSpPr>
-          <p:cNvPr id="2" name="Title 1">
-            <a:extLst>
-              <a:ext uri="{FF2B5EF4-FFF2-40B4-BE49-F238E27FC236}">
-                <a16:creationId xmlns:a16="http://schemas.microsoft.com/office/drawing/2014/main" id="{632BE5BF-9922-45FB-8F3F-4446D40A051B}"/>
-              </a:ext>
-            </a:extLst>
-          </p:cNvPr>
-          <p:cNvSpPr>
-            <a:spLocks noGrp="1"/>
-          </p:cNvSpPr>
-          <p:nvPr>
-            <p:ph type="ctrTitle"/>
-          </p:nvPr>
-        </p:nvSpPr>
-        <p:spPr/>
-        <p:txBody>
-          <a:bodyPr/>
-          <a:lstStyle/>
-          <a:p>
-            <a:r>
-              <a:rPr lang="en-US" dirty="0"/>
-              <a:t>Thank You 2</a:t>
-            </a:r>
-            <a:endParaRPr lang="en-GB" dirty="0"/>
-          </a:p>
-        </p:txBody>
-      </p:sp>
-    </p:spTree>
-    <p:extLst>
-      <p:ext uri="{BB962C8B-B14F-4D97-AF65-F5344CB8AC3E}">
-        <p14:creationId xmlns:p14="http://schemas.microsoft.com/office/powerpoint/2010/main" val="44069682"/>
-      </p:ext>
-    </p:extLst>
-  </p:cSld>
-  <p:clrMapOvr>
-    <a:masterClrMapping/>
-  </p:clrMapOvr>
-  <p:transition spd="slow">
-    <p:wipe/>
-  </p:transition>
-</p:sld>
-</file>
-
-<file path=ppt/slides/slide15.xml><?xml version="1.0" encoding="utf-8"?>
-<p:sld xmlns:a="http://schemas.openxmlformats.org/drawingml/2006/main" xmlns:r="http://schemas.openxmlformats.org/officeDocument/2006/relationships" xmlns:p="http://schemas.openxmlformats.org/presentationml/2006/main">
-  <p:cSld>
-    <p:spTree>
-      <p:nvGrpSpPr>
-        <p:cNvPr id="1" name=""/>
-        <p:cNvGrpSpPr/>
-        <p:nvPr/>
-      </p:nvGrpSpPr>
-      <p:grpSpPr>
-        <a:xfrm>
-          <a:off x="0" y="0"/>
-          <a:ext cx="0" cy="0"/>
-          <a:chOff x="0" y="0"/>
-          <a:chExt cx="0" cy="0"/>
-        </a:xfrm>
-      </p:grpSpPr>
-      <p:sp>
-        <p:nvSpPr>
-          <p:cNvPr id="4" name="Title 3">
-            <a:extLst>
-              <a:ext uri="{FF2B5EF4-FFF2-40B4-BE49-F238E27FC236}">
-                <a16:creationId xmlns:a16="http://schemas.microsoft.com/office/drawing/2014/main" id="{E98DCA46-603B-4178-8707-30E192CE6B8D}"/>
-              </a:ext>
-            </a:extLst>
-          </p:cNvPr>
-          <p:cNvSpPr>
-            <a:spLocks noGrp="1"/>
-          </p:cNvSpPr>
-          <p:nvPr>
-            <p:ph type="title"/>
-          </p:nvPr>
-        </p:nvSpPr>
-        <p:spPr/>
-        <p:txBody>
-          <a:bodyPr/>
-          <a:lstStyle/>
-          <a:p>
-            <a:r>
-              <a:rPr lang="en-US" dirty="0"/>
-              <a:t>Customize this Template</a:t>
-            </a:r>
-          </a:p>
-        </p:txBody>
-      </p:sp>
-      <p:sp>
-        <p:nvSpPr>
-          <p:cNvPr id="2" name="Slide Number Placeholder 1">
-            <a:extLst>
-              <a:ext uri="{FF2B5EF4-FFF2-40B4-BE49-F238E27FC236}">
-                <a16:creationId xmlns:a16="http://schemas.microsoft.com/office/drawing/2014/main" id="{6D90B5C6-1CB0-445E-99D1-8E2FE8C59B50}"/>
-              </a:ext>
-            </a:extLst>
-          </p:cNvPr>
-          <p:cNvSpPr>
-            <a:spLocks noGrp="1"/>
-          </p:cNvSpPr>
-          <p:nvPr>
-            <p:ph type="sldNum" sz="quarter" idx="12"/>
-          </p:nvPr>
-        </p:nvSpPr>
-        <p:spPr/>
-        <p:txBody>
-          <a:bodyPr/>
-          <a:lstStyle/>
-          <a:p>
-            <a:fld id="{C263D6C4-4840-40CC-AC84-17E24B3B7BDE}" type="slidenum">
-              <a:rPr lang="en-US" smtClean="0"/>
-              <a:pPr/>
-              <a:t>15</a:t>
-            </a:fld>
-            <a:endParaRPr lang="en-US" dirty="0"/>
-          </a:p>
-        </p:txBody>
-      </p:sp>
-      <p:sp>
-        <p:nvSpPr>
-          <p:cNvPr id="3" name="Text Placeholder 2">
-            <a:extLst>
-              <a:ext uri="{FF2B5EF4-FFF2-40B4-BE49-F238E27FC236}">
-                <a16:creationId xmlns:a16="http://schemas.microsoft.com/office/drawing/2014/main" id="{06554A61-D199-469B-AB0C-B68F82B5059F}"/>
+                <a16:creationId xmlns:a16="http://schemas.microsoft.com/office/drawing/2014/main" id="{3369A3CA-ED53-40BE-A076-E063250C23C6}"/>
               </a:ext>
             </a:extLst>
           </p:cNvPr>
@@ -28916,37 +26463,124 @@
             <p:ph type="body" sz="quarter" idx="13"/>
           </p:nvPr>
         </p:nvSpPr>
-        <p:spPr/>
+        <p:spPr>
+          <a:xfrm>
+            <a:off x="0" y="1749570"/>
+            <a:ext cx="12192000" cy="3358860"/>
+          </a:xfrm>
+        </p:spPr>
         <p:txBody>
-          <a:bodyPr/>
+          <a:bodyPr>
+            <a:normAutofit lnSpcReduction="10000"/>
+          </a:bodyPr>
           <a:lstStyle/>
           <a:p>
+            <a:pPr marL="457200" indent="-457200" algn="l">
+              <a:buFont typeface="Arial" panose="020B0604020202020204" pitchFamily="34" charset="0"/>
+              <a:buChar char="•"/>
+            </a:pPr>
             <a:r>
-              <a:rPr lang="en-US" u="sng" dirty="0">
-                <a:hlinkClick r:id="rId2">
-                  <a:extLst>
-                    <a:ext uri="{A12FA001-AC4F-418D-AE19-62706E023703}">
-                      <ahyp:hlinkClr xmlns:ahyp="http://schemas.microsoft.com/office/drawing/2018/hyperlinkcolor" val="tx"/>
-                    </a:ext>
-                  </a:extLst>
-                </a:hlinkClick>
+              <a:rPr lang="en-US" sz="2800" dirty="0">
+                <a:hlinkClick r:id="rId2"/>
               </a:rPr>
-              <a:t>Template Editing Instructions and Feedback</a:t>
+              <a:t>https://www.w3schools.com/python/python_functions.asp</a:t>
             </a:r>
-            <a:endParaRPr lang="en-US" u="sng" dirty="0"/>
+            <a:endParaRPr lang="lv-LV" sz="2800" dirty="0"/>
+          </a:p>
+          <a:p>
+            <a:pPr algn="l"/>
+            <a:r>
+              <a:rPr lang="lv-LV" sz="2800" dirty="0">
+                <a:hlinkClick r:id="rId3"/>
+              </a:rPr>
+              <a:t>	</a:t>
+            </a:r>
+            <a:r>
+              <a:rPr lang="en-US" sz="2800" dirty="0">
+                <a:hlinkClick r:id="rId3"/>
+              </a:rPr>
+              <a:t>https://www.geeksforgeeks.org/python-functions/</a:t>
+            </a:r>
+            <a:endParaRPr lang="lv-LV" sz="2800" dirty="0"/>
+          </a:p>
+          <a:p>
+            <a:pPr algn="l"/>
+            <a:r>
+              <a:rPr lang="lv-LV" sz="2800" dirty="0">
+                <a:hlinkClick r:id="rId4"/>
+              </a:rPr>
+              <a:t>	</a:t>
+            </a:r>
+            <a:r>
+              <a:rPr lang="en-US" sz="2800" dirty="0">
+                <a:hlinkClick r:id="rId4"/>
+              </a:rPr>
+              <a:t>https://docs.python.org/3/library/functions.html</a:t>
+            </a:r>
+            <a:r>
+              <a:rPr lang="lv-LV" sz="2800" dirty="0"/>
+              <a:t> (informācijai)</a:t>
+            </a:r>
+          </a:p>
+          <a:p>
+            <a:pPr marL="457200" indent="-457200" algn="l">
+              <a:buFont typeface="Arial" panose="020B0604020202020204" pitchFamily="34" charset="0"/>
+              <a:buChar char="•"/>
+            </a:pPr>
+            <a:r>
+              <a:rPr lang="lv-LV" sz="2800" dirty="0">
+                <a:hlinkClick r:id="rId5"/>
+              </a:rPr>
+              <a:t>https://marketplace.visualstudio.com/items?itemName=adpyke.codesnap</a:t>
+            </a:r>
+            <a:endParaRPr lang="lv-LV" sz="2800" dirty="0"/>
+          </a:p>
+          <a:p>
+            <a:pPr algn="l"/>
+            <a:r>
+              <a:rPr lang="lv-LV" sz="2800" dirty="0"/>
+              <a:t>(bilžu veidošanai)</a:t>
+            </a:r>
+          </a:p>
+          <a:p>
+            <a:pPr marL="457200" indent="-457200" algn="l">
+              <a:buFont typeface="Arial" panose="020B0604020202020204" pitchFamily="34" charset="0"/>
+              <a:buChar char="•"/>
+            </a:pPr>
+            <a:r>
+              <a:rPr lang="en-US" sz="2800" dirty="0">
+                <a:hlinkClick r:id="rId6"/>
+              </a:rPr>
+              <a:t>https://chatgpt.com/?model=auto</a:t>
+            </a:r>
+            <a:r>
+              <a:rPr lang="lv-LV" sz="2800" dirty="0"/>
+              <a:t> (Man vajadzēja palīdzību ar skaidrošanu)</a:t>
+            </a:r>
+          </a:p>
+          <a:p>
+            <a:endParaRPr lang="en-US" sz="2800" dirty="0"/>
           </a:p>
         </p:txBody>
       </p:sp>
     </p:spTree>
     <p:extLst>
       <p:ext uri="{BB962C8B-B14F-4D97-AF65-F5344CB8AC3E}">
-        <p14:creationId xmlns:p14="http://schemas.microsoft.com/office/powerpoint/2010/main" val="59582380"/>
+        <p14:creationId xmlns:p14="http://schemas.microsoft.com/office/powerpoint/2010/main" val="2938863197"/>
       </p:ext>
     </p:extLst>
   </p:cSld>
   <p:clrMapOvr>
     <a:masterClrMapping/>
   </p:clrMapOvr>
+  <mc:AlternateContent xmlns:mc="http://schemas.openxmlformats.org/markup-compatibility/2006">
+    <mc:Choice xmlns:p14="http://schemas.microsoft.com/office/powerpoint/2010/main" Requires="p14">
+      <p:transition p14:dur="0"/>
+    </mc:Choice>
+    <mc:Fallback>
+      <p:transition/>
+    </mc:Fallback>
+  </mc:AlternateContent>
 </p:sld>
 </file>
 
@@ -29119,14 +26753,14 @@
   <p:clrMapOvr>
     <a:masterClrMapping/>
   </p:clrMapOvr>
-  <mc:AlternateContent xmlns:mc="http://schemas.openxmlformats.org/markup-compatibility/2006" xmlns:p14="http://schemas.microsoft.com/office/powerpoint/2010/main">
-    <mc:Choice Requires="p14">
-      <p:transition spd="med" p14:dur="700">
-        <p:fade/>
+  <mc:AlternateContent xmlns:mc="http://schemas.openxmlformats.org/markup-compatibility/2006">
+    <mc:Choice xmlns:p159="http://schemas.microsoft.com/office/powerpoint/2015/09/main" Requires="p159">
+      <p:transition xmlns:p14="http://schemas.microsoft.com/office/powerpoint/2010/main" spd="slow" p14:dur="2000">
+        <p159:morph option="byObject"/>
       </p:transition>
     </mc:Choice>
-    <mc:Fallback xmlns="">
-      <p:transition spd="med">
+    <mc:Fallback>
+      <p:transition spd="slow">
         <p:fade/>
       </p:transition>
     </mc:Fallback>
@@ -29404,14 +27038,14 @@
   <p:clrMapOvr>
     <a:masterClrMapping/>
   </p:clrMapOvr>
-  <mc:AlternateContent xmlns:mc="http://schemas.openxmlformats.org/markup-compatibility/2006" xmlns:p14="http://schemas.microsoft.com/office/powerpoint/2010/main">
-    <mc:Choice Requires="p14">
-      <p:transition spd="med" p14:dur="700">
-        <p:fade/>
+  <mc:AlternateContent xmlns:mc="http://schemas.openxmlformats.org/markup-compatibility/2006">
+    <mc:Choice xmlns:p159="http://schemas.microsoft.com/office/powerpoint/2015/09/main" Requires="p159">
+      <p:transition xmlns:p14="http://schemas.microsoft.com/office/powerpoint/2010/main" spd="slow" p14:dur="2000">
+        <p159:morph option="byObject"/>
       </p:transition>
     </mc:Choice>
-    <mc:Fallback xmlns="">
-      <p:transition spd="med">
+    <mc:Fallback>
+      <p:transition spd="slow">
         <p:fade/>
       </p:transition>
     </mc:Fallback>
@@ -29607,14 +27241,14 @@
   <p:clrMapOvr>
     <a:masterClrMapping/>
   </p:clrMapOvr>
-  <mc:AlternateContent xmlns:mc="http://schemas.openxmlformats.org/markup-compatibility/2006" xmlns:p14="http://schemas.microsoft.com/office/powerpoint/2010/main">
-    <mc:Choice Requires="p14">
-      <p:transition spd="med" p14:dur="700">
-        <p:fade/>
+  <mc:AlternateContent xmlns:mc="http://schemas.openxmlformats.org/markup-compatibility/2006">
+    <mc:Choice xmlns:p159="http://schemas.microsoft.com/office/powerpoint/2015/09/main" Requires="p159">
+      <p:transition xmlns:p14="http://schemas.microsoft.com/office/powerpoint/2010/main" spd="slow" p14:dur="2000">
+        <p159:morph option="byObject"/>
       </p:transition>
     </mc:Choice>
-    <mc:Fallback xmlns="">
-      <p:transition spd="med">
+    <mc:Fallback>
+      <p:transition spd="slow">
         <p:fade/>
       </p:transition>
     </mc:Fallback>
@@ -29775,6 +27409,29 @@
               </a:rPr>
               <a:t>Argumenti tiek norādīti pēc funkcijas nosaukuma, iekavās. Argumentu daudzums ir neierobežots tos var veidot, cik vēlās — tos atdala ar komatu.</a:t>
             </a:r>
+          </a:p>
+          <a:p>
+            <a:pPr>
+              <a:lnSpc>
+                <a:spcPct val="100000"/>
+              </a:lnSpc>
+            </a:pPr>
+            <a:r>
+              <a:rPr lang="lv-LV" sz="3200" spc="0" dirty="0">
+                <a:solidFill>
+                  <a:schemeClr val="bg1"/>
+                </a:solidFill>
+              </a:rPr>
+              <a:t>Argumentus bieži vien saīsina uz </a:t>
+            </a:r>
+            <a:r>
+              <a:rPr lang="lv-LV" sz="3200" spc="0" dirty="0" err="1">
+                <a:solidFill>
+                  <a:schemeClr val="bg1"/>
+                </a:solidFill>
+              </a:rPr>
+              <a:t>args</a:t>
+            </a:r>
             <a:endParaRPr lang="en-US" sz="3200" spc="0" dirty="0">
               <a:solidFill>
                 <a:schemeClr val="bg1"/>
@@ -29853,14 +27510,14 @@
   <p:clrMapOvr>
     <a:masterClrMapping/>
   </p:clrMapOvr>
-  <mc:AlternateContent xmlns:mc="http://schemas.openxmlformats.org/markup-compatibility/2006" xmlns:p14="http://schemas.microsoft.com/office/powerpoint/2010/main">
-    <mc:Choice Requires="p14">
-      <p:transition spd="med" p14:dur="700">
-        <p:fade/>
+  <mc:AlternateContent xmlns:mc="http://schemas.openxmlformats.org/markup-compatibility/2006">
+    <mc:Choice xmlns:p159="http://schemas.microsoft.com/office/powerpoint/2015/09/main" Requires="p159">
+      <p:transition xmlns:p14="http://schemas.microsoft.com/office/powerpoint/2010/main" spd="slow" p14:dur="2000">
+        <p159:morph option="byObject"/>
       </p:transition>
     </mc:Choice>
-    <mc:Fallback xmlns="">
-      <p:transition spd="med">
+    <mc:Fallback>
+      <p:transition spd="slow">
         <p:fade/>
       </p:transition>
     </mc:Fallback>
@@ -29887,10 +27544,10 @@
       </p:grpSpPr>
       <p:sp>
         <p:nvSpPr>
-          <p:cNvPr id="4" name="Title 3">
+          <p:cNvPr id="7" name="Title 6">
             <a:extLst>
               <a:ext uri="{FF2B5EF4-FFF2-40B4-BE49-F238E27FC236}">
-                <a16:creationId xmlns:a16="http://schemas.microsoft.com/office/drawing/2014/main" id="{315E3981-F0D7-482C-A8E0-6A57700BECA7}"/>
+                <a16:creationId xmlns:a16="http://schemas.microsoft.com/office/drawing/2014/main" id="{7875C19A-1AAE-476A-A316-A2CF92D763D3}"/>
               </a:ext>
             </a:extLst>
           </p:cNvPr>
@@ -29901,15 +27558,92 @@
             <p:ph type="title"/>
           </p:nvPr>
         </p:nvSpPr>
-        <p:spPr/>
+        <p:spPr>
+          <a:xfrm>
+            <a:off x="204802" y="487935"/>
+            <a:ext cx="11214100" cy="840230"/>
+          </a:xfrm>
+        </p:spPr>
         <p:txBody>
           <a:bodyPr/>
           <a:lstStyle/>
           <a:p>
             <a:r>
-              <a:rPr lang="en-US" dirty="0"/>
-              <a:t>Content Title 02</a:t>
+              <a:rPr lang="lv-LV" sz="5400" dirty="0">
+                <a:solidFill>
+                  <a:schemeClr val="accent4">
+                    <a:lumMod val="60000"/>
+                    <a:lumOff val="40000"/>
+                  </a:schemeClr>
+                </a:solidFill>
+              </a:rPr>
+              <a:t>Argumenti</a:t>
             </a:r>
+            <a:r>
+              <a:rPr lang="lv-LV" dirty="0">
+                <a:solidFill>
+                  <a:schemeClr val="accent4">
+                    <a:lumMod val="60000"/>
+                    <a:lumOff val="40000"/>
+                  </a:schemeClr>
+                </a:solidFill>
+              </a:rPr>
+              <a:t> </a:t>
+            </a:r>
+            <a:endParaRPr lang="en-US" dirty="0">
+              <a:solidFill>
+                <a:schemeClr val="accent4">
+                  <a:lumMod val="60000"/>
+                  <a:lumOff val="40000"/>
+                </a:schemeClr>
+              </a:solidFill>
+            </a:endParaRPr>
+          </a:p>
+        </p:txBody>
+      </p:sp>
+      <p:sp>
+        <p:nvSpPr>
+          <p:cNvPr id="10" name="Text Placeholder 9">
+            <a:extLst>
+              <a:ext uri="{FF2B5EF4-FFF2-40B4-BE49-F238E27FC236}">
+                <a16:creationId xmlns:a16="http://schemas.microsoft.com/office/drawing/2014/main" id="{EF2BC084-E6DB-4DE7-B309-042A85EBA700}"/>
+              </a:ext>
+            </a:extLst>
+          </p:cNvPr>
+          <p:cNvSpPr>
+            <a:spLocks noGrp="1"/>
+          </p:cNvSpPr>
+          <p:nvPr>
+            <p:ph type="body" sz="quarter" idx="13"/>
+          </p:nvPr>
+        </p:nvSpPr>
+        <p:spPr>
+          <a:xfrm>
+            <a:off x="204802" y="1605756"/>
+            <a:ext cx="7332339" cy="4093243"/>
+          </a:xfrm>
+        </p:spPr>
+        <p:txBody>
+          <a:bodyPr/>
+          <a:lstStyle/>
+          <a:p>
+            <a:r>
+              <a:rPr lang="lv-LV" sz="2800" dirty="0"/>
+              <a:t>Funkcijas ir jāizsauc ar pareizu argumentu daudzumu. Piemēram, ja funkcija sagaida 2 argumentus, tad tev arī jāiedod 2 argumentus, ne vairāk, ne mazāk.</a:t>
+            </a:r>
+          </a:p>
+          <a:p>
+            <a:pPr marL="0" indent="0">
+              <a:buNone/>
+            </a:pPr>
+            <a:endParaRPr lang="lv-LV" sz="2800" dirty="0"/>
+          </a:p>
+          <a:p>
+            <a:r>
+              <a:rPr lang="lv-LV" sz="2800" dirty="0"/>
+              <a:t>Ja šim kodam būtu iedots tikai viens arguments kods nestrādātu.</a:t>
+            </a:r>
+            <a:endParaRPr lang="en-US" sz="2800" dirty="0"/>
           </a:p>
         </p:txBody>
       </p:sp>
@@ -29918,7 +27652,7 @@
           <p:cNvPr id="2" name="Slide Number Placeholder 1">
             <a:extLst>
               <a:ext uri="{FF2B5EF4-FFF2-40B4-BE49-F238E27FC236}">
-                <a16:creationId xmlns:a16="http://schemas.microsoft.com/office/drawing/2014/main" id="{520FC4EE-F318-4344-9E3C-B950ADB63865}"/>
+                <a16:creationId xmlns:a16="http://schemas.microsoft.com/office/drawing/2014/main" id="{BE9800F6-D571-48C4-8466-12AA1ADB6599}"/>
               </a:ext>
             </a:extLst>
           </p:cNvPr>
@@ -29943,157 +27677,84 @@
           </a:p>
         </p:txBody>
       </p:sp>
-      <p:sp>
-        <p:nvSpPr>
-          <p:cNvPr id="7" name="Text Placeholder 6">
+      <p:pic>
+        <p:nvPicPr>
+          <p:cNvPr id="11" name="Picture 10">
             <a:extLst>
               <a:ext uri="{FF2B5EF4-FFF2-40B4-BE49-F238E27FC236}">
-                <a16:creationId xmlns:a16="http://schemas.microsoft.com/office/drawing/2014/main" id="{B74126B4-1E6C-4FFF-9282-40E18A85A07F}"/>
+                <a16:creationId xmlns:a16="http://schemas.microsoft.com/office/drawing/2014/main" id="{9909A5EB-E8AD-413C-8ECB-96192A5C724C}"/>
               </a:ext>
             </a:extLst>
           </p:cNvPr>
-          <p:cNvSpPr>
-            <a:spLocks noGrp="1"/>
-          </p:cNvSpPr>
-          <p:nvPr>
-            <p:ph type="body" sz="quarter" idx="1"/>
-          </p:nvPr>
-        </p:nvSpPr>
-        <p:spPr/>
-        <p:txBody>
-          <a:bodyPr/>
-          <a:lstStyle/>
-          <a:p>
-            <a:r>
-              <a:rPr lang="en-US" dirty="0"/>
-              <a:t>Lorem ipsum dolor sit amet</a:t>
-            </a:r>
-          </a:p>
-        </p:txBody>
-      </p:sp>
-      <p:sp>
-        <p:nvSpPr>
-          <p:cNvPr id="5" name="Text Placeholder 4">
+          <p:cNvPicPr>
+            <a:picLocks noChangeAspect="1"/>
+          </p:cNvPicPr>
+          <p:nvPr/>
+        </p:nvPicPr>
+        <p:blipFill>
+          <a:blip r:embed="rId2"/>
+          <a:stretch>
+            <a:fillRect/>
+          </a:stretch>
+        </p:blipFill>
+        <p:spPr>
+          <a:xfrm>
+            <a:off x="6296027" y="3010114"/>
+            <a:ext cx="5260086" cy="3081106"/>
+          </a:xfrm>
+          <a:prstGeom prst="rect">
+            <a:avLst/>
+          </a:prstGeom>
+        </p:spPr>
+      </p:pic>
+      <p:pic>
+        <p:nvPicPr>
+          <p:cNvPr id="13" name="Picture 12">
             <a:extLst>
               <a:ext uri="{FF2B5EF4-FFF2-40B4-BE49-F238E27FC236}">
-                <a16:creationId xmlns:a16="http://schemas.microsoft.com/office/drawing/2014/main" id="{E0C87788-476B-4620-8002-A5C1177AD6C1}"/>
+                <a16:creationId xmlns:a16="http://schemas.microsoft.com/office/drawing/2014/main" id="{02FFBA95-B08B-4773-80C9-194FB530C839}"/>
               </a:ext>
             </a:extLst>
           </p:cNvPr>
-          <p:cNvSpPr>
-            <a:spLocks noGrp="1"/>
-          </p:cNvSpPr>
-          <p:nvPr>
-            <p:ph type="body" sz="quarter" idx="3"/>
-          </p:nvPr>
-        </p:nvSpPr>
-        <p:spPr/>
-        <p:txBody>
-          <a:bodyPr/>
-          <a:lstStyle/>
-          <a:p>
-            <a:r>
-              <a:rPr lang="en-US" dirty="0"/>
-              <a:t>Lorem ipsum dolor sit amet</a:t>
-            </a:r>
-          </a:p>
-        </p:txBody>
-      </p:sp>
-      <p:sp>
-        <p:nvSpPr>
-          <p:cNvPr id="8" name="Text Placeholder 7">
-            <a:extLst>
-              <a:ext uri="{FF2B5EF4-FFF2-40B4-BE49-F238E27FC236}">
-                <a16:creationId xmlns:a16="http://schemas.microsoft.com/office/drawing/2014/main" id="{47DC4E62-1A34-4F98-A451-214F1808519C}"/>
-              </a:ext>
-            </a:extLst>
-          </p:cNvPr>
-          <p:cNvSpPr>
-            <a:spLocks noGrp="1"/>
-          </p:cNvSpPr>
-          <p:nvPr>
-            <p:ph type="body" sz="quarter" idx="2"/>
-          </p:nvPr>
-        </p:nvSpPr>
-        <p:spPr/>
-        <p:txBody>
-          <a:bodyPr/>
-          <a:lstStyle/>
-          <a:p>
-            <a:r>
-              <a:rPr lang="en-US" dirty="0"/>
-              <a:t>Lorem ipsum dolor sit amet, consectetuer adipiscing elit. Maecenas porttitor congue massa. Fusce posuere, magna sed pulvinar ultricies, purus lectus malesuada libero, sit amet commodo magna eros quis urna. Nunc viverra imperdiet enim. Fusce est. Vivamus a tellus.</a:t>
-            </a:r>
-          </a:p>
-          <a:p>
-            <a:r>
-              <a:rPr lang="en-US" dirty="0"/>
-              <a:t>Pellentesque habitant morbi tristique senectus et netus et malesuada fames ac turpis egestas. Proin pharetra nonummy pede. Mauris et orci.</a:t>
-            </a:r>
-          </a:p>
-          <a:p>
-            <a:endParaRPr lang="en-US" dirty="0"/>
-          </a:p>
-          <a:p>
-            <a:endParaRPr lang="en-US" dirty="0"/>
-          </a:p>
-        </p:txBody>
-      </p:sp>
-      <p:sp>
-        <p:nvSpPr>
-          <p:cNvPr id="6" name="Text Placeholder 5">
-            <a:extLst>
-              <a:ext uri="{FF2B5EF4-FFF2-40B4-BE49-F238E27FC236}">
-                <a16:creationId xmlns:a16="http://schemas.microsoft.com/office/drawing/2014/main" id="{000A9570-5EF6-4AFB-9FCA-7C8998E3FEB1}"/>
-              </a:ext>
-            </a:extLst>
-          </p:cNvPr>
-          <p:cNvSpPr>
-            <a:spLocks noGrp="1"/>
-          </p:cNvSpPr>
-          <p:nvPr>
-            <p:ph type="body" sz="quarter" idx="4"/>
-          </p:nvPr>
-        </p:nvSpPr>
-        <p:spPr/>
-        <p:txBody>
-          <a:bodyPr/>
-          <a:lstStyle/>
-          <a:p>
-            <a:r>
-              <a:rPr lang="en-US" dirty="0"/>
-              <a:t>Lorem ipsum dolor sit amet, consectetuer adipiscing elit. Maecenas porttitor congue massa. Fusce posuere, magna sed pulvinar ultricies, purus lectus malesuada libero, sit amet commodo magna eros quis urna. Nunc viverra imperdiet enim. Fusce est. Vivamus a tellus.</a:t>
-            </a:r>
-          </a:p>
-          <a:p>
-            <a:r>
-              <a:rPr lang="en-US" dirty="0"/>
-              <a:t>Pellentesque habitant morbi tristique senectus et netus et malesuada fames ac turpis egestas. Proin pharetra nonummy pede. Mauris et orci.</a:t>
-            </a:r>
-          </a:p>
-          <a:p>
-            <a:endParaRPr lang="en-US" dirty="0"/>
-          </a:p>
-        </p:txBody>
-      </p:sp>
+          <p:cNvPicPr>
+            <a:picLocks noChangeAspect="1"/>
+          </p:cNvPicPr>
+          <p:nvPr/>
+        </p:nvPicPr>
+        <p:blipFill>
+          <a:blip r:embed="rId3"/>
+          <a:stretch>
+            <a:fillRect/>
+          </a:stretch>
+        </p:blipFill>
+        <p:spPr>
+          <a:xfrm>
+            <a:off x="240684" y="5087474"/>
+            <a:ext cx="5655291" cy="1530815"/>
+          </a:xfrm>
+          <a:prstGeom prst="rect">
+            <a:avLst/>
+          </a:prstGeom>
+        </p:spPr>
+      </p:pic>
     </p:spTree>
     <p:extLst>
       <p:ext uri="{BB962C8B-B14F-4D97-AF65-F5344CB8AC3E}">
-        <p14:creationId xmlns:p14="http://schemas.microsoft.com/office/powerpoint/2010/main" val="3607270498"/>
+        <p14:creationId xmlns:p14="http://schemas.microsoft.com/office/powerpoint/2010/main" val="3843572808"/>
       </p:ext>
     </p:extLst>
   </p:cSld>
   <p:clrMapOvr>
     <a:masterClrMapping/>
   </p:clrMapOvr>
-  <mc:AlternateContent xmlns:mc="http://schemas.openxmlformats.org/markup-compatibility/2006" xmlns:p14="http://schemas.microsoft.com/office/powerpoint/2010/main">
-    <mc:Choice Requires="p14">
-      <p:transition spd="med" p14:dur="700">
-        <p:fade/>
+  <mc:AlternateContent xmlns:mc="http://schemas.openxmlformats.org/markup-compatibility/2006">
+    <mc:Choice xmlns:p159="http://schemas.microsoft.com/office/powerpoint/2015/09/main" Requires="p159">
+      <p:transition xmlns:p14="http://schemas.microsoft.com/office/powerpoint/2010/main" spd="slow" p14:dur="2000">
+        <p159:morph option="byObject"/>
       </p:transition>
     </mc:Choice>
-    <mc:Fallback xmlns="">
-      <p:transition spd="med">
+    <mc:Fallback>
+      <p:transition spd="slow">
         <p:fade/>
       </p:transition>
     </mc:Fallback>
@@ -30120,10 +27781,10 @@
       </p:grpSpPr>
       <p:sp>
         <p:nvSpPr>
-          <p:cNvPr id="4" name="Title 3">
+          <p:cNvPr id="7" name="Title 6">
             <a:extLst>
               <a:ext uri="{FF2B5EF4-FFF2-40B4-BE49-F238E27FC236}">
-                <a16:creationId xmlns:a16="http://schemas.microsoft.com/office/drawing/2014/main" id="{315E3981-F0D7-482C-A8E0-6A57700BECA7}"/>
+                <a16:creationId xmlns:a16="http://schemas.microsoft.com/office/drawing/2014/main" id="{7875C19A-1AAE-476A-A316-A2CF92D763D3}"/>
               </a:ext>
             </a:extLst>
           </p:cNvPr>
@@ -30134,63 +27795,55 @@
             <p:ph type="title"/>
           </p:nvPr>
         </p:nvSpPr>
-        <p:spPr/>
+        <p:spPr>
+          <a:xfrm>
+            <a:off x="204802" y="487935"/>
+            <a:ext cx="11214100" cy="840230"/>
+          </a:xfrm>
+        </p:spPr>
         <p:txBody>
           <a:bodyPr/>
           <a:lstStyle/>
           <a:p>
             <a:r>
-              <a:rPr lang="en-US" dirty="0"/>
-              <a:t>Content Title</a:t>
+              <a:rPr lang="lv-LV" sz="5400" dirty="0">
+                <a:solidFill>
+                  <a:schemeClr val="accent4">
+                    <a:lumMod val="60000"/>
+                    <a:lumOff val="40000"/>
+                  </a:schemeClr>
+                </a:solidFill>
+              </a:rPr>
+              <a:t>Argumenti</a:t>
             </a:r>
+            <a:r>
+              <a:rPr lang="lv-LV" dirty="0">
+                <a:solidFill>
+                  <a:schemeClr val="accent4">
+                    <a:lumMod val="60000"/>
+                    <a:lumOff val="40000"/>
+                  </a:schemeClr>
+                </a:solidFill>
+              </a:rPr>
+              <a:t> </a:t>
+            </a:r>
+            <a:endParaRPr lang="en-US" dirty="0">
+              <a:solidFill>
+                <a:schemeClr val="accent4">
+                  <a:lumMod val="60000"/>
+                  <a:lumOff val="40000"/>
+                </a:schemeClr>
+              </a:solidFill>
+            </a:endParaRPr>
           </a:p>
         </p:txBody>
       </p:sp>
-      <p:pic>
-        <p:nvPicPr>
-          <p:cNvPr id="25" name="Picture Placeholder 24" descr="Bar chart">
+      <p:sp>
+        <p:nvSpPr>
+          <p:cNvPr id="10" name="Text Placeholder 9">
             <a:extLst>
               <a:ext uri="{FF2B5EF4-FFF2-40B4-BE49-F238E27FC236}">
-                <a16:creationId xmlns:a16="http://schemas.microsoft.com/office/drawing/2014/main" id="{C03AAFA7-022A-47F8-9DA1-7DC3897D1E52}"/>
-              </a:ext>
-            </a:extLst>
-          </p:cNvPr>
-          <p:cNvPicPr>
-            <a:picLocks noGrp="1" noChangeAspect="1"/>
-          </p:cNvPicPr>
-          <p:nvPr>
-            <p:ph type="pic" sz="quarter" idx="13"/>
-          </p:nvPr>
-        </p:nvPicPr>
-        <p:blipFill>
-          <a:blip r:embed="rId2">
-            <a:extLst>
-              <a:ext uri="{28A0092B-C50C-407E-A947-70E740481C1C}">
-                <a14:useLocalDpi xmlns:a14="http://schemas.microsoft.com/office/drawing/2010/main"/>
-              </a:ext>
-              <a:ext uri="{96DAC541-7B7A-43D3-8B79-37D633B846F1}">
-                <asvg:svgBlip xmlns:asvg="http://schemas.microsoft.com/office/drawing/2016/SVG/main" r:embed="rId3"/>
-              </a:ext>
-            </a:extLst>
-          </a:blip>
-          <a:srcRect t="63" b="63"/>
-          <a:stretch>
-            <a:fillRect/>
-          </a:stretch>
-        </p:blipFill>
-        <p:spPr>
-          <a:xfrm>
-            <a:off x="978212" y="2096716"/>
-            <a:ext cx="1259505" cy="1259505"/>
-          </a:xfrm>
-        </p:spPr>
-      </p:pic>
-      <p:sp>
-        <p:nvSpPr>
-          <p:cNvPr id="19" name="Text Placeholder 18">
-            <a:extLst>
-              <a:ext uri="{FF2B5EF4-FFF2-40B4-BE49-F238E27FC236}">
-                <a16:creationId xmlns:a16="http://schemas.microsoft.com/office/drawing/2014/main" id="{782206B1-586F-4254-9B36-D06C4E294ACF}"/>
+                <a16:creationId xmlns:a16="http://schemas.microsoft.com/office/drawing/2014/main" id="{EF2BC084-E6DB-4DE7-B309-042A85EBA700}"/>
               </a:ext>
             </a:extLst>
           </p:cNvPr>
@@ -30198,266 +27851,24 @@
             <a:spLocks noGrp="1"/>
           </p:cNvSpPr>
           <p:nvPr>
-            <p:ph type="body" sz="quarter" idx="18"/>
+            <p:ph type="body" sz="quarter" idx="13"/>
           </p:nvPr>
         </p:nvSpPr>
-        <p:spPr/>
+        <p:spPr>
+          <a:xfrm>
+            <a:off x="204802" y="2072481"/>
+            <a:ext cx="7332339" cy="4093243"/>
+          </a:xfrm>
+        </p:spPr>
         <p:txBody>
           <a:bodyPr/>
           <a:lstStyle/>
           <a:p>
             <a:r>
-              <a:rPr lang="en-US" dirty="0"/>
-              <a:t>Caption01 appears here</a:t>
+              <a:rPr lang="lv-LV" sz="2800" dirty="0"/>
+              <a:t>Ja nevēlies lai secība ir svarīga var definēt vairākus argumentus un katram piešķirt vērtību.  </a:t>
             </a:r>
-          </a:p>
-        </p:txBody>
-      </p:sp>
-      <p:pic>
-        <p:nvPicPr>
-          <p:cNvPr id="27" name="Picture Placeholder 26" descr="Clock">
-            <a:extLst>
-              <a:ext uri="{FF2B5EF4-FFF2-40B4-BE49-F238E27FC236}">
-                <a16:creationId xmlns:a16="http://schemas.microsoft.com/office/drawing/2014/main" id="{6F737161-FE67-434D-A781-59EDB9EDCB23}"/>
-              </a:ext>
-            </a:extLst>
-          </p:cNvPr>
-          <p:cNvPicPr>
-            <a:picLocks noGrp="1" noChangeAspect="1"/>
-          </p:cNvPicPr>
-          <p:nvPr>
-            <p:ph type="pic" sz="quarter" idx="14"/>
-          </p:nvPr>
-        </p:nvPicPr>
-        <p:blipFill>
-          <a:blip r:embed="rId4">
-            <a:extLst>
-              <a:ext uri="{28A0092B-C50C-407E-A947-70E740481C1C}">
-                <a14:useLocalDpi xmlns:a14="http://schemas.microsoft.com/office/drawing/2010/main"/>
-              </a:ext>
-              <a:ext uri="{96DAC541-7B7A-43D3-8B79-37D633B846F1}">
-                <asvg:svgBlip xmlns:asvg="http://schemas.microsoft.com/office/drawing/2016/SVG/main" r:embed="rId5"/>
-              </a:ext>
-            </a:extLst>
-          </a:blip>
-          <a:srcRect/>
-          <a:stretch>
-            <a:fillRect/>
-          </a:stretch>
-        </p:blipFill>
-        <p:spPr/>
-      </p:pic>
-      <p:sp>
-        <p:nvSpPr>
-          <p:cNvPr id="20" name="Text Placeholder 19">
-            <a:extLst>
-              <a:ext uri="{FF2B5EF4-FFF2-40B4-BE49-F238E27FC236}">
-                <a16:creationId xmlns:a16="http://schemas.microsoft.com/office/drawing/2014/main" id="{CB924A29-3538-4A3F-82A6-D2A7538C2111}"/>
-              </a:ext>
-            </a:extLst>
-          </p:cNvPr>
-          <p:cNvSpPr>
-            <a:spLocks noGrp="1"/>
-          </p:cNvSpPr>
-          <p:nvPr>
-            <p:ph type="body" sz="quarter" idx="19"/>
-          </p:nvPr>
-        </p:nvSpPr>
-        <p:spPr/>
-        <p:txBody>
-          <a:bodyPr/>
-          <a:lstStyle/>
-          <a:p>
-            <a:r>
-              <a:rPr lang="en-US" dirty="0"/>
-              <a:t>Caption02 appears here</a:t>
-            </a:r>
-          </a:p>
-        </p:txBody>
-      </p:sp>
-      <p:pic>
-        <p:nvPicPr>
-          <p:cNvPr id="29" name="Picture Placeholder 28" descr="Microscope">
-            <a:extLst>
-              <a:ext uri="{FF2B5EF4-FFF2-40B4-BE49-F238E27FC236}">
-                <a16:creationId xmlns:a16="http://schemas.microsoft.com/office/drawing/2014/main" id="{9E5BF01B-21D6-4D43-9CAE-0298685C1A7B}"/>
-              </a:ext>
-            </a:extLst>
-          </p:cNvPr>
-          <p:cNvPicPr>
-            <a:picLocks noGrp="1" noChangeAspect="1"/>
-          </p:cNvPicPr>
-          <p:nvPr>
-            <p:ph type="pic" sz="quarter" idx="15"/>
-          </p:nvPr>
-        </p:nvPicPr>
-        <p:blipFill>
-          <a:blip r:embed="rId6">
-            <a:extLst>
-              <a:ext uri="{28A0092B-C50C-407E-A947-70E740481C1C}">
-                <a14:useLocalDpi xmlns:a14="http://schemas.microsoft.com/office/drawing/2010/main"/>
-              </a:ext>
-              <a:ext uri="{96DAC541-7B7A-43D3-8B79-37D633B846F1}">
-                <asvg:svgBlip xmlns:asvg="http://schemas.microsoft.com/office/drawing/2016/SVG/main" r:embed="rId7"/>
-              </a:ext>
-            </a:extLst>
-          </a:blip>
-          <a:srcRect t="63" b="63"/>
-          <a:stretch>
-            <a:fillRect/>
-          </a:stretch>
-        </p:blipFill>
-        <p:spPr/>
-      </p:pic>
-      <p:sp>
-        <p:nvSpPr>
-          <p:cNvPr id="21" name="Text Placeholder 20">
-            <a:extLst>
-              <a:ext uri="{FF2B5EF4-FFF2-40B4-BE49-F238E27FC236}">
-                <a16:creationId xmlns:a16="http://schemas.microsoft.com/office/drawing/2014/main" id="{1B8F0371-4F69-4131-91BF-9AB99E6EE89B}"/>
-              </a:ext>
-            </a:extLst>
-          </p:cNvPr>
-          <p:cNvSpPr>
-            <a:spLocks noGrp="1"/>
-          </p:cNvSpPr>
-          <p:nvPr>
-            <p:ph type="body" sz="quarter" idx="20"/>
-          </p:nvPr>
-        </p:nvSpPr>
-        <p:spPr/>
-        <p:txBody>
-          <a:bodyPr/>
-          <a:lstStyle/>
-          <a:p>
-            <a:r>
-              <a:rPr lang="en-US" dirty="0"/>
-              <a:t>Caption03 appears here</a:t>
-            </a:r>
-          </a:p>
-        </p:txBody>
-      </p:sp>
-      <p:pic>
-        <p:nvPicPr>
-          <p:cNvPr id="31" name="Picture Placeholder 30" descr="Magnifying glass">
-            <a:extLst>
-              <a:ext uri="{FF2B5EF4-FFF2-40B4-BE49-F238E27FC236}">
-                <a16:creationId xmlns:a16="http://schemas.microsoft.com/office/drawing/2014/main" id="{089E8AB6-C16E-4752-810F-8F98DB929DB5}"/>
-              </a:ext>
-            </a:extLst>
-          </p:cNvPr>
-          <p:cNvPicPr>
-            <a:picLocks noGrp="1" noChangeAspect="1"/>
-          </p:cNvPicPr>
-          <p:nvPr>
-            <p:ph type="pic" sz="quarter" idx="16"/>
-          </p:nvPr>
-        </p:nvPicPr>
-        <p:blipFill>
-          <a:blip r:embed="rId8">
-            <a:extLst>
-              <a:ext uri="{28A0092B-C50C-407E-A947-70E740481C1C}">
-                <a14:useLocalDpi xmlns:a14="http://schemas.microsoft.com/office/drawing/2010/main"/>
-              </a:ext>
-              <a:ext uri="{96DAC541-7B7A-43D3-8B79-37D633B846F1}">
-                <asvg:svgBlip xmlns:asvg="http://schemas.microsoft.com/office/drawing/2016/SVG/main" r:embed="rId9"/>
-              </a:ext>
-            </a:extLst>
-          </a:blip>
-          <a:srcRect/>
-          <a:stretch>
-            <a:fillRect/>
-          </a:stretch>
-        </p:blipFill>
-        <p:spPr/>
-      </p:pic>
-      <p:sp>
-        <p:nvSpPr>
-          <p:cNvPr id="22" name="Text Placeholder 21">
-            <a:extLst>
-              <a:ext uri="{FF2B5EF4-FFF2-40B4-BE49-F238E27FC236}">
-                <a16:creationId xmlns:a16="http://schemas.microsoft.com/office/drawing/2014/main" id="{78CACAF1-61EA-4605-A8FE-2EEE752B49FF}"/>
-              </a:ext>
-            </a:extLst>
-          </p:cNvPr>
-          <p:cNvSpPr>
-            <a:spLocks noGrp="1"/>
-          </p:cNvSpPr>
-          <p:nvPr>
-            <p:ph type="body" sz="quarter" idx="21"/>
-          </p:nvPr>
-        </p:nvSpPr>
-        <p:spPr/>
-        <p:txBody>
-          <a:bodyPr/>
-          <a:lstStyle/>
-          <a:p>
-            <a:r>
-              <a:rPr lang="en-US" dirty="0"/>
-              <a:t>Caption04 appears here</a:t>
-            </a:r>
-          </a:p>
-        </p:txBody>
-      </p:sp>
-      <p:pic>
-        <p:nvPicPr>
-          <p:cNvPr id="33" name="Picture Placeholder 32" descr="Head with Gears">
-            <a:extLst>
-              <a:ext uri="{FF2B5EF4-FFF2-40B4-BE49-F238E27FC236}">
-                <a16:creationId xmlns:a16="http://schemas.microsoft.com/office/drawing/2014/main" id="{CC9DBBE5-5AD0-41E8-A719-84509E5D9F9E}"/>
-              </a:ext>
-            </a:extLst>
-          </p:cNvPr>
-          <p:cNvPicPr>
-            <a:picLocks noGrp="1" noChangeAspect="1"/>
-          </p:cNvPicPr>
-          <p:nvPr>
-            <p:ph type="pic" sz="quarter" idx="17"/>
-          </p:nvPr>
-        </p:nvPicPr>
-        <p:blipFill>
-          <a:blip r:embed="rId10">
-            <a:extLst>
-              <a:ext uri="{28A0092B-C50C-407E-A947-70E740481C1C}">
-                <a14:useLocalDpi xmlns:a14="http://schemas.microsoft.com/office/drawing/2010/main"/>
-              </a:ext>
-              <a:ext uri="{96DAC541-7B7A-43D3-8B79-37D633B846F1}">
-                <asvg:svgBlip xmlns:asvg="http://schemas.microsoft.com/office/drawing/2016/SVG/main" r:embed="rId11"/>
-              </a:ext>
-            </a:extLst>
-          </a:blip>
-          <a:srcRect t="63" b="63"/>
-          <a:stretch>
-            <a:fillRect/>
-          </a:stretch>
-        </p:blipFill>
-        <p:spPr/>
-      </p:pic>
-      <p:sp>
-        <p:nvSpPr>
-          <p:cNvPr id="23" name="Text Placeholder 22">
-            <a:extLst>
-              <a:ext uri="{FF2B5EF4-FFF2-40B4-BE49-F238E27FC236}">
-                <a16:creationId xmlns:a16="http://schemas.microsoft.com/office/drawing/2014/main" id="{8D05A34F-7712-46DB-AB5B-272E294B62EE}"/>
-              </a:ext>
-            </a:extLst>
-          </p:cNvPr>
-          <p:cNvSpPr>
-            <a:spLocks noGrp="1"/>
-          </p:cNvSpPr>
-          <p:nvPr>
-            <p:ph type="body" sz="quarter" idx="22"/>
-          </p:nvPr>
-        </p:nvSpPr>
-        <p:spPr/>
-        <p:txBody>
-          <a:bodyPr/>
-          <a:lstStyle/>
-          <a:p>
-            <a:r>
-              <a:rPr lang="en-US" dirty="0"/>
-              <a:t>Caption05 appears here</a:t>
-            </a:r>
+            <a:endParaRPr lang="en-US" sz="2800" dirty="0"/>
           </a:p>
         </p:txBody>
       </p:sp>
@@ -30466,7 +27877,7 @@
           <p:cNvPr id="2" name="Slide Number Placeholder 1">
             <a:extLst>
               <a:ext uri="{FF2B5EF4-FFF2-40B4-BE49-F238E27FC236}">
-                <a16:creationId xmlns:a16="http://schemas.microsoft.com/office/drawing/2014/main" id="{CC1F11E7-EDE5-4119-BA64-4FC57C285D19}"/>
+                <a16:creationId xmlns:a16="http://schemas.microsoft.com/office/drawing/2014/main" id="{BE9800F6-D571-48C4-8466-12AA1ADB6599}"/>
               </a:ext>
             </a:extLst>
           </p:cNvPr>
@@ -30491,24 +27902,54 @@
           </a:p>
         </p:txBody>
       </p:sp>
+      <p:pic>
+        <p:nvPicPr>
+          <p:cNvPr id="4" name="Picture 3">
+            <a:extLst>
+              <a:ext uri="{FF2B5EF4-FFF2-40B4-BE49-F238E27FC236}">
+                <a16:creationId xmlns:a16="http://schemas.microsoft.com/office/drawing/2014/main" id="{A0685125-E2CB-430B-B1B5-2D7FBB73E15D}"/>
+              </a:ext>
+            </a:extLst>
+          </p:cNvPr>
+          <p:cNvPicPr>
+            <a:picLocks noChangeAspect="1"/>
+          </p:cNvPicPr>
+          <p:nvPr/>
+        </p:nvPicPr>
+        <p:blipFill>
+          <a:blip r:embed="rId2"/>
+          <a:stretch>
+            <a:fillRect/>
+          </a:stretch>
+        </p:blipFill>
+        <p:spPr>
+          <a:xfrm>
+            <a:off x="3305175" y="3168814"/>
+            <a:ext cx="8353425" cy="2807776"/>
+          </a:xfrm>
+          <a:prstGeom prst="rect">
+            <a:avLst/>
+          </a:prstGeom>
+        </p:spPr>
+      </p:pic>
     </p:spTree>
     <p:extLst>
       <p:ext uri="{BB962C8B-B14F-4D97-AF65-F5344CB8AC3E}">
-        <p14:creationId xmlns:p14="http://schemas.microsoft.com/office/powerpoint/2010/main" val="3892131414"/>
+        <p14:creationId xmlns:p14="http://schemas.microsoft.com/office/powerpoint/2010/main" val="2329955352"/>
       </p:ext>
     </p:extLst>
   </p:cSld>
   <p:clrMapOvr>
     <a:masterClrMapping/>
   </p:clrMapOvr>
-  <mc:AlternateContent xmlns:mc="http://schemas.openxmlformats.org/markup-compatibility/2006" xmlns:p14="http://schemas.microsoft.com/office/powerpoint/2010/main">
-    <mc:Choice Requires="p14">
-      <p:transition spd="med" p14:dur="700">
-        <p:fade/>
+  <mc:AlternateContent xmlns:mc="http://schemas.openxmlformats.org/markup-compatibility/2006">
+    <mc:Choice xmlns:p159="http://schemas.microsoft.com/office/powerpoint/2015/09/main" Requires="p159">
+      <p:transition xmlns:p14="http://schemas.microsoft.com/office/powerpoint/2010/main" spd="slow" p14:dur="2000">
+        <p159:morph option="byObject"/>
       </p:transition>
     </mc:Choice>
-    <mc:Fallback xmlns="">
-      <p:transition spd="med">
+    <mc:Fallback>
+      <p:transition spd="slow">
         <p:fade/>
       </p:transition>
     </mc:Fallback>
@@ -30549,130 +27990,35 @@
             <p:ph type="title"/>
           </p:nvPr>
         </p:nvSpPr>
-        <p:spPr/>
+        <p:spPr>
+          <a:xfrm>
+            <a:off x="95249" y="409575"/>
+            <a:ext cx="11214100" cy="701731"/>
+          </a:xfrm>
+        </p:spPr>
         <p:txBody>
           <a:bodyPr/>
           <a:lstStyle/>
           <a:p>
             <a:r>
-              <a:rPr lang="en-US" dirty="0"/>
-              <a:t>Content Title 03</a:t>
+              <a:rPr lang="lv-LV" sz="4400" dirty="0">
+                <a:solidFill>
+                  <a:schemeClr val="accent4">
+                    <a:lumMod val="60000"/>
+                    <a:lumOff val="40000"/>
+                  </a:schemeClr>
+                </a:solidFill>
+              </a:rPr>
+              <a:t>Patvaļīgs Argumentu Skaits</a:t>
             </a:r>
-          </a:p>
-        </p:txBody>
-      </p:sp>
-      <p:pic>
-        <p:nvPicPr>
-          <p:cNvPr id="20" name="Picture Placeholder 19" descr="Triangular pattern design with dimension">
-            <a:extLst>
-              <a:ext uri="{FF2B5EF4-FFF2-40B4-BE49-F238E27FC236}">
-                <a16:creationId xmlns:a16="http://schemas.microsoft.com/office/drawing/2014/main" id="{3DCA2B8E-64D3-7645-8DEB-688ED5756F52}"/>
-              </a:ext>
-            </a:extLst>
-          </p:cNvPr>
-          <p:cNvPicPr>
-            <a:picLocks noGrp="1" noChangeAspect="1"/>
-          </p:cNvPicPr>
-          <p:nvPr>
-            <p:ph type="pic" sz="quarter" idx="19"/>
-          </p:nvPr>
-        </p:nvPicPr>
-        <p:blipFill>
-          <a:blip r:embed="rId2">
-            <a:extLst>
-              <a:ext uri="{28A0092B-C50C-407E-A947-70E740481C1C}">
-                <a14:useLocalDpi xmlns:a14="http://schemas.microsoft.com/office/drawing/2010/main" val="0"/>
-              </a:ext>
-            </a:extLst>
-          </a:blip>
-          <a:srcRect/>
-          <a:stretch>
-            <a:fillRect/>
-          </a:stretch>
-        </p:blipFill>
-        <p:spPr/>
-      </p:pic>
-      <p:sp>
-        <p:nvSpPr>
-          <p:cNvPr id="19" name="Text Placeholder 18">
-            <a:extLst>
-              <a:ext uri="{FF2B5EF4-FFF2-40B4-BE49-F238E27FC236}">
-                <a16:creationId xmlns:a16="http://schemas.microsoft.com/office/drawing/2014/main" id="{782206B1-586F-4254-9B36-D06C4E294ACF}"/>
-              </a:ext>
-            </a:extLst>
-          </p:cNvPr>
-          <p:cNvSpPr>
-            <a:spLocks noGrp="1"/>
-          </p:cNvSpPr>
-          <p:nvPr>
-            <p:ph type="body" sz="quarter" idx="18"/>
-          </p:nvPr>
-        </p:nvSpPr>
-        <p:spPr/>
-        <p:txBody>
-          <a:bodyPr/>
-          <a:lstStyle/>
-          <a:p>
-            <a:r>
-              <a:rPr lang="en-US" dirty="0"/>
-              <a:t>Caption01 appears here</a:t>
-            </a:r>
-          </a:p>
-        </p:txBody>
-      </p:sp>
-      <p:sp>
-        <p:nvSpPr>
-          <p:cNvPr id="21" name="Text Placeholder 20">
-            <a:extLst>
-              <a:ext uri="{FF2B5EF4-FFF2-40B4-BE49-F238E27FC236}">
-                <a16:creationId xmlns:a16="http://schemas.microsoft.com/office/drawing/2014/main" id="{1B8F0371-4F69-4131-91BF-9AB99E6EE89B}"/>
-              </a:ext>
-            </a:extLst>
-          </p:cNvPr>
-          <p:cNvSpPr>
-            <a:spLocks noGrp="1"/>
-          </p:cNvSpPr>
-          <p:nvPr>
-            <p:ph type="body" sz="quarter" idx="20"/>
-          </p:nvPr>
-        </p:nvSpPr>
-        <p:spPr/>
-        <p:txBody>
-          <a:bodyPr/>
-          <a:lstStyle/>
-          <a:p>
-            <a:r>
-              <a:rPr lang="en-US" dirty="0"/>
-              <a:t>Caption03 appears here</a:t>
-            </a:r>
-          </a:p>
-        </p:txBody>
-      </p:sp>
-      <p:sp>
-        <p:nvSpPr>
-          <p:cNvPr id="22" name="Text Placeholder 21">
-            <a:extLst>
-              <a:ext uri="{FF2B5EF4-FFF2-40B4-BE49-F238E27FC236}">
-                <a16:creationId xmlns:a16="http://schemas.microsoft.com/office/drawing/2014/main" id="{78CACAF1-61EA-4605-A8FE-2EEE752B49FF}"/>
-              </a:ext>
-            </a:extLst>
-          </p:cNvPr>
-          <p:cNvSpPr>
-            <a:spLocks noGrp="1"/>
-          </p:cNvSpPr>
-          <p:nvPr>
-            <p:ph type="body" sz="quarter" idx="21"/>
-          </p:nvPr>
-        </p:nvSpPr>
-        <p:spPr/>
-        <p:txBody>
-          <a:bodyPr/>
-          <a:lstStyle/>
-          <a:p>
-            <a:r>
-              <a:rPr lang="en-US" dirty="0"/>
-              <a:t>Caption04 appears here</a:t>
-            </a:r>
+            <a:endParaRPr lang="en-US" sz="4400" dirty="0">
+              <a:solidFill>
+                <a:schemeClr val="accent4">
+                  <a:lumMod val="60000"/>
+                  <a:lumOff val="40000"/>
+                </a:schemeClr>
+              </a:solidFill>
+            </a:endParaRPr>
           </a:p>
         </p:txBody>
       </p:sp>
@@ -30681,7 +28027,7 @@
           <p:cNvPr id="2" name="Slide Number Placeholder 1">
             <a:extLst>
               <a:ext uri="{FF2B5EF4-FFF2-40B4-BE49-F238E27FC236}">
-                <a16:creationId xmlns:a16="http://schemas.microsoft.com/office/drawing/2014/main" id="{2F478C69-0A1D-45FF-8600-ED903803FFE1}"/>
+                <a16:creationId xmlns:a16="http://schemas.microsoft.com/office/drawing/2014/main" id="{520FC4EE-F318-4344-9E3C-B950ADB63865}"/>
               </a:ext>
             </a:extLst>
           </p:cNvPr>
@@ -30706,24 +28052,110 @@
           </a:p>
         </p:txBody>
       </p:sp>
+      <p:sp>
+        <p:nvSpPr>
+          <p:cNvPr id="8" name="Text Placeholder 7">
+            <a:extLst>
+              <a:ext uri="{FF2B5EF4-FFF2-40B4-BE49-F238E27FC236}">
+                <a16:creationId xmlns:a16="http://schemas.microsoft.com/office/drawing/2014/main" id="{47DC4E62-1A34-4F98-A451-214F1808519C}"/>
+              </a:ext>
+            </a:extLst>
+          </p:cNvPr>
+          <p:cNvSpPr>
+            <a:spLocks noGrp="1"/>
+          </p:cNvSpPr>
+          <p:nvPr>
+            <p:ph type="body" sz="quarter" idx="2"/>
+          </p:nvPr>
+        </p:nvSpPr>
+        <p:spPr>
+          <a:xfrm>
+            <a:off x="95249" y="1371546"/>
+            <a:ext cx="4775929" cy="4781604"/>
+          </a:xfrm>
+        </p:spPr>
+        <p:txBody>
+          <a:bodyPr>
+            <a:normAutofit/>
+          </a:bodyPr>
+          <a:lstStyle/>
+          <a:p>
+            <a:r>
+              <a:rPr lang="lv-LV" sz="2800" dirty="0"/>
+              <a:t>Ja nav zināms cik argumentus nodosi funkcijai, tad funkcijas definīcijā pirms parametra nosaukuma jāraksta «*»</a:t>
+            </a:r>
+          </a:p>
+          <a:p>
+            <a:r>
+              <a:rPr lang="lv-LV" sz="2800" dirty="0"/>
+              <a:t>Patvaļīgos argumentus bieži saīsina uz «*</a:t>
+            </a:r>
+            <a:r>
+              <a:rPr lang="lv-LV" sz="2800" dirty="0" err="1"/>
+              <a:t>args</a:t>
+            </a:r>
+            <a:r>
+              <a:rPr lang="lv-LV" sz="2800" dirty="0"/>
+              <a:t>»</a:t>
+            </a:r>
+            <a:endParaRPr lang="en-US" sz="2800" dirty="0"/>
+          </a:p>
+          <a:p>
+            <a:endParaRPr lang="en-US" dirty="0"/>
+          </a:p>
+          <a:p>
+            <a:endParaRPr lang="lv-LV" dirty="0"/>
+          </a:p>
+        </p:txBody>
+      </p:sp>
+      <p:pic>
+        <p:nvPicPr>
+          <p:cNvPr id="17" name="Picture 16">
+            <a:extLst>
+              <a:ext uri="{FF2B5EF4-FFF2-40B4-BE49-F238E27FC236}">
+                <a16:creationId xmlns:a16="http://schemas.microsoft.com/office/drawing/2014/main" id="{C9E9E8E9-3EBB-414F-B4B9-1BAD7263E6E2}"/>
+              </a:ext>
+            </a:extLst>
+          </p:cNvPr>
+          <p:cNvPicPr>
+            <a:picLocks noChangeAspect="1"/>
+          </p:cNvPicPr>
+          <p:nvPr/>
+        </p:nvPicPr>
+        <p:blipFill>
+          <a:blip r:embed="rId2"/>
+          <a:stretch>
+            <a:fillRect/>
+          </a:stretch>
+        </p:blipFill>
+        <p:spPr>
+          <a:xfrm>
+            <a:off x="4871178" y="2195458"/>
+            <a:ext cx="7320822" cy="3133779"/>
+          </a:xfrm>
+          <a:prstGeom prst="rect">
+            <a:avLst/>
+          </a:prstGeom>
+        </p:spPr>
+      </p:pic>
     </p:spTree>
     <p:extLst>
       <p:ext uri="{BB962C8B-B14F-4D97-AF65-F5344CB8AC3E}">
-        <p14:creationId xmlns:p14="http://schemas.microsoft.com/office/powerpoint/2010/main" val="451187730"/>
+        <p14:creationId xmlns:p14="http://schemas.microsoft.com/office/powerpoint/2010/main" val="3607270498"/>
       </p:ext>
     </p:extLst>
   </p:cSld>
   <p:clrMapOvr>
     <a:masterClrMapping/>
   </p:clrMapOvr>
-  <mc:AlternateContent xmlns:mc="http://schemas.openxmlformats.org/markup-compatibility/2006" xmlns:p14="http://schemas.microsoft.com/office/powerpoint/2010/main">
-    <mc:Choice Requires="p14">
-      <p:transition spd="med" p14:dur="700">
-        <p:fade/>
+  <mc:AlternateContent xmlns:mc="http://schemas.openxmlformats.org/markup-compatibility/2006">
+    <mc:Choice xmlns:p159="http://schemas.microsoft.com/office/powerpoint/2015/09/main" Requires="p159">
+      <p:transition xmlns:p14="http://schemas.microsoft.com/office/powerpoint/2010/main" spd="slow" p14:dur="2000">
+        <p159:morph option="byObject"/>
       </p:transition>
     </mc:Choice>
-    <mc:Fallback xmlns="">
-      <p:transition spd="med">
+    <mc:Fallback>
+      <p:transition spd="slow">
         <p:fade/>
       </p:transition>
     </mc:Fallback>
@@ -30750,10 +28182,10 @@
       </p:grpSpPr>
       <p:sp>
         <p:nvSpPr>
-          <p:cNvPr id="4" name="Title 3">
+          <p:cNvPr id="2" name="Title 1">
             <a:extLst>
               <a:ext uri="{FF2B5EF4-FFF2-40B4-BE49-F238E27FC236}">
-                <a16:creationId xmlns:a16="http://schemas.microsoft.com/office/drawing/2014/main" id="{315E3981-F0D7-482C-A8E0-6A57700BECA7}"/>
+                <a16:creationId xmlns:a16="http://schemas.microsoft.com/office/drawing/2014/main" id="{4F2C5035-4173-414B-B72C-144A814AE931}"/>
               </a:ext>
             </a:extLst>
           </p:cNvPr>
@@ -30770,86 +28202,44 @@
           <a:lstStyle/>
           <a:p>
             <a:r>
-              <a:rPr lang="en-US" dirty="0"/>
-              <a:t>Content Title 04</a:t>
+              <a:rPr lang="lv-LV" dirty="0" err="1">
+                <a:solidFill>
+                  <a:schemeClr val="accent4">
+                    <a:lumMod val="60000"/>
+                    <a:lumOff val="40000"/>
+                  </a:schemeClr>
+                </a:solidFill>
+              </a:rPr>
+              <a:t>Default</a:t>
             </a:r>
-          </a:p>
-        </p:txBody>
-      </p:sp>
-      <p:pic>
-        <p:nvPicPr>
-          <p:cNvPr id="8" name="Picture Placeholder 7" descr="Triangular pattern design with dimension">
-            <a:extLst>
-              <a:ext uri="{FF2B5EF4-FFF2-40B4-BE49-F238E27FC236}">
-                <a16:creationId xmlns:a16="http://schemas.microsoft.com/office/drawing/2014/main" id="{2301248D-7370-7643-9BE6-F8CDCFF4D460}"/>
-              </a:ext>
-            </a:extLst>
-          </p:cNvPr>
-          <p:cNvPicPr>
-            <a:picLocks noGrp="1" noChangeAspect="1"/>
-          </p:cNvPicPr>
-          <p:nvPr>
-            <p:ph type="pic" sz="quarter" idx="19"/>
-          </p:nvPr>
-        </p:nvPicPr>
-        <p:blipFill rotWithShape="1">
-          <a:blip r:embed="rId2">
-            <a:extLst>
-              <a:ext uri="{28A0092B-C50C-407E-A947-70E740481C1C}">
-                <a14:useLocalDpi xmlns:a14="http://schemas.microsoft.com/office/drawing/2010/main" val="0"/>
-              </a:ext>
-            </a:extLst>
-          </a:blip>
-          <a:srcRect/>
-          <a:stretch/>
-        </p:blipFill>
-        <p:spPr>
-          <a:xfrm>
-            <a:off x="-2" y="1352575"/>
-            <a:ext cx="12192002" cy="2289897"/>
-          </a:xfrm>
-        </p:spPr>
-      </p:pic>
-      <p:sp>
-        <p:nvSpPr>
-          <p:cNvPr id="19" name="Text Placeholder 18">
-            <a:extLst>
-              <a:ext uri="{FF2B5EF4-FFF2-40B4-BE49-F238E27FC236}">
-                <a16:creationId xmlns:a16="http://schemas.microsoft.com/office/drawing/2014/main" id="{782206B1-586F-4254-9B36-D06C4E294ACF}"/>
-              </a:ext>
-            </a:extLst>
-          </p:cNvPr>
-          <p:cNvSpPr>
-            <a:spLocks noGrp="1"/>
-          </p:cNvSpPr>
-          <p:nvPr>
-            <p:ph type="body" sz="quarter" idx="18"/>
-          </p:nvPr>
-        </p:nvSpPr>
-        <p:spPr/>
-        <p:txBody>
-          <a:bodyPr/>
-          <a:lstStyle/>
-          <a:p>
             <a:r>
-              <a:rPr lang="en-US" dirty="0"/>
-              <a:t>Lorem ipsum dolor sit amet, consectetuer adipiscing elit. Maecenas porttitor congue massa. Fusce posuere, magna sed pulvinar ultricies, purus lectus malesuada libero, sit amet commodo magna eros quis urna. Nunc viverra imperdiet enim. Fusce est. Vivamus a tellus.</a:t>
+              <a:rPr lang="lv-LV" dirty="0">
+                <a:solidFill>
+                  <a:schemeClr val="accent4">
+                    <a:lumMod val="60000"/>
+                    <a:lumOff val="40000"/>
+                  </a:schemeClr>
+                </a:solidFill>
+              </a:rPr>
+              <a:t> Parametri</a:t>
             </a:r>
-          </a:p>
-          <a:p>
-            <a:r>
-              <a:rPr lang="en-US" dirty="0"/>
-              <a:t>Pellentesque habitant morbi tristique senectus et netus et malesuada fames ac turpis egestas. Proin pharetra nonummy pede. Mauris et orci.</a:t>
-            </a:r>
+            <a:endParaRPr lang="en-US" dirty="0">
+              <a:solidFill>
+                <a:schemeClr val="accent4">
+                  <a:lumMod val="60000"/>
+                  <a:lumOff val="40000"/>
+                </a:schemeClr>
+              </a:solidFill>
+            </a:endParaRPr>
           </a:p>
         </p:txBody>
       </p:sp>
       <p:sp>
         <p:nvSpPr>
-          <p:cNvPr id="2" name="Slide Number Placeholder 1">
+          <p:cNvPr id="3" name="Slide Number Placeholder 2">
             <a:extLst>
               <a:ext uri="{FF2B5EF4-FFF2-40B4-BE49-F238E27FC236}">
-                <a16:creationId xmlns:a16="http://schemas.microsoft.com/office/drawing/2014/main" id="{FAC2D367-2A6E-41FE-A9EA-24FF17BCAA97}"/>
+                <a16:creationId xmlns:a16="http://schemas.microsoft.com/office/drawing/2014/main" id="{C871C3B6-D91D-45FD-9A91-8712A1DD30F5}"/>
               </a:ext>
             </a:extLst>
           </p:cNvPr>
@@ -30866,32 +28256,120 @@
           <a:lstStyle/>
           <a:p>
             <a:fld id="{C263D6C4-4840-40CC-AC84-17E24B3B7BDE}" type="slidenum">
-              <a:rPr lang="en-US" smtClean="0"/>
+              <a:rPr lang="en-US" noProof="0" smtClean="0"/>
               <a:pPr/>
               <a:t>9</a:t>
             </a:fld>
-            <a:endParaRPr lang="en-US" dirty="0"/>
+            <a:endParaRPr lang="en-US" noProof="0" dirty="0"/>
           </a:p>
         </p:txBody>
       </p:sp>
+      <p:sp>
+        <p:nvSpPr>
+          <p:cNvPr id="4" name="Text Placeholder 3">
+            <a:extLst>
+              <a:ext uri="{FF2B5EF4-FFF2-40B4-BE49-F238E27FC236}">
+                <a16:creationId xmlns:a16="http://schemas.microsoft.com/office/drawing/2014/main" id="{5A5E440F-2B56-48FE-875D-5F36D045CE1A}"/>
+              </a:ext>
+            </a:extLst>
+          </p:cNvPr>
+          <p:cNvSpPr>
+            <a:spLocks noGrp="1"/>
+          </p:cNvSpPr>
+          <p:nvPr>
+            <p:ph type="body" sz="quarter" idx="13"/>
+          </p:nvPr>
+        </p:nvSpPr>
+        <p:spPr>
+          <a:xfrm>
+            <a:off x="148833" y="1958760"/>
+            <a:ext cx="6718300" cy="4093243"/>
+          </a:xfrm>
+        </p:spPr>
+        <p:txBody>
+          <a:bodyPr/>
+          <a:lstStyle/>
+          <a:p>
+            <a:r>
+              <a:rPr lang="lv-LV" sz="2800" dirty="0"/>
+              <a:t>Funkcijām var piešķirt </a:t>
+            </a:r>
+            <a:r>
+              <a:rPr lang="lv-LV" sz="2800" dirty="0" err="1"/>
+              <a:t>default</a:t>
+            </a:r>
+            <a:r>
+              <a:rPr lang="lv-LV" sz="2800" dirty="0"/>
+              <a:t> parametrus. Kad funkcija ir izsaukta bez argumenta tas izmanto </a:t>
+            </a:r>
+            <a:r>
+              <a:rPr lang="lv-LV" sz="2800" dirty="0" err="1"/>
+              <a:t>default</a:t>
+            </a:r>
+            <a:r>
+              <a:rPr lang="lv-LV" sz="2800" dirty="0"/>
+              <a:t> parametru, bet ja tiks piešķirts </a:t>
+            </a:r>
+            <a:r>
+              <a:rPr lang="lv-LV" sz="2800" dirty="0" err="1"/>
+              <a:t>argumets</a:t>
+            </a:r>
+            <a:r>
+              <a:rPr lang="lv-LV" sz="2800" dirty="0"/>
+              <a:t> funkcija izmantos to.</a:t>
+            </a:r>
+            <a:endParaRPr lang="en-US" sz="2800" dirty="0"/>
+          </a:p>
+        </p:txBody>
+      </p:sp>
+      <p:pic>
+        <p:nvPicPr>
+          <p:cNvPr id="6" name="Picture 5">
+            <a:extLst>
+              <a:ext uri="{FF2B5EF4-FFF2-40B4-BE49-F238E27FC236}">
+                <a16:creationId xmlns:a16="http://schemas.microsoft.com/office/drawing/2014/main" id="{4773D694-52D9-4246-9EED-F39A54C33248}"/>
+              </a:ext>
+            </a:extLst>
+          </p:cNvPr>
+          <p:cNvPicPr>
+            <a:picLocks noChangeAspect="1"/>
+          </p:cNvPicPr>
+          <p:nvPr/>
+        </p:nvPicPr>
+        <p:blipFill>
+          <a:blip r:embed="rId2"/>
+          <a:stretch>
+            <a:fillRect/>
+          </a:stretch>
+        </p:blipFill>
+        <p:spPr>
+          <a:xfrm>
+            <a:off x="6410325" y="1430762"/>
+            <a:ext cx="5632842" cy="4532007"/>
+          </a:xfrm>
+          <a:prstGeom prst="rect">
+            <a:avLst/>
+          </a:prstGeom>
+        </p:spPr>
+      </p:pic>
     </p:spTree>
     <p:extLst>
       <p:ext uri="{BB962C8B-B14F-4D97-AF65-F5344CB8AC3E}">
-        <p14:creationId xmlns:p14="http://schemas.microsoft.com/office/powerpoint/2010/main" val="663103393"/>
+        <p14:creationId xmlns:p14="http://schemas.microsoft.com/office/powerpoint/2010/main" val="3975059981"/>
       </p:ext>
     </p:extLst>
   </p:cSld>
   <p:clrMapOvr>
     <a:masterClrMapping/>
   </p:clrMapOvr>
-  <mc:AlternateContent xmlns:mc="http://schemas.openxmlformats.org/markup-compatibility/2006" xmlns:p14="http://schemas.microsoft.com/office/powerpoint/2010/main">
-    <mc:Choice Requires="p14">
-      <p:transition spd="med" p14:dur="700">
-        <p:fade/>
+  <mc:AlternateContent xmlns:mc="http://schemas.openxmlformats.org/markup-compatibility/2006">
+    <mc:Choice xmlns:p159="http://schemas.microsoft.com/office/powerpoint/2015/09/main" Requires="p159">
+      <p:transition xmlns:p14="http://schemas.microsoft.com/office/powerpoint/2010/main" spd="slow" p14:dur="2000">
+        <p159:morph option="byObject"/>
       </p:transition>
     </mc:Choice>
-    <mc:Fallback xmlns="">
-      <p:transition spd="med">
+    <mc:Fallback>
+      <p:transition spd="slow">
         <p:fade/>
       </p:transition>
     </mc:Fallback>
@@ -31691,23 +29169,6 @@
 </file>
 
 <file path=customXml/item1.xml><?xml version="1.0" encoding="utf-8"?>
-<p:properties xmlns:p="http://schemas.microsoft.com/office/2006/metadata/properties" xmlns:xsi="http://www.w3.org/2001/XMLSchema-instance" xmlns:pc="http://schemas.microsoft.com/office/infopath/2007/PartnerControls">
-  <documentManagement>
-    <MediaServiceKeyPoints xmlns="71af3243-3dd4-4a8d-8c0d-dd76da1f02a5" xsi:nil="true"/>
-  </documentManagement>
-</p:properties>
-</file>
-
-<file path=customXml/item2.xml><?xml version="1.0" encoding="utf-8"?>
-<?mso-contentType ?>
-<FormTemplates xmlns="http://schemas.microsoft.com/sharepoint/v3/contenttype/forms">
-  <Display>DocumentLibraryForm</Display>
-  <Edit>DocumentLibraryForm</Edit>
-  <New>DocumentLibraryForm</New>
-</FormTemplates>
-</file>
-
-<file path=customXml/item3.xml><?xml version="1.0" encoding="utf-8"?>
 <ct:contentTypeSchema xmlns:ct="http://schemas.microsoft.com/office/2006/metadata/contentType" xmlns:ma="http://schemas.microsoft.com/office/2006/metadata/properties/metaAttributes" ct:_="" ma:_="" ma:contentTypeName="Document" ma:contentTypeID="0x01010079F111ED35F8CC479449609E8A0923A6" ma:contentTypeVersion="11" ma:contentTypeDescription="Create a new document." ma:contentTypeScope="" ma:versionID="96291512c1ee715ab617f4c07df79fc1">
   <xsd:schema xmlns:xsd="http://www.w3.org/2001/XMLSchema" xmlns:xs="http://www.w3.org/2001/XMLSchema" xmlns:p="http://schemas.microsoft.com/office/2006/metadata/properties" xmlns:ns2="71af3243-3dd4-4a8d-8c0d-dd76da1f02a5" xmlns:ns3="16c05727-aa75-4e4a-9b5f-8a80a1165891" targetNamespace="http://schemas.microsoft.com/office/2006/metadata/properties" ma:root="true" ma:fieldsID="8256c27c40ca5c40ce1cf6c44f0205df" ns2:_="" ns3:_="">
     <xsd:import namespace="71af3243-3dd4-4a8d-8c0d-dd76da1f02a5"/>
@@ -31918,25 +29379,24 @@
 </ct:contentTypeSchema>
 </file>
 
-<file path=customXml/itemProps1.xml><?xml version="1.0" encoding="utf-8"?>
-<ds:datastoreItem xmlns:ds="http://schemas.openxmlformats.org/officeDocument/2006/customXml" ds:itemID="{F5757914-1161-4661-9696-421FD6935CDD}">
-  <ds:schemaRefs>
-    <ds:schemaRef ds:uri="http://schemas.microsoft.com/office/2006/metadata/properties"/>
-    <ds:schemaRef ds:uri="http://schemas.microsoft.com/office/infopath/2007/PartnerControls"/>
-    <ds:schemaRef ds:uri="71af3243-3dd4-4a8d-8c0d-dd76da1f02a5"/>
-  </ds:schemaRefs>
-</ds:datastoreItem>
+<file path=customXml/item2.xml><?xml version="1.0" encoding="utf-8"?>
+<p:properties xmlns:p="http://schemas.microsoft.com/office/2006/metadata/properties" xmlns:xsi="http://www.w3.org/2001/XMLSchema-instance" xmlns:pc="http://schemas.microsoft.com/office/infopath/2007/PartnerControls">
+  <documentManagement>
+    <MediaServiceKeyPoints xmlns="71af3243-3dd4-4a8d-8c0d-dd76da1f02a5" xsi:nil="true"/>
+  </documentManagement>
+</p:properties>
 </file>
 
-<file path=customXml/itemProps2.xml><?xml version="1.0" encoding="utf-8"?>
-<ds:datastoreItem xmlns:ds="http://schemas.openxmlformats.org/officeDocument/2006/customXml" ds:itemID="{5B26E0C9-B2AA-42E6-97B6-E1B7D9EAF129}">
-  <ds:schemaRefs>
-    <ds:schemaRef ds:uri="http://schemas.microsoft.com/sharepoint/v3/contenttype/forms"/>
-  </ds:schemaRefs>
-</ds:datastoreItem>
+<file path=customXml/item3.xml><?xml version="1.0" encoding="utf-8"?>
+<?mso-contentType ?>
+<FormTemplates xmlns="http://schemas.microsoft.com/sharepoint/v3/contenttype/forms">
+  <Display>DocumentLibraryForm</Display>
+  <Edit>DocumentLibraryForm</Edit>
+  <New>DocumentLibraryForm</New>
+</FormTemplates>
 </file>
 
-<file path=customXml/itemProps3.xml><?xml version="1.0" encoding="utf-8"?>
+<file path=customXml/itemProps1.xml><?xml version="1.0" encoding="utf-8"?>
 <ds:datastoreItem xmlns:ds="http://schemas.openxmlformats.org/officeDocument/2006/customXml" ds:itemID="{4C103400-4A22-4E35-B588-4C4D42638959}">
   <ds:schemaRefs>
     <ds:schemaRef ds:uri="http://schemas.microsoft.com/office/2006/metadata/contentType"/>
@@ -31953,4 +29413,22 @@
     <ds:schemaRef ds:uri="http://schemas.microsoft.com/internal/obd"/>
   </ds:schemaRefs>
 </ds:datastoreItem>
+</file>
+
+<file path=customXml/itemProps2.xml><?xml version="1.0" encoding="utf-8"?>
+<ds:datastoreItem xmlns:ds="http://schemas.openxmlformats.org/officeDocument/2006/customXml" ds:itemID="{F5757914-1161-4661-9696-421FD6935CDD}">
+  <ds:schemaRefs>
+    <ds:schemaRef ds:uri="http://schemas.microsoft.com/office/2006/metadata/properties"/>
+    <ds:schemaRef ds:uri="http://schemas.microsoft.com/office/infopath/2007/PartnerControls"/>
+    <ds:schemaRef ds:uri="71af3243-3dd4-4a8d-8c0d-dd76da1f02a5"/>
+  </ds:schemaRefs>
+</ds:datastoreItem>
+</file>
+
+<file path=customXml/itemProps3.xml><?xml version="1.0" encoding="utf-8"?>
+<ds:datastoreItem xmlns:ds="http://schemas.openxmlformats.org/officeDocument/2006/customXml" ds:itemID="{5B26E0C9-B2AA-42E6-97B6-E1B7D9EAF129}">
+  <ds:schemaRefs>
+    <ds:schemaRef ds:uri="http://schemas.microsoft.com/sharepoint/v3/contenttype/forms"/>
+  </ds:schemaRefs>
+</ds:datastoreItem>
 </file>
--- a/Python Funkcijas.pptx
+++ b/Python Funkcijas.pptx
@@ -5,10 +5,10 @@
     <p:sldMasterId id="2147483648" r:id="rId4"/>
   </p:sldMasterIdLst>
   <p:notesMasterIdLst>
-    <p:notesMasterId r:id="rId16"/>
+    <p:notesMasterId r:id="rId22"/>
   </p:notesMasterIdLst>
   <p:handoutMasterIdLst>
-    <p:handoutMasterId r:id="rId17"/>
+    <p:handoutMasterId r:id="rId23"/>
   </p:handoutMasterIdLst>
   <p:sldIdLst>
     <p:sldId id="256" r:id="rId5"/>
@@ -21,7 +21,13 @@
     <p:sldId id="261" r:id="rId12"/>
     <p:sldId id="288" r:id="rId13"/>
     <p:sldId id="290" r:id="rId14"/>
-    <p:sldId id="291" r:id="rId15"/>
+    <p:sldId id="292" r:id="rId15"/>
+    <p:sldId id="293" r:id="rId16"/>
+    <p:sldId id="294" r:id="rId17"/>
+    <p:sldId id="295" r:id="rId18"/>
+    <p:sldId id="296" r:id="rId19"/>
+    <p:sldId id="297" r:id="rId20"/>
+    <p:sldId id="291" r:id="rId21"/>
   </p:sldIdLst>
   <p:sldSz cx="12192000" cy="6858000"/>
   <p:notesSz cx="6858000" cy="9144000"/>
@@ -2023,13 +2029,13 @@
   <p:clrMapOvr>
     <a:masterClrMapping/>
   </p:clrMapOvr>
-  <mc:AlternateContent xmlns:mc="http://schemas.openxmlformats.org/markup-compatibility/2006">
-    <mc:Choice xmlns:p159="http://schemas.microsoft.com/office/powerpoint/2015/09/main" Requires="p159">
+  <mc:AlternateContent xmlns:mc="http://schemas.openxmlformats.org/markup-compatibility/2006" xmlns:p159="http://schemas.microsoft.com/office/powerpoint/2015/09/main">
+    <mc:Choice Requires="p159">
       <p:transition xmlns:p14="http://schemas.microsoft.com/office/powerpoint/2010/main" spd="slow" p14:dur="2000">
         <p159:morph option="byObject"/>
       </p:transition>
     </mc:Choice>
-    <mc:Fallback>
+    <mc:Fallback xmlns="">
       <p:transition spd="slow">
         <p:fade/>
       </p:transition>
@@ -3444,13 +3450,13 @@
   <p:clrMapOvr>
     <a:masterClrMapping/>
   </p:clrMapOvr>
-  <mc:AlternateContent xmlns:mc="http://schemas.openxmlformats.org/markup-compatibility/2006">
-    <mc:Choice xmlns:p159="http://schemas.microsoft.com/office/powerpoint/2015/09/main" Requires="p159">
+  <mc:AlternateContent xmlns:mc="http://schemas.openxmlformats.org/markup-compatibility/2006" xmlns:p159="http://schemas.microsoft.com/office/powerpoint/2015/09/main">
+    <mc:Choice Requires="p159">
       <p:transition xmlns:p14="http://schemas.microsoft.com/office/powerpoint/2010/main" spd="slow" p14:dur="2000">
         <p159:morph option="byObject"/>
       </p:transition>
     </mc:Choice>
-    <mc:Fallback>
+    <mc:Fallback xmlns="">
       <p:transition spd="slow">
         <p:fade/>
       </p:transition>
@@ -5720,13 +5726,13 @@
   <p:clrMapOvr>
     <a:masterClrMapping/>
   </p:clrMapOvr>
-  <mc:AlternateContent xmlns:mc="http://schemas.openxmlformats.org/markup-compatibility/2006">
-    <mc:Choice xmlns:p159="http://schemas.microsoft.com/office/powerpoint/2015/09/main" Requires="p159">
+  <mc:AlternateContent xmlns:mc="http://schemas.openxmlformats.org/markup-compatibility/2006" xmlns:p159="http://schemas.microsoft.com/office/powerpoint/2015/09/main">
+    <mc:Choice Requires="p159">
       <p:transition xmlns:p14="http://schemas.microsoft.com/office/powerpoint/2010/main" spd="slow" p14:dur="2000">
         <p159:morph option="byObject"/>
       </p:transition>
     </mc:Choice>
-    <mc:Fallback>
+    <mc:Fallback xmlns="">
       <p:transition spd="slow">
         <p:fade/>
       </p:transition>
@@ -7301,13 +7307,13 @@
   <p:clrMapOvr>
     <a:masterClrMapping/>
   </p:clrMapOvr>
-  <mc:AlternateContent xmlns:mc="http://schemas.openxmlformats.org/markup-compatibility/2006">
-    <mc:Choice xmlns:p159="http://schemas.microsoft.com/office/powerpoint/2015/09/main" Requires="p159">
+  <mc:AlternateContent xmlns:mc="http://schemas.openxmlformats.org/markup-compatibility/2006" xmlns:p159="http://schemas.microsoft.com/office/powerpoint/2015/09/main">
+    <mc:Choice Requires="p159">
       <p:transition xmlns:p14="http://schemas.microsoft.com/office/powerpoint/2010/main" spd="slow" p14:dur="2000">
         <p159:morph option="byObject"/>
       </p:transition>
     </mc:Choice>
-    <mc:Fallback>
+    <mc:Fallback xmlns="">
       <p:transition spd="slow">
         <p:fade/>
       </p:transition>
@@ -8662,13 +8668,13 @@
   <p:clrMapOvr>
     <a:masterClrMapping/>
   </p:clrMapOvr>
-  <mc:AlternateContent xmlns:mc="http://schemas.openxmlformats.org/markup-compatibility/2006">
-    <mc:Choice xmlns:p159="http://schemas.microsoft.com/office/powerpoint/2015/09/main" Requires="p159">
+  <mc:AlternateContent xmlns:mc="http://schemas.openxmlformats.org/markup-compatibility/2006" xmlns:p159="http://schemas.microsoft.com/office/powerpoint/2015/09/main">
+    <mc:Choice Requires="p159">
       <p:transition xmlns:p14="http://schemas.microsoft.com/office/powerpoint/2010/main" spd="slow" p14:dur="2000">
         <p159:morph option="byObject"/>
       </p:transition>
     </mc:Choice>
-    <mc:Fallback>
+    <mc:Fallback xmlns="">
       <p:transition spd="slow">
         <p:fade/>
       </p:transition>
@@ -10021,13 +10027,13 @@
   <p:clrMapOvr>
     <a:masterClrMapping/>
   </p:clrMapOvr>
-  <mc:AlternateContent xmlns:mc="http://schemas.openxmlformats.org/markup-compatibility/2006">
-    <mc:Choice xmlns:p159="http://schemas.microsoft.com/office/powerpoint/2015/09/main" Requires="p159">
+  <mc:AlternateContent xmlns:mc="http://schemas.openxmlformats.org/markup-compatibility/2006" xmlns:p159="http://schemas.microsoft.com/office/powerpoint/2015/09/main">
+    <mc:Choice Requires="p159">
       <p:transition xmlns:p14="http://schemas.microsoft.com/office/powerpoint/2010/main" spd="slow" p14:dur="2000">
         <p159:morph option="byObject"/>
       </p:transition>
     </mc:Choice>
-    <mc:Fallback>
+    <mc:Fallback xmlns="">
       <p:transition spd="slow">
         <p:fade/>
       </p:transition>
@@ -11415,13 +11421,13 @@
   <p:clrMapOvr>
     <a:masterClrMapping/>
   </p:clrMapOvr>
-  <mc:AlternateContent xmlns:mc="http://schemas.openxmlformats.org/markup-compatibility/2006">
-    <mc:Choice xmlns:p159="http://schemas.microsoft.com/office/powerpoint/2015/09/main" Requires="p159">
+  <mc:AlternateContent xmlns:mc="http://schemas.openxmlformats.org/markup-compatibility/2006" xmlns:p159="http://schemas.microsoft.com/office/powerpoint/2015/09/main">
+    <mc:Choice Requires="p159">
       <p:transition xmlns:p14="http://schemas.microsoft.com/office/powerpoint/2010/main" spd="slow" p14:dur="2000">
         <p159:morph option="byObject"/>
       </p:transition>
     </mc:Choice>
-    <mc:Fallback>
+    <mc:Fallback xmlns="">
       <p:transition spd="slow">
         <p:fade/>
       </p:transition>
@@ -12430,13 +12436,13 @@
   <p:clrMapOvr>
     <a:masterClrMapping/>
   </p:clrMapOvr>
-  <mc:AlternateContent xmlns:mc="http://schemas.openxmlformats.org/markup-compatibility/2006">
-    <mc:Choice xmlns:p159="http://schemas.microsoft.com/office/powerpoint/2015/09/main" Requires="p159">
+  <mc:AlternateContent xmlns:mc="http://schemas.openxmlformats.org/markup-compatibility/2006" xmlns:p159="http://schemas.microsoft.com/office/powerpoint/2015/09/main">
+    <mc:Choice Requires="p159">
       <p:transition xmlns:p14="http://schemas.microsoft.com/office/powerpoint/2010/main" spd="slow" p14:dur="2000">
         <p159:morph option="byObject"/>
       </p:transition>
     </mc:Choice>
-    <mc:Fallback>
+    <mc:Fallback xmlns="">
       <p:transition spd="slow">
         <p:fade/>
       </p:transition>
@@ -13220,13 +13226,13 @@
   <p:clrMapOvr>
     <a:masterClrMapping/>
   </p:clrMapOvr>
-  <mc:AlternateContent xmlns:mc="http://schemas.openxmlformats.org/markup-compatibility/2006">
-    <mc:Choice xmlns:p159="http://schemas.microsoft.com/office/powerpoint/2015/09/main" Requires="p159">
+  <mc:AlternateContent xmlns:mc="http://schemas.openxmlformats.org/markup-compatibility/2006" xmlns:p159="http://schemas.microsoft.com/office/powerpoint/2015/09/main">
+    <mc:Choice Requires="p159">
       <p:transition xmlns:p14="http://schemas.microsoft.com/office/powerpoint/2010/main" spd="slow" p14:dur="2000">
         <p159:morph option="byObject"/>
       </p:transition>
     </mc:Choice>
-    <mc:Fallback>
+    <mc:Fallback xmlns="">
       <p:transition spd="slow">
         <p:fade/>
       </p:transition>
@@ -14157,13 +14163,13 @@
   <p:clrMapOvr>
     <a:masterClrMapping/>
   </p:clrMapOvr>
-  <mc:AlternateContent xmlns:mc="http://schemas.openxmlformats.org/markup-compatibility/2006">
-    <mc:Choice xmlns:p159="http://schemas.microsoft.com/office/powerpoint/2015/09/main" Requires="p159">
+  <mc:AlternateContent xmlns:mc="http://schemas.openxmlformats.org/markup-compatibility/2006" xmlns:p159="http://schemas.microsoft.com/office/powerpoint/2015/09/main">
+    <mc:Choice Requires="p159">
       <p:transition xmlns:p14="http://schemas.microsoft.com/office/powerpoint/2010/main" spd="slow" p14:dur="2000">
         <p159:morph option="byObject"/>
       </p:transition>
     </mc:Choice>
-    <mc:Fallback>
+    <mc:Fallback xmlns="">
       <p:transition spd="slow">
         <p:fade/>
       </p:transition>
@@ -15669,13 +15675,13 @@
   <p:clrMapOvr>
     <a:masterClrMapping/>
   </p:clrMapOvr>
-  <mc:AlternateContent xmlns:mc="http://schemas.openxmlformats.org/markup-compatibility/2006">
-    <mc:Choice xmlns:p159="http://schemas.microsoft.com/office/powerpoint/2015/09/main" Requires="p159">
+  <mc:AlternateContent xmlns:mc="http://schemas.openxmlformats.org/markup-compatibility/2006" xmlns:p159="http://schemas.microsoft.com/office/powerpoint/2015/09/main">
+    <mc:Choice Requires="p159">
       <p:transition xmlns:p14="http://schemas.microsoft.com/office/powerpoint/2010/main" spd="slow" p14:dur="2000">
         <p159:morph option="byObject"/>
       </p:transition>
     </mc:Choice>
-    <mc:Fallback>
+    <mc:Fallback xmlns="">
       <p:transition spd="slow">
         <p:fade/>
       </p:transition>
@@ -16965,13 +16971,13 @@
   <p:clrMapOvr>
     <a:masterClrMapping/>
   </p:clrMapOvr>
-  <mc:AlternateContent xmlns:mc="http://schemas.openxmlformats.org/markup-compatibility/2006">
-    <mc:Choice xmlns:p159="http://schemas.microsoft.com/office/powerpoint/2015/09/main" Requires="p159">
+  <mc:AlternateContent xmlns:mc="http://schemas.openxmlformats.org/markup-compatibility/2006" xmlns:p159="http://schemas.microsoft.com/office/powerpoint/2015/09/main">
+    <mc:Choice Requires="p159">
       <p:transition xmlns:p14="http://schemas.microsoft.com/office/powerpoint/2010/main" spd="slow" p14:dur="2000">
         <p159:morph option="byObject"/>
       </p:transition>
     </mc:Choice>
-    <mc:Fallback>
+    <mc:Fallback xmlns="">
       <p:transition spd="slow">
         <p:fade/>
       </p:transition>
@@ -17705,13 +17711,13 @@
   <p:clrMapOvr>
     <a:masterClrMapping/>
   </p:clrMapOvr>
-  <mc:AlternateContent xmlns:mc="http://schemas.openxmlformats.org/markup-compatibility/2006">
-    <mc:Choice xmlns:p159="http://schemas.microsoft.com/office/powerpoint/2015/09/main" Requires="p159">
+  <mc:AlternateContent xmlns:mc="http://schemas.openxmlformats.org/markup-compatibility/2006" xmlns:p159="http://schemas.microsoft.com/office/powerpoint/2015/09/main">
+    <mc:Choice Requires="p159">
       <p:transition xmlns:p14="http://schemas.microsoft.com/office/powerpoint/2010/main" spd="slow" p14:dur="2000">
         <p159:morph option="byObject"/>
       </p:transition>
     </mc:Choice>
-    <mc:Fallback>
+    <mc:Fallback xmlns="">
       <p:transition spd="slow">
         <p:fade/>
       </p:transition>
@@ -18499,13 +18505,13 @@
   <p:clrMapOvr>
     <a:masterClrMapping/>
   </p:clrMapOvr>
-  <mc:AlternateContent xmlns:mc="http://schemas.openxmlformats.org/markup-compatibility/2006">
-    <mc:Choice xmlns:p159="http://schemas.microsoft.com/office/powerpoint/2015/09/main" Requires="p159">
+  <mc:AlternateContent xmlns:mc="http://schemas.openxmlformats.org/markup-compatibility/2006" xmlns:p159="http://schemas.microsoft.com/office/powerpoint/2015/09/main">
+    <mc:Choice Requires="p159">
       <p:transition xmlns:p14="http://schemas.microsoft.com/office/powerpoint/2010/main" spd="slow" p14:dur="2000">
         <p159:morph option="byObject"/>
       </p:transition>
     </mc:Choice>
-    <mc:Fallback>
+    <mc:Fallback xmlns="">
       <p:transition spd="slow">
         <p:fade/>
       </p:transition>
@@ -19710,13 +19716,13 @@
   <p:clrMapOvr>
     <a:masterClrMapping/>
   </p:clrMapOvr>
-  <mc:AlternateContent xmlns:mc="http://schemas.openxmlformats.org/markup-compatibility/2006">
-    <mc:Choice xmlns:p159="http://schemas.microsoft.com/office/powerpoint/2015/09/main" Requires="p159">
+  <mc:AlternateContent xmlns:mc="http://schemas.openxmlformats.org/markup-compatibility/2006" xmlns:p159="http://schemas.microsoft.com/office/powerpoint/2015/09/main">
+    <mc:Choice Requires="p159">
       <p:transition xmlns:p14="http://schemas.microsoft.com/office/powerpoint/2010/main" spd="slow" p14:dur="2000">
         <p159:morph option="byObject"/>
       </p:transition>
     </mc:Choice>
-    <mc:Fallback>
+    <mc:Fallback xmlns="">
       <p:transition spd="slow">
         <p:fade/>
       </p:transition>
@@ -20966,13 +20972,13 @@
   <p:clrMapOvr>
     <a:masterClrMapping/>
   </p:clrMapOvr>
-  <mc:AlternateContent xmlns:mc="http://schemas.openxmlformats.org/markup-compatibility/2006">
-    <mc:Choice xmlns:p159="http://schemas.microsoft.com/office/powerpoint/2015/09/main" Requires="p159">
+  <mc:AlternateContent xmlns:mc="http://schemas.openxmlformats.org/markup-compatibility/2006" xmlns:p159="http://schemas.microsoft.com/office/powerpoint/2015/09/main">
+    <mc:Choice Requires="p159">
       <p:transition xmlns:p14="http://schemas.microsoft.com/office/powerpoint/2010/main" spd="slow" p14:dur="2000">
         <p159:morph option="byObject"/>
       </p:transition>
     </mc:Choice>
-    <mc:Fallback>
+    <mc:Fallback xmlns="">
       <p:transition spd="slow">
         <p:fade/>
       </p:transition>
@@ -22275,13 +22281,13 @@
   <p:clrMapOvr>
     <a:masterClrMapping/>
   </p:clrMapOvr>
-  <mc:AlternateContent xmlns:mc="http://schemas.openxmlformats.org/markup-compatibility/2006">
-    <mc:Choice xmlns:p159="http://schemas.microsoft.com/office/powerpoint/2015/09/main" Requires="p159">
+  <mc:AlternateContent xmlns:mc="http://schemas.openxmlformats.org/markup-compatibility/2006" xmlns:p159="http://schemas.microsoft.com/office/powerpoint/2015/09/main">
+    <mc:Choice Requires="p159">
       <p:transition xmlns:p14="http://schemas.microsoft.com/office/powerpoint/2010/main" spd="slow" p14:dur="2000">
         <p159:morph option="byObject"/>
       </p:transition>
     </mc:Choice>
-    <mc:Fallback>
+    <mc:Fallback xmlns="">
       <p:transition spd="slow">
         <p:fade/>
       </p:transition>
@@ -23842,13 +23848,13 @@
   <p:clrMapOvr>
     <a:masterClrMapping/>
   </p:clrMapOvr>
-  <mc:AlternateContent xmlns:mc="http://schemas.openxmlformats.org/markup-compatibility/2006">
-    <mc:Choice xmlns:p159="http://schemas.microsoft.com/office/powerpoint/2015/09/main" Requires="p159">
+  <mc:AlternateContent xmlns:mc="http://schemas.openxmlformats.org/markup-compatibility/2006" xmlns:p159="http://schemas.microsoft.com/office/powerpoint/2015/09/main">
+    <mc:Choice Requires="p159">
       <p:transition xmlns:p14="http://schemas.microsoft.com/office/powerpoint/2010/main" spd="slow" p14:dur="2000">
         <p159:morph option="byObject"/>
       </p:transition>
     </mc:Choice>
-    <mc:Fallback>
+    <mc:Fallback xmlns="">
       <p:transition spd="slow">
         <p:fade/>
       </p:transition>
@@ -25317,13 +25323,13 @@
     <p:sldLayoutId id="2147483667" r:id="rId17"/>
     <p:sldLayoutId id="2147483668" r:id="rId18"/>
   </p:sldLayoutIdLst>
-  <mc:AlternateContent xmlns:mc="http://schemas.openxmlformats.org/markup-compatibility/2006">
-    <mc:Choice xmlns:p159="http://schemas.microsoft.com/office/powerpoint/2015/09/main" Requires="p159">
+  <mc:AlternateContent xmlns:mc="http://schemas.openxmlformats.org/markup-compatibility/2006" xmlns:p159="http://schemas.microsoft.com/office/powerpoint/2015/09/main">
+    <mc:Choice Requires="p159">
       <p:transition xmlns:p14="http://schemas.microsoft.com/office/powerpoint/2010/main" spd="slow" p14:dur="2000">
         <p159:morph option="byObject"/>
       </p:transition>
     </mc:Choice>
-    <mc:Fallback>
+    <mc:Fallback xmlns="">
       <p:transition spd="slow">
         <p:fade/>
       </p:transition>
@@ -25839,13 +25845,13 @@
   <p:clrMapOvr>
     <a:masterClrMapping/>
   </p:clrMapOvr>
-  <mc:AlternateContent xmlns:mc="http://schemas.openxmlformats.org/markup-compatibility/2006">
-    <mc:Choice xmlns:p159="http://schemas.microsoft.com/office/powerpoint/2015/09/main" Requires="p159">
+  <mc:AlternateContent xmlns:mc="http://schemas.openxmlformats.org/markup-compatibility/2006" xmlns:p159="http://schemas.microsoft.com/office/powerpoint/2015/09/main">
+    <mc:Choice Requires="p159">
       <p:transition xmlns:p14="http://schemas.microsoft.com/office/powerpoint/2010/main" spd="slow" p14:dur="2000">
         <p159:morph option="byObject"/>
       </p:transition>
     </mc:Choice>
-    <mc:Fallback>
+    <mc:Fallback xmlns="">
       <p:transition spd="slow">
         <p:fade/>
       </p:transition>
@@ -26356,13 +26362,13 @@
   <p:clrMapOvr>
     <a:masterClrMapping/>
   </p:clrMapOvr>
-  <mc:AlternateContent xmlns:mc="http://schemas.openxmlformats.org/markup-compatibility/2006">
-    <mc:Choice xmlns:p159="http://schemas.microsoft.com/office/powerpoint/2015/09/main" Requires="p159">
+  <mc:AlternateContent xmlns:mc="http://schemas.openxmlformats.org/markup-compatibility/2006" xmlns:p159="http://schemas.microsoft.com/office/powerpoint/2015/09/main">
+    <mc:Choice Requires="p159">
       <p:transition xmlns:p14="http://schemas.microsoft.com/office/powerpoint/2010/main" spd="slow" p14:dur="2000">
         <p159:morph option="byObject"/>
       </p:transition>
     </mc:Choice>
-    <mc:Fallback>
+    <mc:Fallback xmlns="">
       <p:transition spd="slow">
         <p:fade/>
       </p:transition>
@@ -26372,6 +26378,960 @@
 </file>
 
 <file path=ppt/slides/slide11.xml><?xml version="1.0" encoding="utf-8"?>
+<p:sld xmlns:a="http://schemas.openxmlformats.org/drawingml/2006/main" xmlns:r="http://schemas.openxmlformats.org/officeDocument/2006/relationships" xmlns:p="http://schemas.openxmlformats.org/presentationml/2006/main">
+  <p:cSld>
+    <p:spTree>
+      <p:nvGrpSpPr>
+        <p:cNvPr id="1" name=""/>
+        <p:cNvGrpSpPr/>
+        <p:nvPr/>
+      </p:nvGrpSpPr>
+      <p:grpSpPr>
+        <a:xfrm>
+          <a:off x="0" y="0"/>
+          <a:ext cx="0" cy="0"/>
+          <a:chOff x="0" y="0"/>
+          <a:chExt cx="0" cy="0"/>
+        </a:xfrm>
+      </p:grpSpPr>
+      <p:sp>
+        <p:nvSpPr>
+          <p:cNvPr id="2" name="Title 1">
+            <a:extLst>
+              <a:ext uri="{FF2B5EF4-FFF2-40B4-BE49-F238E27FC236}">
+                <a16:creationId xmlns:a16="http://schemas.microsoft.com/office/drawing/2014/main" id="{00D5EF56-4D4D-4557-9001-3772A5B1D624}"/>
+              </a:ext>
+            </a:extLst>
+          </p:cNvPr>
+          <p:cNvSpPr>
+            <a:spLocks noGrp="1"/>
+          </p:cNvSpPr>
+          <p:nvPr>
+            <p:ph type="title"/>
+          </p:nvPr>
+        </p:nvSpPr>
+        <p:spPr>
+          <a:xfrm>
+            <a:off x="2205228" y="415031"/>
+            <a:ext cx="7781544" cy="859055"/>
+          </a:xfrm>
+        </p:spPr>
+        <p:txBody>
+          <a:bodyPr/>
+          <a:lstStyle/>
+          <a:p>
+            <a:pPr algn="ctr"/>
+            <a:r>
+              <a:rPr lang="lv-LV" dirty="0"/>
+              <a:t>Uzdevums 1</a:t>
+            </a:r>
+            <a:endParaRPr lang="en-US" dirty="0"/>
+          </a:p>
+        </p:txBody>
+      </p:sp>
+      <p:sp>
+        <p:nvSpPr>
+          <p:cNvPr id="3" name="Text Placeholder 2">
+            <a:extLst>
+              <a:ext uri="{FF2B5EF4-FFF2-40B4-BE49-F238E27FC236}">
+                <a16:creationId xmlns:a16="http://schemas.microsoft.com/office/drawing/2014/main" id="{A288DF63-3AE4-436B-BBD2-E018A8CE21B1}"/>
+              </a:ext>
+            </a:extLst>
+          </p:cNvPr>
+          <p:cNvSpPr>
+            <a:spLocks noGrp="1"/>
+          </p:cNvSpPr>
+          <p:nvPr>
+            <p:ph type="body" idx="1"/>
+          </p:nvPr>
+        </p:nvSpPr>
+        <p:spPr>
+          <a:xfrm>
+            <a:off x="1266547" y="1278665"/>
+            <a:ext cx="9658905" cy="5406114"/>
+          </a:xfrm>
+        </p:spPr>
+        <p:txBody>
+          <a:bodyPr>
+            <a:normAutofit/>
+          </a:bodyPr>
+          <a:lstStyle/>
+          <a:p>
+            <a:pPr algn="ctr">
+              <a:lnSpc>
+                <a:spcPct val="150000"/>
+              </a:lnSpc>
+            </a:pPr>
+            <a:r>
+              <a:rPr lang="lv-LV" sz="2800" spc="0" dirty="0"/>
+              <a:t>Izveido programmu , kas pajautā lietotājam vārdu ārpus funkcijas, bet iekš funkcijas programma izmanto ievadīto vārdu , lai izvadītu tekstu «Jūsu vārds ir (Vārds )»</a:t>
+            </a:r>
+          </a:p>
+          <a:p>
+            <a:pPr algn="ctr">
+              <a:lnSpc>
+                <a:spcPct val="150000"/>
+              </a:lnSpc>
+            </a:pPr>
+            <a:endParaRPr lang="lv-LV" sz="2800" spc="0" dirty="0"/>
+          </a:p>
+          <a:p>
+            <a:pPr algn="ctr">
+              <a:lnSpc>
+                <a:spcPct val="150000"/>
+              </a:lnSpc>
+            </a:pPr>
+            <a:endParaRPr lang="lv-LV" sz="2800" spc="0" dirty="0"/>
+          </a:p>
+          <a:p>
+            <a:pPr algn="r">
+              <a:lnSpc>
+                <a:spcPct val="150000"/>
+              </a:lnSpc>
+            </a:pPr>
+            <a:r>
+              <a:rPr lang="lv-LV" sz="2800" spc="0" dirty="0"/>
+              <a:t>Atrisinājums nākamajā slaidā</a:t>
+            </a:r>
+            <a:endParaRPr lang="en-US" sz="2800" spc="0" dirty="0"/>
+          </a:p>
+        </p:txBody>
+      </p:sp>
+      <p:sp>
+        <p:nvSpPr>
+          <p:cNvPr id="4" name="Slide Number Placeholder 3">
+            <a:extLst>
+              <a:ext uri="{FF2B5EF4-FFF2-40B4-BE49-F238E27FC236}">
+                <a16:creationId xmlns:a16="http://schemas.microsoft.com/office/drawing/2014/main" id="{17EE5856-6576-410B-8D8F-AE5DC6FA9B71}"/>
+              </a:ext>
+            </a:extLst>
+          </p:cNvPr>
+          <p:cNvSpPr>
+            <a:spLocks noGrp="1"/>
+          </p:cNvSpPr>
+          <p:nvPr>
+            <p:ph type="sldNum" sz="quarter" idx="12"/>
+          </p:nvPr>
+        </p:nvSpPr>
+        <p:spPr/>
+        <p:txBody>
+          <a:bodyPr/>
+          <a:lstStyle/>
+          <a:p>
+            <a:fld id="{C263D6C4-4840-40CC-AC84-17E24B3B7BDE}" type="slidenum">
+              <a:rPr lang="en-US" noProof="0" smtClean="0"/>
+              <a:pPr/>
+              <a:t>11</a:t>
+            </a:fld>
+            <a:endParaRPr lang="en-US" noProof="0" dirty="0"/>
+          </a:p>
+        </p:txBody>
+      </p:sp>
+    </p:spTree>
+    <p:extLst>
+      <p:ext uri="{BB962C8B-B14F-4D97-AF65-F5344CB8AC3E}">
+        <p14:creationId xmlns:p14="http://schemas.microsoft.com/office/powerpoint/2010/main" val="2154068174"/>
+      </p:ext>
+    </p:extLst>
+  </p:cSld>
+  <p:clrMapOvr>
+    <a:masterClrMapping/>
+  </p:clrMapOvr>
+  <mc:AlternateContent xmlns:mc="http://schemas.openxmlformats.org/markup-compatibility/2006" xmlns:p159="http://schemas.microsoft.com/office/powerpoint/2015/09/main">
+    <mc:Choice Requires="p159">
+      <p:transition xmlns:p14="http://schemas.microsoft.com/office/powerpoint/2010/main" spd="slow" p14:dur="2000">
+        <p159:morph option="byObject"/>
+      </p:transition>
+    </mc:Choice>
+    <mc:Fallback xmlns="">
+      <p:transition spd="slow">
+        <p:fade/>
+      </p:transition>
+    </mc:Fallback>
+  </mc:AlternateContent>
+</p:sld>
+</file>
+
+<file path=ppt/slides/slide12.xml><?xml version="1.0" encoding="utf-8"?>
+<p:sld xmlns:a="http://schemas.openxmlformats.org/drawingml/2006/main" xmlns:r="http://schemas.openxmlformats.org/officeDocument/2006/relationships" xmlns:p="http://schemas.openxmlformats.org/presentationml/2006/main">
+  <p:cSld>
+    <p:spTree>
+      <p:nvGrpSpPr>
+        <p:cNvPr id="1" name=""/>
+        <p:cNvGrpSpPr/>
+        <p:nvPr/>
+      </p:nvGrpSpPr>
+      <p:grpSpPr>
+        <a:xfrm>
+          <a:off x="0" y="0"/>
+          <a:ext cx="0" cy="0"/>
+          <a:chOff x="0" y="0"/>
+          <a:chExt cx="0" cy="0"/>
+        </a:xfrm>
+      </p:grpSpPr>
+      <p:sp>
+        <p:nvSpPr>
+          <p:cNvPr id="2" name="Title 1">
+            <a:extLst>
+              <a:ext uri="{FF2B5EF4-FFF2-40B4-BE49-F238E27FC236}">
+                <a16:creationId xmlns:a16="http://schemas.microsoft.com/office/drawing/2014/main" id="{00D5EF56-4D4D-4557-9001-3772A5B1D624}"/>
+              </a:ext>
+            </a:extLst>
+          </p:cNvPr>
+          <p:cNvSpPr>
+            <a:spLocks noGrp="1"/>
+          </p:cNvSpPr>
+          <p:nvPr>
+            <p:ph type="title"/>
+          </p:nvPr>
+        </p:nvSpPr>
+        <p:spPr>
+          <a:xfrm>
+            <a:off x="2205228" y="415031"/>
+            <a:ext cx="7781544" cy="859055"/>
+          </a:xfrm>
+        </p:spPr>
+        <p:txBody>
+          <a:bodyPr/>
+          <a:lstStyle/>
+          <a:p>
+            <a:pPr algn="ctr"/>
+            <a:r>
+              <a:rPr lang="lv-LV" dirty="0"/>
+              <a:t>Uzdevums 1</a:t>
+            </a:r>
+            <a:endParaRPr lang="en-US" dirty="0"/>
+          </a:p>
+        </p:txBody>
+      </p:sp>
+      <p:sp>
+        <p:nvSpPr>
+          <p:cNvPr id="4" name="Slide Number Placeholder 3">
+            <a:extLst>
+              <a:ext uri="{FF2B5EF4-FFF2-40B4-BE49-F238E27FC236}">
+                <a16:creationId xmlns:a16="http://schemas.microsoft.com/office/drawing/2014/main" id="{17EE5856-6576-410B-8D8F-AE5DC6FA9B71}"/>
+              </a:ext>
+            </a:extLst>
+          </p:cNvPr>
+          <p:cNvSpPr>
+            <a:spLocks noGrp="1"/>
+          </p:cNvSpPr>
+          <p:nvPr>
+            <p:ph type="sldNum" sz="quarter" idx="12"/>
+          </p:nvPr>
+        </p:nvSpPr>
+        <p:spPr/>
+        <p:txBody>
+          <a:bodyPr/>
+          <a:lstStyle/>
+          <a:p>
+            <a:fld id="{C263D6C4-4840-40CC-AC84-17E24B3B7BDE}" type="slidenum">
+              <a:rPr lang="en-US" noProof="0" smtClean="0"/>
+              <a:pPr/>
+              <a:t>12</a:t>
+            </a:fld>
+            <a:endParaRPr lang="en-US" noProof="0" dirty="0"/>
+          </a:p>
+        </p:txBody>
+      </p:sp>
+      <p:pic>
+        <p:nvPicPr>
+          <p:cNvPr id="10" name="Picture 9">
+            <a:extLst>
+              <a:ext uri="{FF2B5EF4-FFF2-40B4-BE49-F238E27FC236}">
+                <a16:creationId xmlns:a16="http://schemas.microsoft.com/office/drawing/2014/main" id="{E856BC82-6134-40E7-BB47-BE8F64D4AF8F}"/>
+              </a:ext>
+            </a:extLst>
+          </p:cNvPr>
+          <p:cNvPicPr>
+            <a:picLocks noChangeAspect="1"/>
+          </p:cNvPicPr>
+          <p:nvPr/>
+        </p:nvPicPr>
+        <p:blipFill>
+          <a:blip r:embed="rId2"/>
+          <a:stretch>
+            <a:fillRect/>
+          </a:stretch>
+        </p:blipFill>
+        <p:spPr>
+          <a:xfrm>
+            <a:off x="172453" y="1658799"/>
+            <a:ext cx="11847094" cy="4872269"/>
+          </a:xfrm>
+          <a:prstGeom prst="rect">
+            <a:avLst/>
+          </a:prstGeom>
+        </p:spPr>
+      </p:pic>
+    </p:spTree>
+    <p:extLst>
+      <p:ext uri="{BB962C8B-B14F-4D97-AF65-F5344CB8AC3E}">
+        <p14:creationId xmlns:p14="http://schemas.microsoft.com/office/powerpoint/2010/main" val="4235646211"/>
+      </p:ext>
+    </p:extLst>
+  </p:cSld>
+  <p:clrMapOvr>
+    <a:masterClrMapping/>
+  </p:clrMapOvr>
+  <mc:AlternateContent xmlns:mc="http://schemas.openxmlformats.org/markup-compatibility/2006" xmlns:p159="http://schemas.microsoft.com/office/powerpoint/2015/09/main">
+    <mc:Choice Requires="p159">
+      <p:transition xmlns:p14="http://schemas.microsoft.com/office/powerpoint/2010/main" spd="slow" p14:dur="2000">
+        <p159:morph option="byObject"/>
+      </p:transition>
+    </mc:Choice>
+    <mc:Fallback xmlns="">
+      <p:transition spd="slow">
+        <p:fade/>
+      </p:transition>
+    </mc:Fallback>
+  </mc:AlternateContent>
+</p:sld>
+</file>
+
+<file path=ppt/slides/slide13.xml><?xml version="1.0" encoding="utf-8"?>
+<p:sld xmlns:a="http://schemas.openxmlformats.org/drawingml/2006/main" xmlns:r="http://schemas.openxmlformats.org/officeDocument/2006/relationships" xmlns:p="http://schemas.openxmlformats.org/presentationml/2006/main">
+  <p:cSld>
+    <p:spTree>
+      <p:nvGrpSpPr>
+        <p:cNvPr id="1" name=""/>
+        <p:cNvGrpSpPr/>
+        <p:nvPr/>
+      </p:nvGrpSpPr>
+      <p:grpSpPr>
+        <a:xfrm>
+          <a:off x="0" y="0"/>
+          <a:ext cx="0" cy="0"/>
+          <a:chOff x="0" y="0"/>
+          <a:chExt cx="0" cy="0"/>
+        </a:xfrm>
+      </p:grpSpPr>
+      <p:sp>
+        <p:nvSpPr>
+          <p:cNvPr id="2" name="Title 1">
+            <a:extLst>
+              <a:ext uri="{FF2B5EF4-FFF2-40B4-BE49-F238E27FC236}">
+                <a16:creationId xmlns:a16="http://schemas.microsoft.com/office/drawing/2014/main" id="{00D5EF56-4D4D-4557-9001-3772A5B1D624}"/>
+              </a:ext>
+            </a:extLst>
+          </p:cNvPr>
+          <p:cNvSpPr>
+            <a:spLocks noGrp="1"/>
+          </p:cNvSpPr>
+          <p:nvPr>
+            <p:ph type="title"/>
+          </p:nvPr>
+        </p:nvSpPr>
+        <p:spPr>
+          <a:xfrm>
+            <a:off x="2205228" y="415031"/>
+            <a:ext cx="7781544" cy="859055"/>
+          </a:xfrm>
+        </p:spPr>
+        <p:txBody>
+          <a:bodyPr/>
+          <a:lstStyle/>
+          <a:p>
+            <a:pPr algn="ctr"/>
+            <a:r>
+              <a:rPr lang="lv-LV" dirty="0"/>
+              <a:t>Uzdevums 2</a:t>
+            </a:r>
+            <a:endParaRPr lang="en-US" dirty="0"/>
+          </a:p>
+        </p:txBody>
+      </p:sp>
+      <p:sp>
+        <p:nvSpPr>
+          <p:cNvPr id="3" name="Text Placeholder 2">
+            <a:extLst>
+              <a:ext uri="{FF2B5EF4-FFF2-40B4-BE49-F238E27FC236}">
+                <a16:creationId xmlns:a16="http://schemas.microsoft.com/office/drawing/2014/main" id="{A288DF63-3AE4-436B-BBD2-E018A8CE21B1}"/>
+              </a:ext>
+            </a:extLst>
+          </p:cNvPr>
+          <p:cNvSpPr>
+            <a:spLocks noGrp="1"/>
+          </p:cNvSpPr>
+          <p:nvPr>
+            <p:ph type="body" idx="1"/>
+          </p:nvPr>
+        </p:nvSpPr>
+        <p:spPr>
+          <a:xfrm>
+            <a:off x="1266547" y="1278665"/>
+            <a:ext cx="9658905" cy="5406114"/>
+          </a:xfrm>
+        </p:spPr>
+        <p:txBody>
+          <a:bodyPr>
+            <a:normAutofit/>
+          </a:bodyPr>
+          <a:lstStyle/>
+          <a:p>
+            <a:pPr algn="ctr">
+              <a:lnSpc>
+                <a:spcPct val="150000"/>
+              </a:lnSpc>
+            </a:pPr>
+            <a:r>
+              <a:rPr lang="lv-LV" sz="2800" spc="0" dirty="0">
+                <a:solidFill>
+                  <a:schemeClr val="accent4">
+                    <a:lumMod val="20000"/>
+                    <a:lumOff val="80000"/>
+                  </a:schemeClr>
+                </a:solidFill>
+              </a:rPr>
+              <a:t>Izveido programmu , kas funkcijā aprēķina lietotāja vecumu pēc viņa dzimšanas gada , ko lietotājs ievada ārpus funkcijas.</a:t>
+            </a:r>
+          </a:p>
+          <a:p>
+            <a:pPr algn="ctr">
+              <a:lnSpc>
+                <a:spcPct val="150000"/>
+              </a:lnSpc>
+            </a:pPr>
+            <a:r>
+              <a:rPr lang="lv-LV" sz="2800" spc="0" dirty="0">
+                <a:solidFill>
+                  <a:schemeClr val="accent4">
+                    <a:lumMod val="20000"/>
+                    <a:lumOff val="80000"/>
+                  </a:schemeClr>
+                </a:solidFill>
+              </a:rPr>
+              <a:t>Programma izvada tekstu «Jūs esat (vecums) gadus vecs »</a:t>
+            </a:r>
+            <a:endParaRPr lang="lv-LV" sz="2800" spc="0" dirty="0"/>
+          </a:p>
+          <a:p>
+            <a:pPr algn="ctr">
+              <a:lnSpc>
+                <a:spcPct val="150000"/>
+              </a:lnSpc>
+            </a:pPr>
+            <a:endParaRPr lang="lv-LV" sz="2800" spc="0" dirty="0"/>
+          </a:p>
+          <a:p>
+            <a:pPr algn="r">
+              <a:lnSpc>
+                <a:spcPct val="150000"/>
+              </a:lnSpc>
+            </a:pPr>
+            <a:r>
+              <a:rPr lang="lv-LV" sz="2800" spc="0" dirty="0"/>
+              <a:t>Atrisinājums nākamajā slaidā</a:t>
+            </a:r>
+            <a:endParaRPr lang="en-US" sz="2800" spc="0" dirty="0"/>
+          </a:p>
+        </p:txBody>
+      </p:sp>
+      <p:sp>
+        <p:nvSpPr>
+          <p:cNvPr id="4" name="Slide Number Placeholder 3">
+            <a:extLst>
+              <a:ext uri="{FF2B5EF4-FFF2-40B4-BE49-F238E27FC236}">
+                <a16:creationId xmlns:a16="http://schemas.microsoft.com/office/drawing/2014/main" id="{17EE5856-6576-410B-8D8F-AE5DC6FA9B71}"/>
+              </a:ext>
+            </a:extLst>
+          </p:cNvPr>
+          <p:cNvSpPr>
+            <a:spLocks noGrp="1"/>
+          </p:cNvSpPr>
+          <p:nvPr>
+            <p:ph type="sldNum" sz="quarter" idx="12"/>
+          </p:nvPr>
+        </p:nvSpPr>
+        <p:spPr/>
+        <p:txBody>
+          <a:bodyPr/>
+          <a:lstStyle/>
+          <a:p>
+            <a:fld id="{C263D6C4-4840-40CC-AC84-17E24B3B7BDE}" type="slidenum">
+              <a:rPr lang="en-US" noProof="0" smtClean="0"/>
+              <a:pPr/>
+              <a:t>13</a:t>
+            </a:fld>
+            <a:endParaRPr lang="en-US" noProof="0" dirty="0"/>
+          </a:p>
+        </p:txBody>
+      </p:sp>
+    </p:spTree>
+    <p:extLst>
+      <p:ext uri="{BB962C8B-B14F-4D97-AF65-F5344CB8AC3E}">
+        <p14:creationId xmlns:p14="http://schemas.microsoft.com/office/powerpoint/2010/main" val="1577425906"/>
+      </p:ext>
+    </p:extLst>
+  </p:cSld>
+  <p:clrMapOvr>
+    <a:masterClrMapping/>
+  </p:clrMapOvr>
+  <mc:AlternateContent xmlns:mc="http://schemas.openxmlformats.org/markup-compatibility/2006" xmlns:p159="http://schemas.microsoft.com/office/powerpoint/2015/09/main">
+    <mc:Choice Requires="p159">
+      <p:transition xmlns:p14="http://schemas.microsoft.com/office/powerpoint/2010/main" spd="slow" p14:dur="2000">
+        <p159:morph option="byObject"/>
+      </p:transition>
+    </mc:Choice>
+    <mc:Fallback xmlns="">
+      <p:transition spd="slow">
+        <p:fade/>
+      </p:transition>
+    </mc:Fallback>
+  </mc:AlternateContent>
+</p:sld>
+</file>
+
+<file path=ppt/slides/slide14.xml><?xml version="1.0" encoding="utf-8"?>
+<p:sld xmlns:a="http://schemas.openxmlformats.org/drawingml/2006/main" xmlns:r="http://schemas.openxmlformats.org/officeDocument/2006/relationships" xmlns:p="http://schemas.openxmlformats.org/presentationml/2006/main">
+  <p:cSld>
+    <p:spTree>
+      <p:nvGrpSpPr>
+        <p:cNvPr id="1" name=""/>
+        <p:cNvGrpSpPr/>
+        <p:nvPr/>
+      </p:nvGrpSpPr>
+      <p:grpSpPr>
+        <a:xfrm>
+          <a:off x="0" y="0"/>
+          <a:ext cx="0" cy="0"/>
+          <a:chOff x="0" y="0"/>
+          <a:chExt cx="0" cy="0"/>
+        </a:xfrm>
+      </p:grpSpPr>
+      <p:sp>
+        <p:nvSpPr>
+          <p:cNvPr id="2" name="Title 1">
+            <a:extLst>
+              <a:ext uri="{FF2B5EF4-FFF2-40B4-BE49-F238E27FC236}">
+                <a16:creationId xmlns:a16="http://schemas.microsoft.com/office/drawing/2014/main" id="{00D5EF56-4D4D-4557-9001-3772A5B1D624}"/>
+              </a:ext>
+            </a:extLst>
+          </p:cNvPr>
+          <p:cNvSpPr>
+            <a:spLocks noGrp="1"/>
+          </p:cNvSpPr>
+          <p:nvPr>
+            <p:ph type="title"/>
+          </p:nvPr>
+        </p:nvSpPr>
+        <p:spPr>
+          <a:xfrm>
+            <a:off x="2205228" y="415031"/>
+            <a:ext cx="7781544" cy="859055"/>
+          </a:xfrm>
+        </p:spPr>
+        <p:txBody>
+          <a:bodyPr/>
+          <a:lstStyle/>
+          <a:p>
+            <a:pPr algn="ctr"/>
+            <a:r>
+              <a:rPr lang="lv-LV" dirty="0"/>
+              <a:t>Uzdevums 2</a:t>
+            </a:r>
+            <a:endParaRPr lang="en-US" dirty="0"/>
+          </a:p>
+        </p:txBody>
+      </p:sp>
+      <p:sp>
+        <p:nvSpPr>
+          <p:cNvPr id="4" name="Slide Number Placeholder 3">
+            <a:extLst>
+              <a:ext uri="{FF2B5EF4-FFF2-40B4-BE49-F238E27FC236}">
+                <a16:creationId xmlns:a16="http://schemas.microsoft.com/office/drawing/2014/main" id="{17EE5856-6576-410B-8D8F-AE5DC6FA9B71}"/>
+              </a:ext>
+            </a:extLst>
+          </p:cNvPr>
+          <p:cNvSpPr>
+            <a:spLocks noGrp="1"/>
+          </p:cNvSpPr>
+          <p:nvPr>
+            <p:ph type="sldNum" sz="quarter" idx="12"/>
+          </p:nvPr>
+        </p:nvSpPr>
+        <p:spPr/>
+        <p:txBody>
+          <a:bodyPr/>
+          <a:lstStyle/>
+          <a:p>
+            <a:fld id="{C263D6C4-4840-40CC-AC84-17E24B3B7BDE}" type="slidenum">
+              <a:rPr lang="en-US" noProof="0" smtClean="0"/>
+              <a:pPr/>
+              <a:t>14</a:t>
+            </a:fld>
+            <a:endParaRPr lang="en-US" noProof="0" dirty="0"/>
+          </a:p>
+        </p:txBody>
+      </p:sp>
+      <p:pic>
+        <p:nvPicPr>
+          <p:cNvPr id="5" name="Picture 4">
+            <a:extLst>
+              <a:ext uri="{FF2B5EF4-FFF2-40B4-BE49-F238E27FC236}">
+                <a16:creationId xmlns:a16="http://schemas.microsoft.com/office/drawing/2014/main" id="{09AA6A8B-353E-4141-BEAD-5EDF96FACA01}"/>
+              </a:ext>
+            </a:extLst>
+          </p:cNvPr>
+          <p:cNvPicPr>
+            <a:picLocks noChangeAspect="1"/>
+          </p:cNvPicPr>
+          <p:nvPr/>
+        </p:nvPicPr>
+        <p:blipFill>
+          <a:blip r:embed="rId2"/>
+          <a:stretch>
+            <a:fillRect/>
+          </a:stretch>
+        </p:blipFill>
+        <p:spPr>
+          <a:xfrm>
+            <a:off x="0" y="1911905"/>
+            <a:ext cx="12192000" cy="4064000"/>
+          </a:xfrm>
+          <a:prstGeom prst="rect">
+            <a:avLst/>
+          </a:prstGeom>
+        </p:spPr>
+      </p:pic>
+    </p:spTree>
+    <p:extLst>
+      <p:ext uri="{BB962C8B-B14F-4D97-AF65-F5344CB8AC3E}">
+        <p14:creationId xmlns:p14="http://schemas.microsoft.com/office/powerpoint/2010/main" val="2570917820"/>
+      </p:ext>
+    </p:extLst>
+  </p:cSld>
+  <p:clrMapOvr>
+    <a:masterClrMapping/>
+  </p:clrMapOvr>
+  <mc:AlternateContent xmlns:mc="http://schemas.openxmlformats.org/markup-compatibility/2006" xmlns:p159="http://schemas.microsoft.com/office/powerpoint/2015/09/main">
+    <mc:Choice Requires="p159">
+      <p:transition xmlns:p14="http://schemas.microsoft.com/office/powerpoint/2010/main" spd="slow" p14:dur="2000">
+        <p159:morph option="byObject"/>
+      </p:transition>
+    </mc:Choice>
+    <mc:Fallback xmlns="">
+      <p:transition spd="slow">
+        <p:fade/>
+      </p:transition>
+    </mc:Fallback>
+  </mc:AlternateContent>
+</p:sld>
+</file>
+
+<file path=ppt/slides/slide15.xml><?xml version="1.0" encoding="utf-8"?>
+<p:sld xmlns:a="http://schemas.openxmlformats.org/drawingml/2006/main" xmlns:r="http://schemas.openxmlformats.org/officeDocument/2006/relationships" xmlns:p="http://schemas.openxmlformats.org/presentationml/2006/main">
+  <p:cSld>
+    <p:spTree>
+      <p:nvGrpSpPr>
+        <p:cNvPr id="1" name=""/>
+        <p:cNvGrpSpPr/>
+        <p:nvPr/>
+      </p:nvGrpSpPr>
+      <p:grpSpPr>
+        <a:xfrm>
+          <a:off x="0" y="0"/>
+          <a:ext cx="0" cy="0"/>
+          <a:chOff x="0" y="0"/>
+          <a:chExt cx="0" cy="0"/>
+        </a:xfrm>
+      </p:grpSpPr>
+      <p:sp>
+        <p:nvSpPr>
+          <p:cNvPr id="2" name="Title 1">
+            <a:extLst>
+              <a:ext uri="{FF2B5EF4-FFF2-40B4-BE49-F238E27FC236}">
+                <a16:creationId xmlns:a16="http://schemas.microsoft.com/office/drawing/2014/main" id="{00D5EF56-4D4D-4557-9001-3772A5B1D624}"/>
+              </a:ext>
+            </a:extLst>
+          </p:cNvPr>
+          <p:cNvSpPr>
+            <a:spLocks noGrp="1"/>
+          </p:cNvSpPr>
+          <p:nvPr>
+            <p:ph type="title"/>
+          </p:nvPr>
+        </p:nvSpPr>
+        <p:spPr>
+          <a:xfrm>
+            <a:off x="2205228" y="415031"/>
+            <a:ext cx="7781544" cy="859055"/>
+          </a:xfrm>
+        </p:spPr>
+        <p:txBody>
+          <a:bodyPr/>
+          <a:lstStyle/>
+          <a:p>
+            <a:pPr algn="ctr"/>
+            <a:r>
+              <a:rPr lang="lv-LV" dirty="0"/>
+              <a:t>Uzdevums 3</a:t>
+            </a:r>
+            <a:endParaRPr lang="en-US" dirty="0"/>
+          </a:p>
+        </p:txBody>
+      </p:sp>
+      <p:sp>
+        <p:nvSpPr>
+          <p:cNvPr id="3" name="Text Placeholder 2">
+            <a:extLst>
+              <a:ext uri="{FF2B5EF4-FFF2-40B4-BE49-F238E27FC236}">
+                <a16:creationId xmlns:a16="http://schemas.microsoft.com/office/drawing/2014/main" id="{A288DF63-3AE4-436B-BBD2-E018A8CE21B1}"/>
+              </a:ext>
+            </a:extLst>
+          </p:cNvPr>
+          <p:cNvSpPr>
+            <a:spLocks noGrp="1"/>
+          </p:cNvSpPr>
+          <p:nvPr>
+            <p:ph type="body" idx="1"/>
+          </p:nvPr>
+        </p:nvSpPr>
+        <p:spPr>
+          <a:xfrm>
+            <a:off x="1266547" y="1278665"/>
+            <a:ext cx="9658905" cy="5406114"/>
+          </a:xfrm>
+        </p:spPr>
+        <p:txBody>
+          <a:bodyPr>
+            <a:normAutofit/>
+          </a:bodyPr>
+          <a:lstStyle/>
+          <a:p>
+            <a:pPr algn="ctr">
+              <a:lnSpc>
+                <a:spcPct val="150000"/>
+              </a:lnSpc>
+            </a:pPr>
+            <a:r>
+              <a:rPr lang="lv-LV" sz="2800" spc="0" dirty="0">
+                <a:solidFill>
+                  <a:schemeClr val="accent4">
+                    <a:lumMod val="20000"/>
+                    <a:lumOff val="80000"/>
+                  </a:schemeClr>
+                </a:solidFill>
+              </a:rPr>
+              <a:t>Izveido programmu , kura pajautā pēdu (mērvienības) daudzumu un tad funkcijā to pārveido uz metriem un noapaļo līdz 2 cipariem aiz komata . Pēc tam izvada tekstu «(pēdas) pēdas ir (metri) metros »</a:t>
+            </a:r>
+            <a:endParaRPr lang="lv-LV" sz="2800" spc="0" dirty="0"/>
+          </a:p>
+          <a:p>
+            <a:pPr algn="ctr">
+              <a:lnSpc>
+                <a:spcPct val="150000"/>
+              </a:lnSpc>
+            </a:pPr>
+            <a:endParaRPr lang="lv-LV" sz="2800" spc="0" dirty="0"/>
+          </a:p>
+          <a:p>
+            <a:pPr algn="r">
+              <a:lnSpc>
+                <a:spcPct val="150000"/>
+              </a:lnSpc>
+            </a:pPr>
+            <a:r>
+              <a:rPr lang="lv-LV" sz="2800" spc="0" dirty="0"/>
+              <a:t>Atrisinājums nākamajā slaidā</a:t>
+            </a:r>
+            <a:endParaRPr lang="en-US" sz="2800" spc="0" dirty="0"/>
+          </a:p>
+        </p:txBody>
+      </p:sp>
+      <p:sp>
+        <p:nvSpPr>
+          <p:cNvPr id="4" name="Slide Number Placeholder 3">
+            <a:extLst>
+              <a:ext uri="{FF2B5EF4-FFF2-40B4-BE49-F238E27FC236}">
+                <a16:creationId xmlns:a16="http://schemas.microsoft.com/office/drawing/2014/main" id="{17EE5856-6576-410B-8D8F-AE5DC6FA9B71}"/>
+              </a:ext>
+            </a:extLst>
+          </p:cNvPr>
+          <p:cNvSpPr>
+            <a:spLocks noGrp="1"/>
+          </p:cNvSpPr>
+          <p:nvPr>
+            <p:ph type="sldNum" sz="quarter" idx="12"/>
+          </p:nvPr>
+        </p:nvSpPr>
+        <p:spPr/>
+        <p:txBody>
+          <a:bodyPr/>
+          <a:lstStyle/>
+          <a:p>
+            <a:fld id="{C263D6C4-4840-40CC-AC84-17E24B3B7BDE}" type="slidenum">
+              <a:rPr lang="en-US" noProof="0" smtClean="0"/>
+              <a:pPr/>
+              <a:t>15</a:t>
+            </a:fld>
+            <a:endParaRPr lang="en-US" noProof="0" dirty="0"/>
+          </a:p>
+        </p:txBody>
+      </p:sp>
+    </p:spTree>
+    <p:extLst>
+      <p:ext uri="{BB962C8B-B14F-4D97-AF65-F5344CB8AC3E}">
+        <p14:creationId xmlns:p14="http://schemas.microsoft.com/office/powerpoint/2010/main" val="1656087966"/>
+      </p:ext>
+    </p:extLst>
+  </p:cSld>
+  <p:clrMapOvr>
+    <a:masterClrMapping/>
+  </p:clrMapOvr>
+  <mc:AlternateContent xmlns:mc="http://schemas.openxmlformats.org/markup-compatibility/2006" xmlns:p159="http://schemas.microsoft.com/office/powerpoint/2015/09/main">
+    <mc:Choice Requires="p159">
+      <p:transition xmlns:p14="http://schemas.microsoft.com/office/powerpoint/2010/main" spd="slow" p14:dur="2000">
+        <p159:morph option="byObject"/>
+      </p:transition>
+    </mc:Choice>
+    <mc:Fallback xmlns="">
+      <p:transition spd="slow">
+        <p:fade/>
+      </p:transition>
+    </mc:Fallback>
+  </mc:AlternateContent>
+</p:sld>
+</file>
+
+<file path=ppt/slides/slide16.xml><?xml version="1.0" encoding="utf-8"?>
+<p:sld xmlns:a="http://schemas.openxmlformats.org/drawingml/2006/main" xmlns:r="http://schemas.openxmlformats.org/officeDocument/2006/relationships" xmlns:p="http://schemas.openxmlformats.org/presentationml/2006/main">
+  <p:cSld>
+    <p:spTree>
+      <p:nvGrpSpPr>
+        <p:cNvPr id="1" name=""/>
+        <p:cNvGrpSpPr/>
+        <p:nvPr/>
+      </p:nvGrpSpPr>
+      <p:grpSpPr>
+        <a:xfrm>
+          <a:off x="0" y="0"/>
+          <a:ext cx="0" cy="0"/>
+          <a:chOff x="0" y="0"/>
+          <a:chExt cx="0" cy="0"/>
+        </a:xfrm>
+      </p:grpSpPr>
+      <p:sp>
+        <p:nvSpPr>
+          <p:cNvPr id="2" name="Title 1">
+            <a:extLst>
+              <a:ext uri="{FF2B5EF4-FFF2-40B4-BE49-F238E27FC236}">
+                <a16:creationId xmlns:a16="http://schemas.microsoft.com/office/drawing/2014/main" id="{00D5EF56-4D4D-4557-9001-3772A5B1D624}"/>
+              </a:ext>
+            </a:extLst>
+          </p:cNvPr>
+          <p:cNvSpPr>
+            <a:spLocks noGrp="1"/>
+          </p:cNvSpPr>
+          <p:nvPr>
+            <p:ph type="title"/>
+          </p:nvPr>
+        </p:nvSpPr>
+        <p:spPr>
+          <a:xfrm>
+            <a:off x="2205228" y="415031"/>
+            <a:ext cx="7781544" cy="859055"/>
+          </a:xfrm>
+        </p:spPr>
+        <p:txBody>
+          <a:bodyPr/>
+          <a:lstStyle/>
+          <a:p>
+            <a:pPr algn="ctr"/>
+            <a:r>
+              <a:rPr lang="lv-LV" dirty="0"/>
+              <a:t>Uzdevums 3</a:t>
+            </a:r>
+            <a:endParaRPr lang="en-US" dirty="0"/>
+          </a:p>
+        </p:txBody>
+      </p:sp>
+      <p:sp>
+        <p:nvSpPr>
+          <p:cNvPr id="4" name="Slide Number Placeholder 3">
+            <a:extLst>
+              <a:ext uri="{FF2B5EF4-FFF2-40B4-BE49-F238E27FC236}">
+                <a16:creationId xmlns:a16="http://schemas.microsoft.com/office/drawing/2014/main" id="{17EE5856-6576-410B-8D8F-AE5DC6FA9B71}"/>
+              </a:ext>
+            </a:extLst>
+          </p:cNvPr>
+          <p:cNvSpPr>
+            <a:spLocks noGrp="1"/>
+          </p:cNvSpPr>
+          <p:nvPr>
+            <p:ph type="sldNum" sz="quarter" idx="12"/>
+          </p:nvPr>
+        </p:nvSpPr>
+        <p:spPr/>
+        <p:txBody>
+          <a:bodyPr/>
+          <a:lstStyle/>
+          <a:p>
+            <a:fld id="{C263D6C4-4840-40CC-AC84-17E24B3B7BDE}" type="slidenum">
+              <a:rPr lang="en-US" noProof="0" smtClean="0"/>
+              <a:pPr/>
+              <a:t>16</a:t>
+            </a:fld>
+            <a:endParaRPr lang="en-US" noProof="0" dirty="0"/>
+          </a:p>
+        </p:txBody>
+      </p:sp>
+      <p:pic>
+        <p:nvPicPr>
+          <p:cNvPr id="8" name="Picture 7">
+            <a:extLst>
+              <a:ext uri="{FF2B5EF4-FFF2-40B4-BE49-F238E27FC236}">
+                <a16:creationId xmlns:a16="http://schemas.microsoft.com/office/drawing/2014/main" id="{295C0592-FC1A-4AA8-97C0-A8B35925D39B}"/>
+              </a:ext>
+            </a:extLst>
+          </p:cNvPr>
+          <p:cNvPicPr>
+            <a:picLocks noChangeAspect="1"/>
+          </p:cNvPicPr>
+          <p:nvPr/>
+        </p:nvPicPr>
+        <p:blipFill>
+          <a:blip r:embed="rId2"/>
+          <a:stretch>
+            <a:fillRect/>
+          </a:stretch>
+        </p:blipFill>
+        <p:spPr>
+          <a:xfrm>
+            <a:off x="0" y="1924902"/>
+            <a:ext cx="12192000" cy="3824941"/>
+          </a:xfrm>
+          <a:prstGeom prst="rect">
+            <a:avLst/>
+          </a:prstGeom>
+        </p:spPr>
+      </p:pic>
+    </p:spTree>
+    <p:extLst>
+      <p:ext uri="{BB962C8B-B14F-4D97-AF65-F5344CB8AC3E}">
+        <p14:creationId xmlns:p14="http://schemas.microsoft.com/office/powerpoint/2010/main" val="3456033642"/>
+      </p:ext>
+    </p:extLst>
+  </p:cSld>
+  <p:clrMapOvr>
+    <a:masterClrMapping/>
+  </p:clrMapOvr>
+  <mc:AlternateContent xmlns:mc="http://schemas.openxmlformats.org/markup-compatibility/2006" xmlns:p159="http://schemas.microsoft.com/office/powerpoint/2015/09/main">
+    <mc:Choice Requires="p159">
+      <p:transition xmlns:p14="http://schemas.microsoft.com/office/powerpoint/2010/main" spd="slow" p14:dur="2000">
+        <p159:morph option="byObject"/>
+      </p:transition>
+    </mc:Choice>
+    <mc:Fallback xmlns="">
+      <p:transition spd="slow">
+        <p:fade/>
+      </p:transition>
+    </mc:Fallback>
+  </mc:AlternateContent>
+</p:sld>
+</file>
+
+<file path=ppt/slides/slide17.xml><?xml version="1.0" encoding="utf-8"?>
 <p:sld xmlns:a="http://schemas.openxmlformats.org/drawingml/2006/main" xmlns:r="http://schemas.openxmlformats.org/officeDocument/2006/relationships" xmlns:p="http://schemas.openxmlformats.org/presentationml/2006/main">
   <p:cSld>
     <p:spTree>
@@ -26441,7 +27401,7 @@
             <a:fld id="{C263D6C4-4840-40CC-AC84-17E24B3B7BDE}" type="slidenum">
               <a:rPr lang="en-US" noProof="0" smtClean="0"/>
               <a:pPr/>
-              <a:t>11</a:t>
+              <a:t>17</a:t>
             </a:fld>
             <a:endParaRPr lang="en-US" noProof="0" dirty="0"/>
           </a:p>
@@ -26471,7 +27431,7 @@
         </p:spPr>
         <p:txBody>
           <a:bodyPr>
-            <a:normAutofit lnSpcReduction="10000"/>
+            <a:normAutofit/>
           </a:bodyPr>
           <a:lstStyle/>
           <a:p>
@@ -26555,10 +27515,8 @@
             </a:r>
             <a:r>
               <a:rPr lang="lv-LV" sz="2800" dirty="0"/>
-              <a:t> (Man vajadzēja palīdzību ar skaidrošanu)</a:t>
+              <a:t> </a:t>
             </a:r>
-          </a:p>
-          <a:p>
             <a:endParaRPr lang="en-US" sz="2800" dirty="0"/>
           </a:p>
         </p:txBody>
@@ -26573,11 +27531,11 @@
   <p:clrMapOvr>
     <a:masterClrMapping/>
   </p:clrMapOvr>
-  <mc:AlternateContent xmlns:mc="http://schemas.openxmlformats.org/markup-compatibility/2006">
-    <mc:Choice xmlns:p14="http://schemas.microsoft.com/office/powerpoint/2010/main" Requires="p14">
+  <mc:AlternateContent xmlns:mc="http://schemas.openxmlformats.org/markup-compatibility/2006" xmlns:p14="http://schemas.microsoft.com/office/powerpoint/2010/main">
+    <mc:Choice Requires="p14">
       <p:transition p14:dur="0"/>
     </mc:Choice>
-    <mc:Fallback>
+    <mc:Fallback xmlns="">
       <p:transition/>
     </mc:Fallback>
   </mc:AlternateContent>
@@ -26753,13 +27711,13 @@
   <p:clrMapOvr>
     <a:masterClrMapping/>
   </p:clrMapOvr>
-  <mc:AlternateContent xmlns:mc="http://schemas.openxmlformats.org/markup-compatibility/2006">
-    <mc:Choice xmlns:p159="http://schemas.microsoft.com/office/powerpoint/2015/09/main" Requires="p159">
+  <mc:AlternateContent xmlns:mc="http://schemas.openxmlformats.org/markup-compatibility/2006" xmlns:p159="http://schemas.microsoft.com/office/powerpoint/2015/09/main">
+    <mc:Choice Requires="p159">
       <p:transition xmlns:p14="http://schemas.microsoft.com/office/powerpoint/2010/main" spd="slow" p14:dur="2000">
         <p159:morph option="byObject"/>
       </p:transition>
     </mc:Choice>
-    <mc:Fallback>
+    <mc:Fallback xmlns="">
       <p:transition spd="slow">
         <p:fade/>
       </p:transition>
@@ -26907,7 +27865,7 @@
                   <a:schemeClr val="bg1"/>
                 </a:solidFill>
               </a:rPr>
-              <a:t> valodā atšķirībā no citām valodām ir ļoti viegli!</a:t>
+              <a:t> valodā, atšķirībā no citām valodām , ir ļoti viegli!</a:t>
             </a:r>
           </a:p>
           <a:p>
@@ -26924,7 +27882,7 @@
                   <a:schemeClr val="bg1"/>
                 </a:solidFill>
               </a:rPr>
-              <a:t>To var izveidot izmantojot atslēgas vārdu  «</a:t>
+              <a:t>To var izveidot , izmantojot atslēgas vārdu «</a:t>
             </a:r>
             <a:r>
               <a:rPr lang="lv-LV" sz="7000" spc="0" dirty="0" err="1">
@@ -26940,7 +27898,7 @@
                   <a:schemeClr val="bg1"/>
                 </a:solidFill>
               </a:rPr>
-              <a:t>» un tad iedodot funkcijai nosaukumu nobeidzot to ar iekavām un kolu. Piem. </a:t>
+              <a:t> » un tad iedodot funkcijai nosaukumu , nobeidzot to ar iekavām un kolu. Piemēram, </a:t>
             </a:r>
             <a:r>
               <a:rPr lang="lv-LV" sz="7000" spc="0" dirty="0" err="1">
@@ -26958,8 +27916,6 @@
               </a:rPr>
               <a:t> funkcija():</a:t>
             </a:r>
-          </a:p>
-          <a:p>
             <a:endParaRPr lang="en-US" spc="0" dirty="0">
               <a:solidFill>
                 <a:schemeClr val="bg1"/>
@@ -27038,13 +27994,13 @@
   <p:clrMapOvr>
     <a:masterClrMapping/>
   </p:clrMapOvr>
-  <mc:AlternateContent xmlns:mc="http://schemas.openxmlformats.org/markup-compatibility/2006">
-    <mc:Choice xmlns:p159="http://schemas.microsoft.com/office/powerpoint/2015/09/main" Requires="p159">
+  <mc:AlternateContent xmlns:mc="http://schemas.openxmlformats.org/markup-compatibility/2006" xmlns:p159="http://schemas.microsoft.com/office/powerpoint/2015/09/main">
+    <mc:Choice Requires="p159">
       <p:transition xmlns:p14="http://schemas.microsoft.com/office/powerpoint/2010/main" spd="slow" p14:dur="2000">
         <p159:morph option="byObject"/>
       </p:transition>
     </mc:Choice>
-    <mc:Fallback>
+    <mc:Fallback xmlns="">
       <p:transition spd="slow">
         <p:fade/>
       </p:transition>
@@ -27086,11 +28042,27 @@
             <p:ph type="title"/>
           </p:nvPr>
         </p:nvSpPr>
-        <p:spPr/>
+        <p:spPr>
+          <a:xfrm>
+            <a:off x="444500" y="542925"/>
+            <a:ext cx="11214100" cy="840230"/>
+          </a:xfrm>
+        </p:spPr>
         <p:txBody>
           <a:bodyPr/>
           <a:lstStyle/>
           <a:p>
+            <a:r>
+              <a:rPr lang="lv-LV" sz="5400" dirty="0">
+                <a:solidFill>
+                  <a:schemeClr val="accent4">
+                    <a:lumMod val="60000"/>
+                    <a:lumOff val="40000"/>
+                  </a:schemeClr>
+                </a:solidFill>
+              </a:rPr>
+              <a:t>Funkcijas</a:t>
+            </a:r>
             <a:r>
               <a:rPr lang="lv-LV" dirty="0">
                 <a:solidFill>
@@ -27100,9 +28072,20 @@
                   </a:schemeClr>
                 </a:solidFill>
               </a:rPr>
-              <a:t>Funkcijas izsaukšana</a:t>
+              <a:t> </a:t>
             </a:r>
-            <a:endParaRPr lang="en-US" dirty="0">
+            <a:r>
+              <a:rPr lang="lv-LV" sz="5400" dirty="0">
+                <a:solidFill>
+                  <a:schemeClr val="accent4">
+                    <a:lumMod val="60000"/>
+                    <a:lumOff val="40000"/>
+                  </a:schemeClr>
+                </a:solidFill>
+              </a:rPr>
+              <a:t>izsaukšana</a:t>
+            </a:r>
+            <a:endParaRPr lang="en-US" sz="5400" dirty="0">
               <a:solidFill>
                 <a:schemeClr val="accent4">
                   <a:lumMod val="60000"/>
@@ -27144,7 +28127,7 @@
             </a:pPr>
             <a:r>
               <a:rPr lang="lv-LV" sz="2800" dirty="0"/>
-              <a:t>Lai izsauktu funkciju jāieraksta funkcijas nosaukums un iekavas aiz tā</a:t>
+              <a:t>Lai izsauktu funkciju jāieraksta funkcijas nosaukums un iekavas aiz tā.</a:t>
             </a:r>
           </a:p>
           <a:p>
@@ -27241,13 +28224,13 @@
   <p:clrMapOvr>
     <a:masterClrMapping/>
   </p:clrMapOvr>
-  <mc:AlternateContent xmlns:mc="http://schemas.openxmlformats.org/markup-compatibility/2006">
-    <mc:Choice xmlns:p159="http://schemas.microsoft.com/office/powerpoint/2015/09/main" Requires="p159">
+  <mc:AlternateContent xmlns:mc="http://schemas.openxmlformats.org/markup-compatibility/2006" xmlns:p159="http://schemas.microsoft.com/office/powerpoint/2015/09/main">
+    <mc:Choice Requires="p159">
       <p:transition xmlns:p14="http://schemas.microsoft.com/office/powerpoint/2010/main" spd="slow" p14:dur="2000">
         <p159:morph option="byObject"/>
       </p:transition>
     </mc:Choice>
-    <mc:Fallback>
+    <mc:Fallback xmlns="">
       <p:transition spd="slow">
         <p:fade/>
       </p:transition>
@@ -27407,7 +28390,7 @@
                   <a:schemeClr val="bg1"/>
                 </a:solidFill>
               </a:rPr>
-              <a:t>Argumenti tiek norādīti pēc funkcijas nosaukuma, iekavās. Argumentu daudzums ir neierobežots tos var veidot, cik vēlās — tos atdala ar komatu.</a:t>
+              <a:t>Argumenti tiek norādīti pēc funkcijas nosaukuma , iekavās. Argumentu daudzums ir neierobežots ; tos var veidot tik , cik vēlas — tos atdala ar komatu.</a:t>
             </a:r>
           </a:p>
           <a:p>
@@ -27422,7 +28405,7 @@
                   <a:schemeClr val="bg1"/>
                 </a:solidFill>
               </a:rPr>
-              <a:t>Argumentus bieži vien saīsina uz </a:t>
+              <a:t>Argumentus bieži vien saīsina uz " </a:t>
             </a:r>
             <a:r>
               <a:rPr lang="lv-LV" sz="3200" spc="0" dirty="0" err="1">
@@ -27431,6 +28414,14 @@
                 </a:solidFill>
               </a:rPr>
               <a:t>args</a:t>
+            </a:r>
+            <a:r>
+              <a:rPr lang="lv-LV" sz="3200" spc="0" dirty="0">
+                <a:solidFill>
+                  <a:schemeClr val="bg1"/>
+                </a:solidFill>
+              </a:rPr>
+              <a:t> "</a:t>
             </a:r>
             <a:endParaRPr lang="en-US" sz="3200" spc="0" dirty="0">
               <a:solidFill>
@@ -27510,13 +28501,13 @@
   <p:clrMapOvr>
     <a:masterClrMapping/>
   </p:clrMapOvr>
-  <mc:AlternateContent xmlns:mc="http://schemas.openxmlformats.org/markup-compatibility/2006">
-    <mc:Choice xmlns:p159="http://schemas.microsoft.com/office/powerpoint/2015/09/main" Requires="p159">
+  <mc:AlternateContent xmlns:mc="http://schemas.openxmlformats.org/markup-compatibility/2006" xmlns:p159="http://schemas.microsoft.com/office/powerpoint/2015/09/main">
+    <mc:Choice Requires="p159">
       <p:transition xmlns:p14="http://schemas.microsoft.com/office/powerpoint/2010/main" spd="slow" p14:dur="2000">
         <p159:morph option="byObject"/>
       </p:transition>
     </mc:Choice>
-    <mc:Fallback>
+    <mc:Fallback xmlns="">
       <p:transition spd="slow">
         <p:fade/>
       </p:transition>
@@ -27629,19 +28620,16 @@
           <a:p>
             <a:r>
               <a:rPr lang="lv-LV" sz="2800" dirty="0"/>
-              <a:t>Funkcijas ir jāizsauc ar pareizu argumentu daudzumu. Piemēram, ja funkcija sagaida 2 argumentus, tad tev arī jāiedod 2 argumentus, ne vairāk, ne mazāk.</a:t>
+              <a:t>Funkcijas ir jāizsauc ar pareizu argumentu daudzumu. Piemēram, ja funkcija sagaida 2 argumentus, tad tev arī jāiedod 2 argumentus , ne vairāk, ne mazāk.</a:t>
             </a:r>
           </a:p>
           <a:p>
-            <a:pPr marL="0" indent="0">
-              <a:buNone/>
-            </a:pPr>
             <a:endParaRPr lang="lv-LV" sz="2800" dirty="0"/>
           </a:p>
           <a:p>
             <a:r>
               <a:rPr lang="lv-LV" sz="2800" dirty="0"/>
-              <a:t>Ja šim kodam būtu iedots tikai viens arguments kods nestrādātu.</a:t>
+              <a:t>Ja šim kodam būtu iedots tikai viens arguments , kods nestrādātu.</a:t>
             </a:r>
             <a:endParaRPr lang="en-US" sz="2800" dirty="0"/>
           </a:p>
@@ -27747,13 +28735,13 @@
   <p:clrMapOvr>
     <a:masterClrMapping/>
   </p:clrMapOvr>
-  <mc:AlternateContent xmlns:mc="http://schemas.openxmlformats.org/markup-compatibility/2006">
-    <mc:Choice xmlns:p159="http://schemas.microsoft.com/office/powerpoint/2015/09/main" Requires="p159">
+  <mc:AlternateContent xmlns:mc="http://schemas.openxmlformats.org/markup-compatibility/2006" xmlns:p159="http://schemas.microsoft.com/office/powerpoint/2015/09/main">
+    <mc:Choice Requires="p159">
       <p:transition xmlns:p14="http://schemas.microsoft.com/office/powerpoint/2010/main" spd="slow" p14:dur="2000">
         <p159:morph option="byObject"/>
       </p:transition>
     </mc:Choice>
-    <mc:Fallback>
+    <mc:Fallback xmlns="">
       <p:transition spd="slow">
         <p:fade/>
       </p:transition>
@@ -27866,7 +28854,7 @@
           <a:p>
             <a:r>
               <a:rPr lang="lv-LV" sz="2800" dirty="0"/>
-              <a:t>Ja nevēlies lai secība ir svarīga var definēt vairākus argumentus un katram piešķirt vērtību.  </a:t>
+              <a:t>Ja nevēlies , lai secība ir svarīga , var definēt vairākus argumentus un katram piešķirt vērtību.</a:t>
             </a:r>
             <a:endParaRPr lang="en-US" sz="2800" dirty="0"/>
           </a:p>
@@ -27942,13 +28930,13 @@
   <p:clrMapOvr>
     <a:masterClrMapping/>
   </p:clrMapOvr>
-  <mc:AlternateContent xmlns:mc="http://schemas.openxmlformats.org/markup-compatibility/2006">
-    <mc:Choice xmlns:p159="http://schemas.microsoft.com/office/powerpoint/2015/09/main" Requires="p159">
+  <mc:AlternateContent xmlns:mc="http://schemas.openxmlformats.org/markup-compatibility/2006" xmlns:p159="http://schemas.microsoft.com/office/powerpoint/2015/09/main">
+    <mc:Choice Requires="p159">
       <p:transition xmlns:p14="http://schemas.microsoft.com/office/powerpoint/2010/main" spd="slow" p14:dur="2000">
         <p159:morph option="byObject"/>
       </p:transition>
     </mc:Choice>
-    <mc:Fallback>
+    <mc:Fallback xmlns="">
       <p:transition spd="slow">
         <p:fade/>
       </p:transition>
@@ -28082,13 +29070,16 @@
           <a:p>
             <a:r>
               <a:rPr lang="lv-LV" sz="2800" dirty="0"/>
-              <a:t>Ja nav zināms cik argumentus nodosi funkcijai, tad funkcijas definīcijā pirms parametra nosaukuma jāraksta «*»</a:t>
+              <a:t>Ja nav zināms , cik argumentus nodosi funkcijai, tad funkcijas definīcijā pirms parametra nosaukuma jāraksta «*».</a:t>
             </a:r>
+          </a:p>
+          <a:p>
+            <a:endParaRPr lang="lv-LV" sz="2800" dirty="0"/>
           </a:p>
           <a:p>
             <a:r>
               <a:rPr lang="lv-LV" sz="2800" dirty="0"/>
-              <a:t>Patvaļīgos argumentus bieži saīsina uz «*</a:t>
+              <a:t> Patvaļīgos argumentus bieži saīsina uz «*</a:t>
             </a:r>
             <a:r>
               <a:rPr lang="lv-LV" sz="2800" dirty="0" err="1"/>
@@ -28096,11 +29087,8 @@
             </a:r>
             <a:r>
               <a:rPr lang="lv-LV" sz="2800" dirty="0"/>
-              <a:t>»</a:t>
+              <a:t> »</a:t>
             </a:r>
-            <a:endParaRPr lang="en-US" sz="2800" dirty="0"/>
-          </a:p>
-          <a:p>
             <a:endParaRPr lang="en-US" dirty="0"/>
           </a:p>
           <a:p>
@@ -28148,13 +29136,13 @@
   <p:clrMapOvr>
     <a:masterClrMapping/>
   </p:clrMapOvr>
-  <mc:AlternateContent xmlns:mc="http://schemas.openxmlformats.org/markup-compatibility/2006">
-    <mc:Choice xmlns:p159="http://schemas.microsoft.com/office/powerpoint/2015/09/main" Requires="p159">
+  <mc:AlternateContent xmlns:mc="http://schemas.openxmlformats.org/markup-compatibility/2006" xmlns:p159="http://schemas.microsoft.com/office/powerpoint/2015/09/main">
+    <mc:Choice Requires="p159">
       <p:transition xmlns:p14="http://schemas.microsoft.com/office/powerpoint/2010/main" spd="slow" p14:dur="2000">
         <p159:morph option="byObject"/>
       </p:transition>
     </mc:Choice>
-    <mc:Fallback>
+    <mc:Fallback xmlns="">
       <p:transition spd="slow">
         <p:fade/>
       </p:transition>
@@ -28196,13 +29184,18 @@
             <p:ph type="title"/>
           </p:nvPr>
         </p:nvSpPr>
-        <p:spPr/>
+        <p:spPr>
+          <a:xfrm>
+            <a:off x="148833" y="414379"/>
+            <a:ext cx="11214100" cy="840230"/>
+          </a:xfrm>
+        </p:spPr>
         <p:txBody>
           <a:bodyPr/>
           <a:lstStyle/>
           <a:p>
             <a:r>
-              <a:rPr lang="lv-LV" dirty="0" err="1">
+              <a:rPr lang="lv-LV" sz="5400" dirty="0" err="1">
                 <a:solidFill>
                   <a:schemeClr val="accent4">
                     <a:lumMod val="60000"/>
@@ -28213,7 +29206,7 @@
               <a:t>Default</a:t>
             </a:r>
             <a:r>
-              <a:rPr lang="lv-LV" dirty="0">
+              <a:rPr lang="lv-LV" sz="5400" dirty="0">
                 <a:solidFill>
                   <a:schemeClr val="accent4">
                     <a:lumMod val="60000"/>
@@ -28223,7 +29216,7 @@
               </a:rPr>
               <a:t> Parametri</a:t>
             </a:r>
-            <a:endParaRPr lang="en-US" dirty="0">
+            <a:endParaRPr lang="en-US" sz="5400" dirty="0">
               <a:solidFill>
                 <a:schemeClr val="accent4">
                   <a:lumMod val="60000"/>
@@ -28300,7 +29293,7 @@
             </a:r>
             <a:r>
               <a:rPr lang="lv-LV" sz="2800" dirty="0"/>
-              <a:t> parametrus. Kad funkcija ir izsaukta bez argumenta tas izmanto </a:t>
+              <a:t> parametrus. Kad funkcija ir izsaukta bez argumenta , tas izmanto </a:t>
             </a:r>
             <a:r>
               <a:rPr lang="lv-LV" sz="2800" dirty="0" err="1"/>
@@ -28308,7 +29301,7 @@
             </a:r>
             <a:r>
               <a:rPr lang="lv-LV" sz="2800" dirty="0"/>
-              <a:t> parametru, bet ja tiks piešķirts </a:t>
+              <a:t> parametru, bet , ja tiks piešķirts </a:t>
             </a:r>
             <a:r>
               <a:rPr lang="lv-LV" sz="2800" dirty="0" err="1"/>
@@ -28362,13 +29355,13 @@
   <p:clrMapOvr>
     <a:masterClrMapping/>
   </p:clrMapOvr>
-  <mc:AlternateContent xmlns:mc="http://schemas.openxmlformats.org/markup-compatibility/2006">
-    <mc:Choice xmlns:p159="http://schemas.microsoft.com/office/powerpoint/2015/09/main" Requires="p159">
+  <mc:AlternateContent xmlns:mc="http://schemas.openxmlformats.org/markup-compatibility/2006" xmlns:p159="http://schemas.microsoft.com/office/powerpoint/2015/09/main">
+    <mc:Choice Requires="p159">
       <p:transition xmlns:p14="http://schemas.microsoft.com/office/powerpoint/2010/main" spd="slow" p14:dur="2000">
         <p159:morph option="byObject"/>
       </p:transition>
     </mc:Choice>
-    <mc:Fallback>
+    <mc:Fallback xmlns="">
       <p:transition spd="slow">
         <p:fade/>
       </p:transition>
@@ -29380,20 +30373,20 @@
 </file>
 
 <file path=customXml/item2.xml><?xml version="1.0" encoding="utf-8"?>
-<p:properties xmlns:p="http://schemas.microsoft.com/office/2006/metadata/properties" xmlns:xsi="http://www.w3.org/2001/XMLSchema-instance" xmlns:pc="http://schemas.microsoft.com/office/infopath/2007/PartnerControls">
-  <documentManagement>
-    <MediaServiceKeyPoints xmlns="71af3243-3dd4-4a8d-8c0d-dd76da1f02a5" xsi:nil="true"/>
-  </documentManagement>
-</p:properties>
-</file>
-
-<file path=customXml/item3.xml><?xml version="1.0" encoding="utf-8"?>
 <?mso-contentType ?>
 <FormTemplates xmlns="http://schemas.microsoft.com/sharepoint/v3/contenttype/forms">
   <Display>DocumentLibraryForm</Display>
   <Edit>DocumentLibraryForm</Edit>
   <New>DocumentLibraryForm</New>
 </FormTemplates>
+</file>
+
+<file path=customXml/item3.xml><?xml version="1.0" encoding="utf-8"?>
+<p:properties xmlns:p="http://schemas.microsoft.com/office/2006/metadata/properties" xmlns:xsi="http://www.w3.org/2001/XMLSchema-instance" xmlns:pc="http://schemas.microsoft.com/office/infopath/2007/PartnerControls">
+  <documentManagement>
+    <MediaServiceKeyPoints xmlns="71af3243-3dd4-4a8d-8c0d-dd76da1f02a5" xsi:nil="true"/>
+  </documentManagement>
+</p:properties>
 </file>
 
 <file path=customXml/itemProps1.xml><?xml version="1.0" encoding="utf-8"?>
@@ -29416,6 +30409,14 @@
 </file>
 
 <file path=customXml/itemProps2.xml><?xml version="1.0" encoding="utf-8"?>
+<ds:datastoreItem xmlns:ds="http://schemas.openxmlformats.org/officeDocument/2006/customXml" ds:itemID="{5B26E0C9-B2AA-42E6-97B6-E1B7D9EAF129}">
+  <ds:schemaRefs>
+    <ds:schemaRef ds:uri="http://schemas.microsoft.com/sharepoint/v3/contenttype/forms"/>
+  </ds:schemaRefs>
+</ds:datastoreItem>
+</file>
+
+<file path=customXml/itemProps3.xml><?xml version="1.0" encoding="utf-8"?>
 <ds:datastoreItem xmlns:ds="http://schemas.openxmlformats.org/officeDocument/2006/customXml" ds:itemID="{F5757914-1161-4661-9696-421FD6935CDD}">
   <ds:schemaRefs>
     <ds:schemaRef ds:uri="http://schemas.microsoft.com/office/2006/metadata/properties"/>
@@ -29423,12 +30424,4 @@
     <ds:schemaRef ds:uri="71af3243-3dd4-4a8d-8c0d-dd76da1f02a5"/>
   </ds:schemaRefs>
 </ds:datastoreItem>
-</file>
-
-<file path=customXml/itemProps3.xml><?xml version="1.0" encoding="utf-8"?>
-<ds:datastoreItem xmlns:ds="http://schemas.openxmlformats.org/officeDocument/2006/customXml" ds:itemID="{5B26E0C9-B2AA-42E6-97B6-E1B7D9EAF129}">
-  <ds:schemaRefs>
-    <ds:schemaRef ds:uri="http://schemas.microsoft.com/sharepoint/v3/contenttype/forms"/>
-  </ds:schemaRefs>
-</ds:datastoreItem>
 </file>
--- a/Python Funkcijas.pptx
+++ b/Python Funkcijas.pptx
@@ -25996,10 +25996,6 @@
               <a:t>ir</a:t>
             </a:r>
             <a:r>
-              <a:rPr lang="lv-LV" sz="2800" dirty="0"/>
-              <a:t> </a:t>
-            </a:r>
-            <a:r>
               <a:rPr lang="en-US" sz="2800" dirty="0"/>
               <a:t>, </a:t>
             </a:r>
@@ -26464,7 +26460,7 @@
             </a:pPr>
             <a:r>
               <a:rPr lang="lv-LV" sz="2800" spc="0" dirty="0"/>
-              <a:t>Izveido programmu , kas pajautā lietotājam vārdu ārpus funkcijas, bet iekš funkcijas programma izmanto ievadīto vārdu , lai izvadītu tekstu «Jūsu vārds ir (Vārds )»</a:t>
+              <a:t>Izveido programmu, kas pajautā lietotājam vārdu ārpus funkcijas, bet iekš funkcijas programma izmanto ievadīto vārdu, lai izvadītu tekstu «Jūsu vārds ir (Vārds)»</a:t>
             </a:r>
           </a:p>
           <a:p>
@@ -26783,7 +26779,7 @@
                   </a:schemeClr>
                 </a:solidFill>
               </a:rPr>
-              <a:t>Izveido programmu , kas funkcijā aprēķina lietotāja vecumu pēc viņa dzimšanas gada , ko lietotājs ievada ārpus funkcijas.</a:t>
+              <a:t>Izveido programmu, kas funkcijā aprēķina lietotāja vecumu pēc viņa dzimšanas gada, ko lietotājs ievada ārpus funkcijas.</a:t>
             </a:r>
           </a:p>
           <a:p>
@@ -26801,7 +26797,7 @@
                   </a:schemeClr>
                 </a:solidFill>
               </a:rPr>
-              <a:t>Programma izvada tekstu «Jūs esat (vecums) gadus vecs »</a:t>
+              <a:t>Programma izvada tekstu «Jūs esat (vecums) gadus vecs»</a:t>
             </a:r>
             <a:endParaRPr lang="lv-LV" sz="2800" spc="0" dirty="0"/>
           </a:p>
@@ -27113,7 +27109,7 @@
                   </a:schemeClr>
                 </a:solidFill>
               </a:rPr>
-              <a:t>Izveido programmu , kura pajautā pēdu (mērvienības) daudzumu un tad funkcijā to pārveido uz metriem un noapaļo līdz 2 cipariem aiz komata . Pēc tam izvada tekstu «(pēdas) pēdas ir (metri) metros »</a:t>
+              <a:t>Izveido programmu, kura pajautā pēdu (mērvienības) daudzumu un tad funkcijā to pārveido uz metriem un noapaļo līdz 2 cipariem aiz komata. Pēc tam izvada tekstu «(pēdas) pēdas ir (metri) metros»</a:t>
             </a:r>
             <a:endParaRPr lang="lv-LV" sz="2800" spc="0" dirty="0"/>
           </a:p>
@@ -27865,7 +27861,7 @@
                   <a:schemeClr val="bg1"/>
                 </a:solidFill>
               </a:rPr>
-              <a:t> valodā, atšķirībā no citām valodām , ir ļoti viegli!</a:t>
+              <a:t> valodā, atšķirībā no citām valodām, ir ļoti viegli!</a:t>
             </a:r>
           </a:p>
           <a:p>
@@ -27882,7 +27878,7 @@
                   <a:schemeClr val="bg1"/>
                 </a:solidFill>
               </a:rPr>
-              <a:t>To var izveidot , izmantojot atslēgas vārdu «</a:t>
+              <a:t>To var izveidot, izmantojot atslēgas vārdu «</a:t>
             </a:r>
             <a:r>
               <a:rPr lang="lv-LV" sz="7000" spc="0" dirty="0" err="1">
@@ -27898,7 +27894,7 @@
                   <a:schemeClr val="bg1"/>
                 </a:solidFill>
               </a:rPr>
-              <a:t> » un tad iedodot funkcijai nosaukumu , nobeidzot to ar iekavām un kolu. Piemēram, </a:t>
+              <a:t>», un tad iedodot funkcijai nosaukumu, nobeidzot to ar iekavām un kolu. Piemēram, </a:t>
             </a:r>
             <a:r>
               <a:rPr lang="lv-LV" sz="7000" spc="0" dirty="0" err="1">
@@ -28127,7 +28123,7 @@
             </a:pPr>
             <a:r>
               <a:rPr lang="lv-LV" sz="2800" dirty="0"/>
-              <a:t>Lai izsauktu funkciju jāieraksta funkcijas nosaukums un iekavas aiz tā.</a:t>
+              <a:t>Lai izsauktu funkciju, jāieraksta funkcijas nosaukums un iekavas aiz tā.</a:t>
             </a:r>
           </a:p>
           <a:p>
@@ -28390,7 +28386,7 @@
                   <a:schemeClr val="bg1"/>
                 </a:solidFill>
               </a:rPr>
-              <a:t>Argumenti tiek norādīti pēc funkcijas nosaukuma , iekavās. Argumentu daudzums ir neierobežots ; tos var veidot tik , cik vēlas — tos atdala ar komatu.</a:t>
+              <a:t>Argumenti tiek norādīti pēc funkcijas nosaukuma, iekavās. Argumentu daudzums ir neierobežots; tos var veidot tik, cik vēlas — tos atdala ar komatu.</a:t>
             </a:r>
           </a:p>
           <a:p>
@@ -28405,7 +28401,7 @@
                   <a:schemeClr val="bg1"/>
                 </a:solidFill>
               </a:rPr>
-              <a:t>Argumentus bieži vien saīsina uz " </a:t>
+              <a:t>Argumentus bieži vien saīsina uz "</a:t>
             </a:r>
             <a:r>
               <a:rPr lang="lv-LV" sz="3200" spc="0" dirty="0" err="1">
@@ -28421,7 +28417,7 @@
                   <a:schemeClr val="bg1"/>
                 </a:solidFill>
               </a:rPr>
-              <a:t> "</a:t>
+              <a:t>"</a:t>
             </a:r>
             <a:endParaRPr lang="en-US" sz="3200" spc="0" dirty="0">
               <a:solidFill>
@@ -28620,7 +28616,7 @@
           <a:p>
             <a:r>
               <a:rPr lang="lv-LV" sz="2800" dirty="0"/>
-              <a:t>Funkcijas ir jāizsauc ar pareizu argumentu daudzumu. Piemēram, ja funkcija sagaida 2 argumentus, tad tev arī jāiedod 2 argumentus , ne vairāk, ne mazāk.</a:t>
+              <a:t>Funkcijas ir jāizsauc ar pareizu argumentu daudzumu. Piemēram, ja funkcija sagaida 2 argumentus, tad tev arī jāiedod 2 argumentus, ne vairāk, ne mazāk.</a:t>
             </a:r>
           </a:p>
           <a:p>
@@ -28854,7 +28850,7 @@
           <a:p>
             <a:r>
               <a:rPr lang="lv-LV" sz="2800" dirty="0"/>
-              <a:t>Ja nevēlies , lai secība ir svarīga , var definēt vairākus argumentus un katram piešķirt vērtību.</a:t>
+              <a:t>Ja nevēlies, lai secība ir svarīga, var definēt vairākus argumentus un katram piešķirt vērtību.</a:t>
             </a:r>
             <a:endParaRPr lang="en-US" sz="2800" dirty="0"/>
           </a:p>
@@ -29070,7 +29066,7 @@
           <a:p>
             <a:r>
               <a:rPr lang="lv-LV" sz="2800" dirty="0"/>
-              <a:t>Ja nav zināms , cik argumentus nodosi funkcijai, tad funkcijas definīcijā pirms parametra nosaukuma jāraksta «*».</a:t>
+              <a:t>Ja nav zināms, cik argumentus nodosi funkcijai, tad funkcijas definīcijā pirms parametra nosaukuma jāraksta «*».</a:t>
             </a:r>
           </a:p>
           <a:p>
@@ -29087,7 +29083,7 @@
             </a:r>
             <a:r>
               <a:rPr lang="lv-LV" sz="2800" dirty="0"/>
-              <a:t> »</a:t>
+              <a:t>»</a:t>
             </a:r>
             <a:endParaRPr lang="en-US" dirty="0"/>
           </a:p>
@@ -29293,7 +29289,7 @@
             </a:r>
             <a:r>
               <a:rPr lang="lv-LV" sz="2800" dirty="0"/>
-              <a:t> parametrus. Kad funkcija ir izsaukta bez argumenta , tas izmanto </a:t>
+              <a:t> parametrus. Kad funkcija ir izsaukta bez argumenta, tas izmanto </a:t>
             </a:r>
             <a:r>
               <a:rPr lang="lv-LV" sz="2800" dirty="0" err="1"/>
@@ -29301,7 +29297,7 @@
             </a:r>
             <a:r>
               <a:rPr lang="lv-LV" sz="2800" dirty="0"/>
-              <a:t> parametru, bet , ja tiks piešķirts </a:t>
+              <a:t> parametru, bet, ja tiks piešķirts </a:t>
             </a:r>
             <a:r>
               <a:rPr lang="lv-LV" sz="2800" dirty="0" err="1"/>
@@ -30162,6 +30158,15 @@
 </file>
 
 <file path=customXml/item1.xml><?xml version="1.0" encoding="utf-8"?>
+<?mso-contentType ?>
+<FormTemplates xmlns="http://schemas.microsoft.com/sharepoint/v3/contenttype/forms">
+  <Display>DocumentLibraryForm</Display>
+  <Edit>DocumentLibraryForm</Edit>
+  <New>DocumentLibraryForm</New>
+</FormTemplates>
+</file>
+
+<file path=customXml/item2.xml><?xml version="1.0" encoding="utf-8"?>
 <ct:contentTypeSchema xmlns:ct="http://schemas.microsoft.com/office/2006/metadata/contentType" xmlns:ma="http://schemas.microsoft.com/office/2006/metadata/properties/metaAttributes" ct:_="" ma:_="" ma:contentTypeName="Document" ma:contentTypeID="0x01010079F111ED35F8CC479449609E8A0923A6" ma:contentTypeVersion="11" ma:contentTypeDescription="Create a new document." ma:contentTypeScope="" ma:versionID="96291512c1ee715ab617f4c07df79fc1">
   <xsd:schema xmlns:xsd="http://www.w3.org/2001/XMLSchema" xmlns:xs="http://www.w3.org/2001/XMLSchema" xmlns:p="http://schemas.microsoft.com/office/2006/metadata/properties" xmlns:ns2="71af3243-3dd4-4a8d-8c0d-dd76da1f02a5" xmlns:ns3="16c05727-aa75-4e4a-9b5f-8a80a1165891" targetNamespace="http://schemas.microsoft.com/office/2006/metadata/properties" ma:root="true" ma:fieldsID="8256c27c40ca5c40ce1cf6c44f0205df" ns2:_="" ns3:_="">
     <xsd:import namespace="71af3243-3dd4-4a8d-8c0d-dd76da1f02a5"/>
@@ -30372,15 +30377,6 @@
 </ct:contentTypeSchema>
 </file>
 
-<file path=customXml/item2.xml><?xml version="1.0" encoding="utf-8"?>
-<?mso-contentType ?>
-<FormTemplates xmlns="http://schemas.microsoft.com/sharepoint/v3/contenttype/forms">
-  <Display>DocumentLibraryForm</Display>
-  <Edit>DocumentLibraryForm</Edit>
-  <New>DocumentLibraryForm</New>
-</FormTemplates>
-</file>
-
 <file path=customXml/item3.xml><?xml version="1.0" encoding="utf-8"?>
 <p:properties xmlns:p="http://schemas.microsoft.com/office/2006/metadata/properties" xmlns:xsi="http://www.w3.org/2001/XMLSchema-instance" xmlns:pc="http://schemas.microsoft.com/office/infopath/2007/PartnerControls">
   <documentManagement>
@@ -30390,6 +30386,14 @@
 </file>
 
 <file path=customXml/itemProps1.xml><?xml version="1.0" encoding="utf-8"?>
+<ds:datastoreItem xmlns:ds="http://schemas.openxmlformats.org/officeDocument/2006/customXml" ds:itemID="{5B26E0C9-B2AA-42E6-97B6-E1B7D9EAF129}">
+  <ds:schemaRefs>
+    <ds:schemaRef ds:uri="http://schemas.microsoft.com/sharepoint/v3/contenttype/forms"/>
+  </ds:schemaRefs>
+</ds:datastoreItem>
+</file>
+
+<file path=customXml/itemProps2.xml><?xml version="1.0" encoding="utf-8"?>
 <ds:datastoreItem xmlns:ds="http://schemas.openxmlformats.org/officeDocument/2006/customXml" ds:itemID="{4C103400-4A22-4E35-B588-4C4D42638959}">
   <ds:schemaRefs>
     <ds:schemaRef ds:uri="http://schemas.microsoft.com/office/2006/metadata/contentType"/>
@@ -30408,14 +30412,6 @@
 </ds:datastoreItem>
 </file>
 
-<file path=customXml/itemProps2.xml><?xml version="1.0" encoding="utf-8"?>
-<ds:datastoreItem xmlns:ds="http://schemas.openxmlformats.org/officeDocument/2006/customXml" ds:itemID="{5B26E0C9-B2AA-42E6-97B6-E1B7D9EAF129}">
-  <ds:schemaRefs>
-    <ds:schemaRef ds:uri="http://schemas.microsoft.com/sharepoint/v3/contenttype/forms"/>
-  </ds:schemaRefs>
-</ds:datastoreItem>
-</file>
-
 <file path=customXml/itemProps3.xml><?xml version="1.0" encoding="utf-8"?>
 <ds:datastoreItem xmlns:ds="http://schemas.openxmlformats.org/officeDocument/2006/customXml" ds:itemID="{F5757914-1161-4661-9696-421FD6935CDD}">
   <ds:schemaRefs>
